--- a/2021-11-06/js-3 - Loesungen.pptx
+++ b/2021-11-06/js-3 - Loesungen.pptx
@@ -5,7 +5,7 @@
     <p:sldMasterId id="2147483660" r:id="rId1"/>
   </p:sldMasterIdLst>
   <p:handoutMasterIdLst>
-    <p:handoutMasterId r:id="rId11"/>
+    <p:handoutMasterId r:id="rId8"/>
   </p:handoutMasterIdLst>
   <p:sldIdLst>
     <p:sldId id="326" r:id="rId2"/>
@@ -13,10 +13,7 @@
     <p:sldId id="336" r:id="rId4"/>
     <p:sldId id="337" r:id="rId5"/>
     <p:sldId id="338" r:id="rId6"/>
-    <p:sldId id="339" r:id="rId7"/>
-    <p:sldId id="340" r:id="rId8"/>
-    <p:sldId id="341" r:id="rId9"/>
-    <p:sldId id="304" r:id="rId10"/>
+    <p:sldId id="304" r:id="rId7"/>
   </p:sldIdLst>
   <p:sldSz cx="12192000" cy="6858000"/>
   <p:notesSz cx="6858000" cy="9144000"/>
@@ -125,9 +122,6 @@
             <p14:sldId id="336"/>
             <p14:sldId id="337"/>
             <p14:sldId id="338"/>
-            <p14:sldId id="339"/>
-            <p14:sldId id="340"/>
-            <p14:sldId id="341"/>
           </p14:sldIdLst>
         </p14:section>
         <p14:section name="Ende" id="{02AF34D8-F4D7-4376-8A64-789B77C2F39B}">
@@ -256,7 +250,7 @@
               <a:rPr lang="de-AT" smtClean="0">
                 <a:latin typeface="Arial" panose="020B0604020202020204" pitchFamily="34" charset="0"/>
               </a:rPr>
-              <a:t>10.01.2021</a:t>
+              <a:t>06.11.21</a:t>
             </a:fld>
             <a:endParaRPr lang="de-AT" dirty="0">
               <a:latin typeface="Arial" panose="020B0604020202020204" pitchFamily="34" charset="0"/>
@@ -9184,7023 +9178,6 @@
 </file>
 
 <file path=ppt/slides/slide6.xml><?xml version="1.0" encoding="utf-8"?>
-<p:sld xmlns:a="http://schemas.openxmlformats.org/drawingml/2006/main" xmlns:r="http://schemas.openxmlformats.org/officeDocument/2006/relationships" xmlns:p="http://schemas.openxmlformats.org/presentationml/2006/main">
-  <p:cSld>
-    <p:spTree>
-      <p:nvGrpSpPr>
-        <p:cNvPr id="1" name=""/>
-        <p:cNvGrpSpPr/>
-        <p:nvPr/>
-      </p:nvGrpSpPr>
-      <p:grpSpPr>
-        <a:xfrm>
-          <a:off x="0" y="0"/>
-          <a:ext cx="0" cy="0"/>
-          <a:chOff x="0" y="0"/>
-          <a:chExt cx="0" cy="0"/>
-        </a:xfrm>
-      </p:grpSpPr>
-      <p:sp>
-        <p:nvSpPr>
-          <p:cNvPr id="2" name="Titel 1">
-            <a:extLst>
-              <a:ext uri="{FF2B5EF4-FFF2-40B4-BE49-F238E27FC236}">
-                <a16:creationId xmlns:a16="http://schemas.microsoft.com/office/drawing/2014/main" id="{AD3BE809-B309-43B9-8A9F-0CBBE89785F3}"/>
-              </a:ext>
-            </a:extLst>
-          </p:cNvPr>
-          <p:cNvSpPr>
-            <a:spLocks noGrp="1"/>
-          </p:cNvSpPr>
-          <p:nvPr>
-            <p:ph type="title"/>
-          </p:nvPr>
-        </p:nvSpPr>
-        <p:spPr/>
-        <p:txBody>
-          <a:bodyPr/>
-          <a:lstStyle/>
-          <a:p>
-            <a:r>
-              <a:rPr lang="de-AT" dirty="0"/>
-              <a:t>Aufgaben</a:t>
-            </a:r>
-          </a:p>
-        </p:txBody>
-      </p:sp>
-      <p:sp>
-        <p:nvSpPr>
-          <p:cNvPr id="3" name="Textplatzhalter 2">
-            <a:extLst>
-              <a:ext uri="{FF2B5EF4-FFF2-40B4-BE49-F238E27FC236}">
-                <a16:creationId xmlns:a16="http://schemas.microsoft.com/office/drawing/2014/main" id="{960E955D-4435-4B77-A91F-F660349CEEAC}"/>
-              </a:ext>
-            </a:extLst>
-          </p:cNvPr>
-          <p:cNvSpPr>
-            <a:spLocks noGrp="1"/>
-          </p:cNvSpPr>
-          <p:nvPr>
-            <p:ph type="body" sz="quarter" idx="13"/>
-          </p:nvPr>
-        </p:nvSpPr>
-        <p:spPr>
-          <a:xfrm>
-            <a:off x="949136" y="1455738"/>
-            <a:ext cx="10293728" cy="1190069"/>
-          </a:xfrm>
-        </p:spPr>
-        <p:txBody>
-          <a:bodyPr/>
-          <a:lstStyle/>
-          <a:p>
-            <a:pPr marL="0" indent="0">
-              <a:buNone/>
-            </a:pPr>
-            <a:r>
-              <a:rPr lang="de-AT" dirty="0"/>
-              <a:t>Erstelle eine Seite mit einem Eingabefeld, in das der Anwender eine Internetadresse eingeben kann. Füge außerdem einen Button ein. Wenn der Besucher drauf klickt, soll das Programm die entsprechende Seite aufrufen. Damit das funktioniert, muss die komplette URL (einschließlich https://) eingegeben werden. Überprüfe mit dem </a:t>
-            </a:r>
-            <a:r>
-              <a:rPr lang="de-AT" dirty="0" err="1"/>
-              <a:t>includes</a:t>
-            </a:r>
-            <a:r>
-              <a:rPr lang="de-AT" dirty="0"/>
-              <a:t>-Befehl, ob dieser Teil in der eingegebenen Zeichenkette enthalten ist. Trifft dies nicht zu, füge ihn hinzu.</a:t>
-            </a:r>
-          </a:p>
-          <a:p>
-            <a:pPr marL="0" indent="0">
-              <a:buNone/>
-            </a:pPr>
-            <a:endParaRPr lang="de-AT" dirty="0"/>
-          </a:p>
-        </p:txBody>
-      </p:sp>
-      <p:sp>
-        <p:nvSpPr>
-          <p:cNvPr id="4" name="Rectangle 1">
-            <a:extLst>
-              <a:ext uri="{FF2B5EF4-FFF2-40B4-BE49-F238E27FC236}">
-                <a16:creationId xmlns:a16="http://schemas.microsoft.com/office/drawing/2014/main" id="{9A2C05BF-447E-4F68-BFDC-E09F456F3BB0}"/>
-              </a:ext>
-            </a:extLst>
-          </p:cNvPr>
-          <p:cNvSpPr>
-            <a:spLocks noChangeArrowheads="1"/>
-          </p:cNvSpPr>
-          <p:nvPr/>
-        </p:nvSpPr>
-        <p:spPr bwMode="auto">
-          <a:xfrm>
-            <a:off x="2775219" y="3072474"/>
-            <a:ext cx="6641562" cy="2677656"/>
-          </a:xfrm>
-          <a:prstGeom prst="rect">
-            <a:avLst/>
-          </a:prstGeom>
-          <a:solidFill>
-            <a:schemeClr val="tx1"/>
-          </a:solidFill>
-          <a:ln>
-            <a:noFill/>
-          </a:ln>
-          <a:effectLst/>
-        </p:spPr>
-        <p:txBody>
-          <a:bodyPr vert="horz" wrap="none" lIns="91440" tIns="45720" rIns="91440" bIns="45720" numCol="1" anchor="ctr" anchorCtr="0" compatLnSpc="1">
-            <a:prstTxWarp prst="textNoShape">
-              <a:avLst/>
-            </a:prstTxWarp>
-            <a:spAutoFit/>
-          </a:bodyPr>
-          <a:lstStyle/>
-          <a:p>
-            <a:pPr marL="0" marR="0" lvl="0" indent="0" algn="l" defTabSz="914400" rtl="0" eaLnBrk="0" fontAlgn="base" latinLnBrk="0" hangingPunct="0">
-              <a:lnSpc>
-                <a:spcPct val="100000"/>
-              </a:lnSpc>
-              <a:spcBef>
-                <a:spcPct val="0"/>
-              </a:spcBef>
-              <a:spcAft>
-                <a:spcPct val="0"/>
-              </a:spcAft>
-              <a:buClrTx/>
-              <a:buSzTx/>
-              <a:buFontTx/>
-              <a:buNone/>
-              <a:tabLst/>
-            </a:pPr>
-            <a:r>
-              <a:rPr kumimoji="0" lang="de-DE" altLang="de-DE" sz="1200" b="0" i="1" u="none" strike="noStrike" cap="none" normalizeH="0" baseline="0" dirty="0">
-                <a:ln>
-                  <a:noFill/>
-                </a:ln>
-                <a:solidFill>
-                  <a:srgbClr val="9876AA"/>
-                </a:solidFill>
-                <a:effectLst/>
-                <a:latin typeface="Consolas" panose="020B0609020204030204" pitchFamily="49" charset="0"/>
-              </a:rPr>
-              <a:t>&lt;</a:t>
-            </a:r>
-            <a:r>
-              <a:rPr kumimoji="0" lang="de-DE" altLang="de-DE" sz="1200" b="0" i="0" u="none" strike="noStrike" cap="none" normalizeH="0" baseline="0" dirty="0" err="1">
-                <a:ln>
-                  <a:noFill/>
-                </a:ln>
-                <a:solidFill>
-                  <a:srgbClr val="E8BF6A"/>
-                </a:solidFill>
-                <a:effectLst/>
-                <a:latin typeface="Consolas" panose="020B0609020204030204" pitchFamily="49" charset="0"/>
-              </a:rPr>
-              <a:t>body</a:t>
-            </a:r>
-            <a:r>
-              <a:rPr kumimoji="0" lang="de-DE" altLang="de-DE" sz="1200" b="0" i="1" u="none" strike="noStrike" cap="none" normalizeH="0" baseline="0" dirty="0">
-                <a:ln>
-                  <a:noFill/>
-                </a:ln>
-                <a:solidFill>
-                  <a:srgbClr val="9876AA"/>
-                </a:solidFill>
-                <a:effectLst/>
-                <a:latin typeface="Consolas" panose="020B0609020204030204" pitchFamily="49" charset="0"/>
-              </a:rPr>
-              <a:t>&gt;</a:t>
-            </a:r>
-            <a:br>
-              <a:rPr kumimoji="0" lang="de-DE" altLang="de-DE" sz="1200" b="0" i="1" u="none" strike="noStrike" cap="none" normalizeH="0" baseline="0" dirty="0">
-                <a:ln>
-                  <a:noFill/>
-                </a:ln>
-                <a:solidFill>
-                  <a:srgbClr val="9876AA"/>
-                </a:solidFill>
-                <a:effectLst/>
-                <a:latin typeface="Consolas" panose="020B0609020204030204" pitchFamily="49" charset="0"/>
-              </a:rPr>
-            </a:br>
-            <a:r>
-              <a:rPr kumimoji="0" lang="de-DE" altLang="de-DE" sz="1200" b="0" i="1" u="none" strike="noStrike" cap="none" normalizeH="0" baseline="0" dirty="0">
-                <a:ln>
-                  <a:noFill/>
-                </a:ln>
-                <a:solidFill>
-                  <a:srgbClr val="9876AA"/>
-                </a:solidFill>
-                <a:effectLst/>
-                <a:latin typeface="Consolas" panose="020B0609020204030204" pitchFamily="49" charset="0"/>
-              </a:rPr>
-              <a:t>&lt;</a:t>
-            </a:r>
-            <a:r>
-              <a:rPr kumimoji="0" lang="de-DE" altLang="de-DE" sz="1200" b="0" i="0" u="none" strike="noStrike" cap="none" normalizeH="0" baseline="0" dirty="0">
-                <a:ln>
-                  <a:noFill/>
-                </a:ln>
-                <a:solidFill>
-                  <a:srgbClr val="E8BF6A"/>
-                </a:solidFill>
-                <a:effectLst/>
-                <a:latin typeface="Consolas" panose="020B0609020204030204" pitchFamily="49" charset="0"/>
-              </a:rPr>
-              <a:t>p</a:t>
-            </a:r>
-            <a:r>
-              <a:rPr kumimoji="0" lang="de-DE" altLang="de-DE" sz="1200" b="0" i="1" u="none" strike="noStrike" cap="none" normalizeH="0" baseline="0" dirty="0">
-                <a:ln>
-                  <a:noFill/>
-                </a:ln>
-                <a:solidFill>
-                  <a:srgbClr val="9876AA"/>
-                </a:solidFill>
-                <a:effectLst/>
-                <a:latin typeface="Consolas" panose="020B0609020204030204" pitchFamily="49" charset="0"/>
-              </a:rPr>
-              <a:t>&gt;</a:t>
-            </a:r>
-            <a:r>
-              <a:rPr kumimoji="0" lang="de-DE" altLang="de-DE" sz="1200" b="0" i="0" u="none" strike="noStrike" cap="none" normalizeH="0" baseline="0" dirty="0">
-                <a:ln>
-                  <a:noFill/>
-                </a:ln>
-                <a:solidFill>
-                  <a:srgbClr val="A9B7C6"/>
-                </a:solidFill>
-                <a:effectLst/>
-                <a:latin typeface="Consolas" panose="020B0609020204030204" pitchFamily="49" charset="0"/>
-              </a:rPr>
-              <a:t>Gib eine beliebige Internetadresse ein</a:t>
-            </a:r>
-            <a:r>
-              <a:rPr kumimoji="0" lang="de-DE" altLang="de-DE" sz="1200" b="0" i="1" u="none" strike="noStrike" cap="none" normalizeH="0" baseline="0" dirty="0">
-                <a:ln>
-                  <a:noFill/>
-                </a:ln>
-                <a:solidFill>
-                  <a:srgbClr val="9876AA"/>
-                </a:solidFill>
-                <a:effectLst/>
-                <a:latin typeface="Consolas" panose="020B0609020204030204" pitchFamily="49" charset="0"/>
-              </a:rPr>
-              <a:t>&lt;/</a:t>
-            </a:r>
-            <a:r>
-              <a:rPr kumimoji="0" lang="de-DE" altLang="de-DE" sz="1200" b="0" i="0" u="none" strike="noStrike" cap="none" normalizeH="0" baseline="0" dirty="0">
-                <a:ln>
-                  <a:noFill/>
-                </a:ln>
-                <a:solidFill>
-                  <a:srgbClr val="E8BF6A"/>
-                </a:solidFill>
-                <a:effectLst/>
-                <a:latin typeface="Consolas" panose="020B0609020204030204" pitchFamily="49" charset="0"/>
-              </a:rPr>
-              <a:t>p</a:t>
-            </a:r>
-            <a:r>
-              <a:rPr kumimoji="0" lang="de-DE" altLang="de-DE" sz="1200" b="0" i="1" u="none" strike="noStrike" cap="none" normalizeH="0" baseline="0" dirty="0">
-                <a:ln>
-                  <a:noFill/>
-                </a:ln>
-                <a:solidFill>
-                  <a:srgbClr val="9876AA"/>
-                </a:solidFill>
-                <a:effectLst/>
-                <a:latin typeface="Consolas" panose="020B0609020204030204" pitchFamily="49" charset="0"/>
-              </a:rPr>
-              <a:t>&gt;</a:t>
-            </a:r>
-            <a:br>
-              <a:rPr kumimoji="0" lang="de-DE" altLang="de-DE" sz="1200" b="0" i="1" u="none" strike="noStrike" cap="none" normalizeH="0" baseline="0" dirty="0">
-                <a:ln>
-                  <a:noFill/>
-                </a:ln>
-                <a:solidFill>
-                  <a:srgbClr val="9876AA"/>
-                </a:solidFill>
-                <a:effectLst/>
-                <a:latin typeface="Consolas" panose="020B0609020204030204" pitchFamily="49" charset="0"/>
-              </a:rPr>
-            </a:br>
-            <a:r>
-              <a:rPr kumimoji="0" lang="de-DE" altLang="de-DE" sz="1200" b="0" i="1" u="none" strike="noStrike" cap="none" normalizeH="0" baseline="0" dirty="0">
-                <a:ln>
-                  <a:noFill/>
-                </a:ln>
-                <a:solidFill>
-                  <a:srgbClr val="9876AA"/>
-                </a:solidFill>
-                <a:effectLst/>
-                <a:latin typeface="Consolas" panose="020B0609020204030204" pitchFamily="49" charset="0"/>
-              </a:rPr>
-              <a:t>&lt;</a:t>
-            </a:r>
-            <a:r>
-              <a:rPr kumimoji="0" lang="de-DE" altLang="de-DE" sz="1200" b="0" i="0" u="none" strike="noStrike" cap="none" normalizeH="0" baseline="0" dirty="0">
-                <a:ln>
-                  <a:noFill/>
-                </a:ln>
-                <a:solidFill>
-                  <a:srgbClr val="E8BF6A"/>
-                </a:solidFill>
-                <a:effectLst/>
-                <a:latin typeface="Consolas" panose="020B0609020204030204" pitchFamily="49" charset="0"/>
-              </a:rPr>
-              <a:t>p</a:t>
-            </a:r>
-            <a:r>
-              <a:rPr kumimoji="0" lang="de-DE" altLang="de-DE" sz="1200" b="0" i="1" u="none" strike="noStrike" cap="none" normalizeH="0" baseline="0" dirty="0">
-                <a:ln>
-                  <a:noFill/>
-                </a:ln>
-                <a:solidFill>
-                  <a:srgbClr val="9876AA"/>
-                </a:solidFill>
-                <a:effectLst/>
-                <a:latin typeface="Consolas" panose="020B0609020204030204" pitchFamily="49" charset="0"/>
-              </a:rPr>
-              <a:t>&gt;&lt;</a:t>
-            </a:r>
-            <a:r>
-              <a:rPr kumimoji="0" lang="de-DE" altLang="de-DE" sz="1200" b="0" i="0" u="none" strike="noStrike" cap="none" normalizeH="0" baseline="0" dirty="0" err="1">
-                <a:ln>
-                  <a:noFill/>
-                </a:ln>
-                <a:solidFill>
-                  <a:srgbClr val="E8BF6A"/>
-                </a:solidFill>
-                <a:effectLst/>
-                <a:latin typeface="Consolas" panose="020B0609020204030204" pitchFamily="49" charset="0"/>
-              </a:rPr>
-              <a:t>input</a:t>
-            </a:r>
-            <a:r>
-              <a:rPr kumimoji="0" lang="de-DE" altLang="de-DE" sz="1200" b="0" i="0" u="none" strike="noStrike" cap="none" normalizeH="0" baseline="0" dirty="0">
-                <a:ln>
-                  <a:noFill/>
-                </a:ln>
-                <a:solidFill>
-                  <a:srgbClr val="E8BF6A"/>
-                </a:solidFill>
-                <a:effectLst/>
-                <a:latin typeface="Consolas" panose="020B0609020204030204" pitchFamily="49" charset="0"/>
-              </a:rPr>
-              <a:t> </a:t>
-            </a:r>
-            <a:r>
-              <a:rPr kumimoji="0" lang="de-DE" altLang="de-DE" sz="1200" b="0" i="0" u="none" strike="noStrike" cap="none" normalizeH="0" baseline="0" dirty="0" err="1">
-                <a:ln>
-                  <a:noFill/>
-                </a:ln>
-                <a:solidFill>
-                  <a:srgbClr val="BABABA"/>
-                </a:solidFill>
-                <a:effectLst/>
-                <a:latin typeface="Consolas" panose="020B0609020204030204" pitchFamily="49" charset="0"/>
-              </a:rPr>
-              <a:t>id</a:t>
-            </a:r>
-            <a:r>
-              <a:rPr kumimoji="0" lang="de-DE" altLang="de-DE" sz="1200" b="0" i="0" u="none" strike="noStrike" cap="none" normalizeH="0" baseline="0" dirty="0">
-                <a:ln>
-                  <a:noFill/>
-                </a:ln>
-                <a:solidFill>
-                  <a:srgbClr val="A5C261"/>
-                </a:solidFill>
-                <a:effectLst/>
-                <a:latin typeface="Consolas" panose="020B0609020204030204" pitchFamily="49" charset="0"/>
-              </a:rPr>
-              <a:t>="</a:t>
-            </a:r>
-            <a:r>
-              <a:rPr kumimoji="0" lang="de-DE" altLang="de-DE" sz="1200" b="0" i="0" u="none" strike="noStrike" cap="none" normalizeH="0" baseline="0" dirty="0" err="1">
-                <a:ln>
-                  <a:noFill/>
-                </a:ln>
-                <a:solidFill>
-                  <a:srgbClr val="A5C261"/>
-                </a:solidFill>
-                <a:effectLst/>
-                <a:latin typeface="Consolas" panose="020B0609020204030204" pitchFamily="49" charset="0"/>
-              </a:rPr>
-              <a:t>eingabe</a:t>
-            </a:r>
-            <a:r>
-              <a:rPr kumimoji="0" lang="de-DE" altLang="de-DE" sz="1200" b="0" i="0" u="none" strike="noStrike" cap="none" normalizeH="0" baseline="0" dirty="0">
-                <a:ln>
-                  <a:noFill/>
-                </a:ln>
-                <a:solidFill>
-                  <a:srgbClr val="A5C261"/>
-                </a:solidFill>
-                <a:effectLst/>
-                <a:latin typeface="Consolas" panose="020B0609020204030204" pitchFamily="49" charset="0"/>
-              </a:rPr>
-              <a:t>"</a:t>
-            </a:r>
-            <a:r>
-              <a:rPr kumimoji="0" lang="de-DE" altLang="de-DE" sz="1200" b="0" i="1" u="none" strike="noStrike" cap="none" normalizeH="0" baseline="0" dirty="0">
-                <a:ln>
-                  <a:noFill/>
-                </a:ln>
-                <a:solidFill>
-                  <a:srgbClr val="9876AA"/>
-                </a:solidFill>
-                <a:effectLst/>
-                <a:latin typeface="Consolas" panose="020B0609020204030204" pitchFamily="49" charset="0"/>
-              </a:rPr>
-              <a:t>&gt; &lt;/</a:t>
-            </a:r>
-            <a:r>
-              <a:rPr kumimoji="0" lang="de-DE" altLang="de-DE" sz="1200" b="0" i="0" u="none" strike="noStrike" cap="none" normalizeH="0" baseline="0" dirty="0">
-                <a:ln>
-                  <a:noFill/>
-                </a:ln>
-                <a:solidFill>
-                  <a:srgbClr val="E8BF6A"/>
-                </a:solidFill>
-                <a:effectLst/>
-                <a:latin typeface="Consolas" panose="020B0609020204030204" pitchFamily="49" charset="0"/>
-              </a:rPr>
-              <a:t>p</a:t>
-            </a:r>
-            <a:r>
-              <a:rPr kumimoji="0" lang="de-DE" altLang="de-DE" sz="1200" b="0" i="1" u="none" strike="noStrike" cap="none" normalizeH="0" baseline="0" dirty="0">
-                <a:ln>
-                  <a:noFill/>
-                </a:ln>
-                <a:solidFill>
-                  <a:srgbClr val="9876AA"/>
-                </a:solidFill>
-                <a:effectLst/>
-                <a:latin typeface="Consolas" panose="020B0609020204030204" pitchFamily="49" charset="0"/>
-              </a:rPr>
-              <a:t>&gt;</a:t>
-            </a:r>
-            <a:br>
-              <a:rPr kumimoji="0" lang="de-DE" altLang="de-DE" sz="1200" b="0" i="1" u="none" strike="noStrike" cap="none" normalizeH="0" baseline="0" dirty="0">
-                <a:ln>
-                  <a:noFill/>
-                </a:ln>
-                <a:solidFill>
-                  <a:srgbClr val="9876AA"/>
-                </a:solidFill>
-                <a:effectLst/>
-                <a:latin typeface="Consolas" panose="020B0609020204030204" pitchFamily="49" charset="0"/>
-              </a:rPr>
-            </a:br>
-            <a:r>
-              <a:rPr kumimoji="0" lang="de-DE" altLang="de-DE" sz="1200" b="0" i="1" u="none" strike="noStrike" cap="none" normalizeH="0" baseline="0" dirty="0">
-                <a:ln>
-                  <a:noFill/>
-                </a:ln>
-                <a:solidFill>
-                  <a:srgbClr val="9876AA"/>
-                </a:solidFill>
-                <a:effectLst/>
-                <a:latin typeface="Consolas" panose="020B0609020204030204" pitchFamily="49" charset="0"/>
-              </a:rPr>
-              <a:t>&lt;</a:t>
-            </a:r>
-            <a:r>
-              <a:rPr kumimoji="0" lang="de-DE" altLang="de-DE" sz="1200" b="0" i="0" u="none" strike="noStrike" cap="none" normalizeH="0" baseline="0" dirty="0" err="1">
-                <a:ln>
-                  <a:noFill/>
-                </a:ln>
-                <a:solidFill>
-                  <a:srgbClr val="E8BF6A"/>
-                </a:solidFill>
-                <a:effectLst/>
-                <a:latin typeface="Consolas" panose="020B0609020204030204" pitchFamily="49" charset="0"/>
-              </a:rPr>
-              <a:t>button</a:t>
-            </a:r>
-            <a:r>
-              <a:rPr kumimoji="0" lang="de-DE" altLang="de-DE" sz="1200" b="0" i="0" u="none" strike="noStrike" cap="none" normalizeH="0" baseline="0" dirty="0">
-                <a:ln>
-                  <a:noFill/>
-                </a:ln>
-                <a:solidFill>
-                  <a:srgbClr val="E8BF6A"/>
-                </a:solidFill>
-                <a:effectLst/>
-                <a:latin typeface="Consolas" panose="020B0609020204030204" pitchFamily="49" charset="0"/>
-              </a:rPr>
-              <a:t> </a:t>
-            </a:r>
-            <a:r>
-              <a:rPr kumimoji="0" lang="de-DE" altLang="de-DE" sz="1200" b="0" i="0" u="none" strike="noStrike" cap="none" normalizeH="0" baseline="0" dirty="0" err="1">
-                <a:ln>
-                  <a:noFill/>
-                </a:ln>
-                <a:solidFill>
-                  <a:srgbClr val="BABABA"/>
-                </a:solidFill>
-                <a:effectLst/>
-                <a:latin typeface="Consolas" panose="020B0609020204030204" pitchFamily="49" charset="0"/>
-              </a:rPr>
-              <a:t>onclick</a:t>
-            </a:r>
-            <a:r>
-              <a:rPr kumimoji="0" lang="de-DE" altLang="de-DE" sz="1200" b="0" i="0" u="none" strike="noStrike" cap="none" normalizeH="0" baseline="0" dirty="0">
-                <a:ln>
-                  <a:noFill/>
-                </a:ln>
-                <a:solidFill>
-                  <a:srgbClr val="A5C261"/>
-                </a:solidFill>
-                <a:effectLst/>
-                <a:latin typeface="Consolas" panose="020B0609020204030204" pitchFamily="49" charset="0"/>
-              </a:rPr>
-              <a:t>="</a:t>
-            </a:r>
-            <a:r>
-              <a:rPr kumimoji="0" lang="de-DE" altLang="de-DE" sz="1200" b="0" i="0" u="none" strike="noStrike" cap="none" normalizeH="0" baseline="0" dirty="0" err="1">
-                <a:ln>
-                  <a:noFill/>
-                </a:ln>
-                <a:solidFill>
-                  <a:srgbClr val="FFC66D"/>
-                </a:solidFill>
-                <a:effectLst/>
-                <a:latin typeface="Consolas" panose="020B0609020204030204" pitchFamily="49" charset="0"/>
-              </a:rPr>
-              <a:t>weiterleitung</a:t>
-            </a:r>
-            <a:r>
-              <a:rPr kumimoji="0" lang="de-DE" altLang="de-DE" sz="1200" b="0" i="1" u="none" strike="noStrike" cap="none" normalizeH="0" baseline="0" dirty="0">
-                <a:ln>
-                  <a:noFill/>
-                </a:ln>
-                <a:solidFill>
-                  <a:srgbClr val="9876AA"/>
-                </a:solidFill>
-                <a:effectLst/>
-                <a:latin typeface="Consolas" panose="020B0609020204030204" pitchFamily="49" charset="0"/>
-              </a:rPr>
-              <a:t>()</a:t>
-            </a:r>
-            <a:r>
-              <a:rPr kumimoji="0" lang="de-DE" altLang="de-DE" sz="1200" b="0" i="0" u="none" strike="noStrike" cap="none" normalizeH="0" baseline="0" dirty="0">
-                <a:ln>
-                  <a:noFill/>
-                </a:ln>
-                <a:solidFill>
-                  <a:srgbClr val="A5C261"/>
-                </a:solidFill>
-                <a:effectLst/>
-                <a:latin typeface="Consolas" panose="020B0609020204030204" pitchFamily="49" charset="0"/>
-              </a:rPr>
-              <a:t>"</a:t>
-            </a:r>
-            <a:r>
-              <a:rPr kumimoji="0" lang="de-DE" altLang="de-DE" sz="1200" b="0" i="1" u="none" strike="noStrike" cap="none" normalizeH="0" baseline="0" dirty="0">
-                <a:ln>
-                  <a:noFill/>
-                </a:ln>
-                <a:solidFill>
-                  <a:srgbClr val="9876AA"/>
-                </a:solidFill>
-                <a:effectLst/>
-                <a:latin typeface="Consolas" panose="020B0609020204030204" pitchFamily="49" charset="0"/>
-              </a:rPr>
-              <a:t>&gt;</a:t>
-            </a:r>
-            <a:r>
-              <a:rPr kumimoji="0" lang="de-DE" altLang="de-DE" sz="1200" b="0" i="0" u="none" strike="noStrike" cap="none" normalizeH="0" baseline="0" dirty="0">
-                <a:ln>
-                  <a:noFill/>
-                </a:ln>
-                <a:solidFill>
-                  <a:srgbClr val="A9B7C6"/>
-                </a:solidFill>
-                <a:effectLst/>
-                <a:latin typeface="Consolas" panose="020B0609020204030204" pitchFamily="49" charset="0"/>
-              </a:rPr>
-              <a:t>Seite aufrufen</a:t>
-            </a:r>
-            <a:r>
-              <a:rPr kumimoji="0" lang="de-DE" altLang="de-DE" sz="1200" b="0" i="1" u="none" strike="noStrike" cap="none" normalizeH="0" baseline="0" dirty="0">
-                <a:ln>
-                  <a:noFill/>
-                </a:ln>
-                <a:solidFill>
-                  <a:srgbClr val="9876AA"/>
-                </a:solidFill>
-                <a:effectLst/>
-                <a:latin typeface="Consolas" panose="020B0609020204030204" pitchFamily="49" charset="0"/>
-              </a:rPr>
-              <a:t>&lt;/</a:t>
-            </a:r>
-            <a:r>
-              <a:rPr kumimoji="0" lang="de-DE" altLang="de-DE" sz="1200" b="0" i="0" u="none" strike="noStrike" cap="none" normalizeH="0" baseline="0" dirty="0" err="1">
-                <a:ln>
-                  <a:noFill/>
-                </a:ln>
-                <a:solidFill>
-                  <a:srgbClr val="E8BF6A"/>
-                </a:solidFill>
-                <a:effectLst/>
-                <a:latin typeface="Consolas" panose="020B0609020204030204" pitchFamily="49" charset="0"/>
-              </a:rPr>
-              <a:t>button</a:t>
-            </a:r>
-            <a:r>
-              <a:rPr kumimoji="0" lang="de-DE" altLang="de-DE" sz="1200" b="0" i="1" u="none" strike="noStrike" cap="none" normalizeH="0" baseline="0" dirty="0">
-                <a:ln>
-                  <a:noFill/>
-                </a:ln>
-                <a:solidFill>
-                  <a:srgbClr val="9876AA"/>
-                </a:solidFill>
-                <a:effectLst/>
-                <a:latin typeface="Consolas" panose="020B0609020204030204" pitchFamily="49" charset="0"/>
-              </a:rPr>
-              <a:t>&gt;</a:t>
-            </a:r>
-            <a:br>
-              <a:rPr kumimoji="0" lang="de-DE" altLang="de-DE" sz="1200" b="0" i="1" u="none" strike="noStrike" cap="none" normalizeH="0" baseline="0" dirty="0">
-                <a:ln>
-                  <a:noFill/>
-                </a:ln>
-                <a:solidFill>
-                  <a:srgbClr val="9876AA"/>
-                </a:solidFill>
-                <a:effectLst/>
-                <a:latin typeface="Consolas" panose="020B0609020204030204" pitchFamily="49" charset="0"/>
-              </a:rPr>
-            </a:br>
-            <a:r>
-              <a:rPr kumimoji="0" lang="de-DE" altLang="de-DE" sz="1200" b="0" i="1" u="none" strike="noStrike" cap="none" normalizeH="0" baseline="0" dirty="0">
-                <a:ln>
-                  <a:noFill/>
-                </a:ln>
-                <a:solidFill>
-                  <a:srgbClr val="9876AA"/>
-                </a:solidFill>
-                <a:effectLst/>
-                <a:latin typeface="Consolas" panose="020B0609020204030204" pitchFamily="49" charset="0"/>
-              </a:rPr>
-              <a:t>&lt;</a:t>
-            </a:r>
-            <a:r>
-              <a:rPr kumimoji="0" lang="de-DE" altLang="de-DE" sz="1200" b="0" i="0" u="none" strike="noStrike" cap="none" normalizeH="0" baseline="0" dirty="0" err="1">
-                <a:ln>
-                  <a:noFill/>
-                </a:ln>
-                <a:solidFill>
-                  <a:srgbClr val="E8BF6A"/>
-                </a:solidFill>
-                <a:effectLst/>
-                <a:latin typeface="Consolas" panose="020B0609020204030204" pitchFamily="49" charset="0"/>
-              </a:rPr>
-              <a:t>script</a:t>
-            </a:r>
-            <a:r>
-              <a:rPr kumimoji="0" lang="de-DE" altLang="de-DE" sz="1200" b="0" i="1" u="none" strike="noStrike" cap="none" normalizeH="0" baseline="0" dirty="0">
-                <a:ln>
-                  <a:noFill/>
-                </a:ln>
-                <a:solidFill>
-                  <a:srgbClr val="9876AA"/>
-                </a:solidFill>
-                <a:effectLst/>
-                <a:latin typeface="Consolas" panose="020B0609020204030204" pitchFamily="49" charset="0"/>
-              </a:rPr>
-              <a:t>&gt;</a:t>
-            </a:r>
-            <a:br>
-              <a:rPr kumimoji="0" lang="de-DE" altLang="de-DE" sz="1200" b="0" i="1" u="none" strike="noStrike" cap="none" normalizeH="0" baseline="0" dirty="0">
-                <a:ln>
-                  <a:noFill/>
-                </a:ln>
-                <a:solidFill>
-                  <a:srgbClr val="9876AA"/>
-                </a:solidFill>
-                <a:effectLst/>
-                <a:latin typeface="Consolas" panose="020B0609020204030204" pitchFamily="49" charset="0"/>
-              </a:rPr>
-            </a:br>
-            <a:r>
-              <a:rPr kumimoji="0" lang="de-DE" altLang="de-DE" sz="1200" b="0" i="1" u="none" strike="noStrike" cap="none" normalizeH="0" baseline="0" dirty="0">
-                <a:ln>
-                  <a:noFill/>
-                </a:ln>
-                <a:solidFill>
-                  <a:srgbClr val="9876AA"/>
-                </a:solidFill>
-                <a:effectLst/>
-                <a:latin typeface="Consolas" panose="020B0609020204030204" pitchFamily="49" charset="0"/>
-              </a:rPr>
-              <a:t>    </a:t>
-            </a:r>
-            <a:r>
-              <a:rPr kumimoji="0" lang="de-DE" altLang="de-DE" sz="1200" b="0" i="0" u="none" strike="noStrike" cap="none" normalizeH="0" baseline="0" dirty="0" err="1">
-                <a:ln>
-                  <a:noFill/>
-                </a:ln>
-                <a:solidFill>
-                  <a:srgbClr val="CC7832"/>
-                </a:solidFill>
-                <a:effectLst/>
-                <a:latin typeface="Consolas" panose="020B0609020204030204" pitchFamily="49" charset="0"/>
-              </a:rPr>
-              <a:t>function</a:t>
-            </a:r>
-            <a:r>
-              <a:rPr kumimoji="0" lang="de-DE" altLang="de-DE" sz="1200" b="0" i="0" u="none" strike="noStrike" cap="none" normalizeH="0" baseline="0" dirty="0">
-                <a:ln>
-                  <a:noFill/>
-                </a:ln>
-                <a:solidFill>
-                  <a:srgbClr val="CC7832"/>
-                </a:solidFill>
-                <a:effectLst/>
-                <a:latin typeface="Consolas" panose="020B0609020204030204" pitchFamily="49" charset="0"/>
-              </a:rPr>
-              <a:t> </a:t>
-            </a:r>
-            <a:r>
-              <a:rPr kumimoji="0" lang="de-DE" altLang="de-DE" sz="1200" b="0" i="0" u="none" strike="noStrike" cap="none" normalizeH="0" baseline="0" dirty="0" err="1">
-                <a:ln>
-                  <a:noFill/>
-                </a:ln>
-                <a:solidFill>
-                  <a:srgbClr val="FFC66D"/>
-                </a:solidFill>
-                <a:effectLst/>
-                <a:latin typeface="Consolas" panose="020B0609020204030204" pitchFamily="49" charset="0"/>
-              </a:rPr>
-              <a:t>weiterleitung</a:t>
-            </a:r>
-            <a:r>
-              <a:rPr kumimoji="0" lang="de-DE" altLang="de-DE" sz="1200" b="0" i="1" u="none" strike="noStrike" cap="none" normalizeH="0" baseline="0" dirty="0">
-                <a:ln>
-                  <a:noFill/>
-                </a:ln>
-                <a:solidFill>
-                  <a:srgbClr val="9876AA"/>
-                </a:solidFill>
-                <a:effectLst/>
-                <a:latin typeface="Consolas" panose="020B0609020204030204" pitchFamily="49" charset="0"/>
-              </a:rPr>
-              <a:t>() {</a:t>
-            </a:r>
-            <a:br>
-              <a:rPr kumimoji="0" lang="de-DE" altLang="de-DE" sz="1200" b="0" i="1" u="none" strike="noStrike" cap="none" normalizeH="0" baseline="0" dirty="0">
-                <a:ln>
-                  <a:noFill/>
-                </a:ln>
-                <a:solidFill>
-                  <a:srgbClr val="9876AA"/>
-                </a:solidFill>
-                <a:effectLst/>
-                <a:latin typeface="Consolas" panose="020B0609020204030204" pitchFamily="49" charset="0"/>
-              </a:rPr>
-            </a:br>
-            <a:r>
-              <a:rPr kumimoji="0" lang="de-DE" altLang="de-DE" sz="1200" b="0" i="1" u="none" strike="noStrike" cap="none" normalizeH="0" baseline="0" dirty="0">
-                <a:ln>
-                  <a:noFill/>
-                </a:ln>
-                <a:solidFill>
-                  <a:srgbClr val="9876AA"/>
-                </a:solidFill>
-                <a:effectLst/>
-                <a:latin typeface="Consolas" panose="020B0609020204030204" pitchFamily="49" charset="0"/>
-              </a:rPr>
-              <a:t>        </a:t>
-            </a:r>
-            <a:r>
-              <a:rPr kumimoji="0" lang="de-DE" altLang="de-DE" sz="1200" b="0" i="0" u="none" strike="noStrike" cap="none" normalizeH="0" baseline="0" dirty="0" err="1">
-                <a:ln>
-                  <a:noFill/>
-                </a:ln>
-                <a:solidFill>
-                  <a:srgbClr val="CC7832"/>
-                </a:solidFill>
-                <a:effectLst/>
-                <a:latin typeface="Consolas" panose="020B0609020204030204" pitchFamily="49" charset="0"/>
-              </a:rPr>
-              <a:t>let</a:t>
-            </a:r>
-            <a:r>
-              <a:rPr kumimoji="0" lang="de-DE" altLang="de-DE" sz="1200" b="0" i="0" u="none" strike="noStrike" cap="none" normalizeH="0" baseline="0" dirty="0">
-                <a:ln>
-                  <a:noFill/>
-                </a:ln>
-                <a:solidFill>
-                  <a:srgbClr val="CC7832"/>
-                </a:solidFill>
-                <a:effectLst/>
-                <a:latin typeface="Consolas" panose="020B0609020204030204" pitchFamily="49" charset="0"/>
-              </a:rPr>
-              <a:t> </a:t>
-            </a:r>
-            <a:r>
-              <a:rPr kumimoji="0" lang="de-DE" altLang="de-DE" sz="1200" b="0" i="0" u="none" strike="noStrike" cap="none" normalizeH="0" baseline="0" dirty="0" err="1">
-                <a:ln>
-                  <a:noFill/>
-                </a:ln>
-                <a:solidFill>
-                  <a:srgbClr val="A9B7C6"/>
-                </a:solidFill>
-                <a:effectLst/>
-                <a:latin typeface="Consolas" panose="020B0609020204030204" pitchFamily="49" charset="0"/>
-              </a:rPr>
-              <a:t>adresse</a:t>
-            </a:r>
-            <a:r>
-              <a:rPr kumimoji="0" lang="de-DE" altLang="de-DE" sz="1200" b="0" i="0" u="none" strike="noStrike" cap="none" normalizeH="0" baseline="0" dirty="0">
-                <a:ln>
-                  <a:noFill/>
-                </a:ln>
-                <a:solidFill>
-                  <a:srgbClr val="A9B7C6"/>
-                </a:solidFill>
-                <a:effectLst/>
-                <a:latin typeface="Consolas" panose="020B0609020204030204" pitchFamily="49" charset="0"/>
-              </a:rPr>
-              <a:t> = </a:t>
-            </a:r>
-            <a:r>
-              <a:rPr kumimoji="0" lang="de-DE" altLang="de-DE" sz="1200" b="1" i="1" u="none" strike="noStrike" cap="none" normalizeH="0" baseline="0" dirty="0" err="1">
-                <a:ln>
-                  <a:noFill/>
-                </a:ln>
-                <a:solidFill>
-                  <a:srgbClr val="9876AA"/>
-                </a:solidFill>
-                <a:effectLst/>
-                <a:latin typeface="Consolas" panose="020B0609020204030204" pitchFamily="49" charset="0"/>
-              </a:rPr>
-              <a:t>document</a:t>
-            </a:r>
-            <a:r>
-              <a:rPr kumimoji="0" lang="de-DE" altLang="de-DE" sz="1200" b="0" i="0" u="none" strike="noStrike" cap="none" normalizeH="0" baseline="0" dirty="0" err="1">
-                <a:ln>
-                  <a:noFill/>
-                </a:ln>
-                <a:solidFill>
-                  <a:srgbClr val="A9B7C6"/>
-                </a:solidFill>
-                <a:effectLst/>
-                <a:latin typeface="Consolas" panose="020B0609020204030204" pitchFamily="49" charset="0"/>
-              </a:rPr>
-              <a:t>.</a:t>
-            </a:r>
-            <a:r>
-              <a:rPr kumimoji="0" lang="de-DE" altLang="de-DE" sz="1200" b="0" i="0" u="none" strike="noStrike" cap="none" normalizeH="0" baseline="0" dirty="0" err="1">
-                <a:ln>
-                  <a:noFill/>
-                </a:ln>
-                <a:solidFill>
-                  <a:srgbClr val="FFC66D"/>
-                </a:solidFill>
-                <a:effectLst/>
-                <a:latin typeface="Consolas" panose="020B0609020204030204" pitchFamily="49" charset="0"/>
-              </a:rPr>
-              <a:t>getElementById</a:t>
-            </a:r>
-            <a:r>
-              <a:rPr kumimoji="0" lang="de-DE" altLang="de-DE" sz="1200" b="0" i="1" u="none" strike="noStrike" cap="none" normalizeH="0" baseline="0" dirty="0">
-                <a:ln>
-                  <a:noFill/>
-                </a:ln>
-                <a:solidFill>
-                  <a:srgbClr val="9876AA"/>
-                </a:solidFill>
-                <a:effectLst/>
-                <a:latin typeface="Consolas" panose="020B0609020204030204" pitchFamily="49" charset="0"/>
-              </a:rPr>
-              <a:t>(</a:t>
-            </a:r>
-            <a:r>
-              <a:rPr kumimoji="0" lang="de-DE" altLang="de-DE" sz="1200" b="0" i="0" u="none" strike="noStrike" cap="none" normalizeH="0" baseline="0" dirty="0">
-                <a:ln>
-                  <a:noFill/>
-                </a:ln>
-                <a:solidFill>
-                  <a:srgbClr val="6A8759"/>
-                </a:solidFill>
-                <a:effectLst/>
-                <a:latin typeface="Consolas" panose="020B0609020204030204" pitchFamily="49" charset="0"/>
-              </a:rPr>
-              <a:t>'</a:t>
-            </a:r>
-            <a:r>
-              <a:rPr kumimoji="0" lang="de-DE" altLang="de-DE" sz="1200" b="0" i="0" u="none" strike="noStrike" cap="none" normalizeH="0" baseline="0" dirty="0" err="1">
-                <a:ln>
-                  <a:noFill/>
-                </a:ln>
-                <a:solidFill>
-                  <a:srgbClr val="6A8759"/>
-                </a:solidFill>
-                <a:effectLst/>
-                <a:latin typeface="Consolas" panose="020B0609020204030204" pitchFamily="49" charset="0"/>
-              </a:rPr>
-              <a:t>eingabe</a:t>
-            </a:r>
-            <a:r>
-              <a:rPr kumimoji="0" lang="de-DE" altLang="de-DE" sz="1200" b="0" i="0" u="none" strike="noStrike" cap="none" normalizeH="0" baseline="0" dirty="0">
-                <a:ln>
-                  <a:noFill/>
-                </a:ln>
-                <a:solidFill>
-                  <a:srgbClr val="6A8759"/>
-                </a:solidFill>
-                <a:effectLst/>
-                <a:latin typeface="Consolas" panose="020B0609020204030204" pitchFamily="49" charset="0"/>
-              </a:rPr>
-              <a:t>'</a:t>
-            </a:r>
-            <a:r>
-              <a:rPr kumimoji="0" lang="de-DE" altLang="de-DE" sz="1200" b="0" i="1" u="none" strike="noStrike" cap="none" normalizeH="0" baseline="0" dirty="0">
-                <a:ln>
-                  <a:noFill/>
-                </a:ln>
-                <a:solidFill>
-                  <a:srgbClr val="9876AA"/>
-                </a:solidFill>
-                <a:effectLst/>
-                <a:latin typeface="Consolas" panose="020B0609020204030204" pitchFamily="49" charset="0"/>
-              </a:rPr>
-              <a:t>)</a:t>
-            </a:r>
-            <a:r>
-              <a:rPr kumimoji="0" lang="de-DE" altLang="de-DE" sz="1200" b="0" i="0" u="none" strike="noStrike" cap="none" normalizeH="0" baseline="0" dirty="0">
-                <a:ln>
-                  <a:noFill/>
-                </a:ln>
-                <a:solidFill>
-                  <a:srgbClr val="A9B7C6"/>
-                </a:solidFill>
-                <a:effectLst/>
-                <a:latin typeface="Consolas" panose="020B0609020204030204" pitchFamily="49" charset="0"/>
-              </a:rPr>
-              <a:t>.</a:t>
-            </a:r>
-            <a:r>
-              <a:rPr kumimoji="0" lang="de-DE" altLang="de-DE" sz="1200" b="0" i="0" u="none" strike="noStrike" cap="none" normalizeH="0" baseline="0" dirty="0" err="1">
-                <a:ln>
-                  <a:noFill/>
-                </a:ln>
-                <a:solidFill>
-                  <a:srgbClr val="9876AA"/>
-                </a:solidFill>
-                <a:effectLst/>
-                <a:latin typeface="Consolas" panose="020B0609020204030204" pitchFamily="49" charset="0"/>
-              </a:rPr>
-              <a:t>value</a:t>
-            </a:r>
-            <a:r>
-              <a:rPr kumimoji="0" lang="de-DE" altLang="de-DE" sz="1200" b="0" i="0" u="none" strike="noStrike" cap="none" normalizeH="0" baseline="0" dirty="0">
-                <a:ln>
-                  <a:noFill/>
-                </a:ln>
-                <a:solidFill>
-                  <a:srgbClr val="CC7832"/>
-                </a:solidFill>
-                <a:effectLst/>
-                <a:latin typeface="Consolas" panose="020B0609020204030204" pitchFamily="49" charset="0"/>
-              </a:rPr>
-              <a:t>;</a:t>
-            </a:r>
-            <a:br>
-              <a:rPr kumimoji="0" lang="de-DE" altLang="de-DE" sz="1200" b="0" i="0" u="none" strike="noStrike" cap="none" normalizeH="0" baseline="0" dirty="0">
-                <a:ln>
-                  <a:noFill/>
-                </a:ln>
-                <a:solidFill>
-                  <a:srgbClr val="CC7832"/>
-                </a:solidFill>
-                <a:effectLst/>
-                <a:latin typeface="Consolas" panose="020B0609020204030204" pitchFamily="49" charset="0"/>
-              </a:rPr>
-            </a:br>
-            <a:r>
-              <a:rPr kumimoji="0" lang="de-DE" altLang="de-DE" sz="1200" b="0" i="0" u="none" strike="noStrike" cap="none" normalizeH="0" baseline="0" dirty="0">
-                <a:ln>
-                  <a:noFill/>
-                </a:ln>
-                <a:solidFill>
-                  <a:srgbClr val="CC7832"/>
-                </a:solidFill>
-                <a:effectLst/>
-                <a:latin typeface="Consolas" panose="020B0609020204030204" pitchFamily="49" charset="0"/>
-              </a:rPr>
-              <a:t>        </a:t>
-            </a:r>
-            <a:r>
-              <a:rPr kumimoji="0" lang="de-DE" altLang="de-DE" sz="1200" b="0" i="0" u="none" strike="noStrike" cap="none" normalizeH="0" baseline="0" dirty="0" err="1">
-                <a:ln>
-                  <a:noFill/>
-                </a:ln>
-                <a:solidFill>
-                  <a:srgbClr val="CC7832"/>
-                </a:solidFill>
-                <a:effectLst/>
-                <a:latin typeface="Consolas" panose="020B0609020204030204" pitchFamily="49" charset="0"/>
-              </a:rPr>
-              <a:t>if</a:t>
-            </a:r>
-            <a:r>
-              <a:rPr kumimoji="0" lang="de-DE" altLang="de-DE" sz="1200" b="0" i="1" u="none" strike="noStrike" cap="none" normalizeH="0" baseline="0" dirty="0">
-                <a:ln>
-                  <a:noFill/>
-                </a:ln>
-                <a:solidFill>
-                  <a:srgbClr val="9876AA"/>
-                </a:solidFill>
-                <a:effectLst/>
-                <a:latin typeface="Consolas" panose="020B0609020204030204" pitchFamily="49" charset="0"/>
-              </a:rPr>
-              <a:t>(</a:t>
-            </a:r>
-            <a:r>
-              <a:rPr kumimoji="0" lang="de-DE" altLang="de-DE" sz="1200" b="0" i="0" u="none" strike="noStrike" cap="none" normalizeH="0" baseline="0" dirty="0">
-                <a:ln>
-                  <a:noFill/>
-                </a:ln>
-                <a:solidFill>
-                  <a:srgbClr val="A9B7C6"/>
-                </a:solidFill>
-                <a:effectLst/>
-                <a:latin typeface="Consolas" panose="020B0609020204030204" pitchFamily="49" charset="0"/>
-              </a:rPr>
-              <a:t>!</a:t>
-            </a:r>
-            <a:r>
-              <a:rPr kumimoji="0" lang="de-DE" altLang="de-DE" sz="1200" b="0" i="1" u="none" strike="noStrike" cap="none" normalizeH="0" baseline="0" dirty="0">
-                <a:ln>
-                  <a:noFill/>
-                </a:ln>
-                <a:solidFill>
-                  <a:srgbClr val="9876AA"/>
-                </a:solidFill>
-                <a:effectLst/>
-                <a:latin typeface="Consolas" panose="020B0609020204030204" pitchFamily="49" charset="0"/>
-              </a:rPr>
-              <a:t>(</a:t>
-            </a:r>
-            <a:r>
-              <a:rPr kumimoji="0" lang="de-DE" altLang="de-DE" sz="1200" b="0" i="0" u="none" strike="noStrike" cap="none" normalizeH="0" baseline="0" dirty="0" err="1">
-                <a:ln>
-                  <a:noFill/>
-                </a:ln>
-                <a:solidFill>
-                  <a:srgbClr val="A9B7C6"/>
-                </a:solidFill>
-                <a:effectLst/>
-                <a:latin typeface="Consolas" panose="020B0609020204030204" pitchFamily="49" charset="0"/>
-              </a:rPr>
-              <a:t>adresse.</a:t>
-            </a:r>
-            <a:r>
-              <a:rPr kumimoji="0" lang="de-DE" altLang="de-DE" sz="1200" b="0" i="0" u="none" strike="noStrike" cap="none" normalizeH="0" baseline="0" dirty="0" err="1">
-                <a:ln>
-                  <a:noFill/>
-                </a:ln>
-                <a:solidFill>
-                  <a:srgbClr val="FFC66D"/>
-                </a:solidFill>
-                <a:effectLst/>
-                <a:latin typeface="Consolas" panose="020B0609020204030204" pitchFamily="49" charset="0"/>
-              </a:rPr>
-              <a:t>includes</a:t>
-            </a:r>
-            <a:r>
-              <a:rPr kumimoji="0" lang="de-DE" altLang="de-DE" sz="1200" b="0" i="1" u="none" strike="noStrike" cap="none" normalizeH="0" baseline="0" dirty="0">
-                <a:ln>
-                  <a:noFill/>
-                </a:ln>
-                <a:solidFill>
-                  <a:srgbClr val="9876AA"/>
-                </a:solidFill>
-                <a:effectLst/>
-                <a:latin typeface="Consolas" panose="020B0609020204030204" pitchFamily="49" charset="0"/>
-              </a:rPr>
-              <a:t>(</a:t>
-            </a:r>
-            <a:r>
-              <a:rPr kumimoji="0" lang="de-DE" altLang="de-DE" sz="1200" b="0" i="0" u="none" strike="noStrike" cap="none" normalizeH="0" baseline="0" dirty="0">
-                <a:ln>
-                  <a:noFill/>
-                </a:ln>
-                <a:solidFill>
-                  <a:srgbClr val="6A8759"/>
-                </a:solidFill>
-                <a:effectLst/>
-                <a:latin typeface="Consolas" panose="020B0609020204030204" pitchFamily="49" charset="0"/>
-              </a:rPr>
-              <a:t>'https://'</a:t>
-            </a:r>
-            <a:r>
-              <a:rPr kumimoji="0" lang="de-DE" altLang="de-DE" sz="1200" b="0" i="1" u="none" strike="noStrike" cap="none" normalizeH="0" baseline="0" dirty="0">
-                <a:ln>
-                  <a:noFill/>
-                </a:ln>
-                <a:solidFill>
-                  <a:srgbClr val="9876AA"/>
-                </a:solidFill>
-                <a:effectLst/>
-                <a:latin typeface="Consolas" panose="020B0609020204030204" pitchFamily="49" charset="0"/>
-              </a:rPr>
-              <a:t>)) </a:t>
-            </a:r>
-            <a:r>
-              <a:rPr kumimoji="0" lang="de-DE" altLang="de-DE" sz="1200" b="0" i="0" u="none" strike="noStrike" cap="none" normalizeH="0" baseline="0" dirty="0">
-                <a:ln>
-                  <a:noFill/>
-                </a:ln>
-                <a:solidFill>
-                  <a:srgbClr val="A9B7C6"/>
-                </a:solidFill>
-                <a:effectLst/>
-                <a:latin typeface="Consolas" panose="020B0609020204030204" pitchFamily="49" charset="0"/>
-              </a:rPr>
-              <a:t>|| </a:t>
-            </a:r>
-            <a:r>
-              <a:rPr kumimoji="0" lang="de-DE" altLang="de-DE" sz="1200" b="0" i="0" u="none" strike="noStrike" cap="none" normalizeH="0" baseline="0" dirty="0" err="1">
-                <a:ln>
-                  <a:noFill/>
-                </a:ln>
-                <a:solidFill>
-                  <a:srgbClr val="A9B7C6"/>
-                </a:solidFill>
-                <a:effectLst/>
-                <a:latin typeface="Consolas" panose="020B0609020204030204" pitchFamily="49" charset="0"/>
-              </a:rPr>
-              <a:t>adresse.</a:t>
-            </a:r>
-            <a:r>
-              <a:rPr kumimoji="0" lang="de-DE" altLang="de-DE" sz="1200" b="0" i="0" u="none" strike="noStrike" cap="none" normalizeH="0" baseline="0" dirty="0" err="1">
-                <a:ln>
-                  <a:noFill/>
-                </a:ln>
-                <a:solidFill>
-                  <a:srgbClr val="FFC66D"/>
-                </a:solidFill>
-                <a:effectLst/>
-                <a:latin typeface="Consolas" panose="020B0609020204030204" pitchFamily="49" charset="0"/>
-              </a:rPr>
-              <a:t>includes</a:t>
-            </a:r>
-            <a:r>
-              <a:rPr kumimoji="0" lang="de-DE" altLang="de-DE" sz="1200" b="0" i="1" u="none" strike="noStrike" cap="none" normalizeH="0" baseline="0" dirty="0">
-                <a:ln>
-                  <a:noFill/>
-                </a:ln>
-                <a:solidFill>
-                  <a:srgbClr val="9876AA"/>
-                </a:solidFill>
-                <a:effectLst/>
-                <a:latin typeface="Consolas" panose="020B0609020204030204" pitchFamily="49" charset="0"/>
-              </a:rPr>
-              <a:t>(</a:t>
-            </a:r>
-            <a:r>
-              <a:rPr kumimoji="0" lang="de-DE" altLang="de-DE" sz="1200" b="0" i="0" u="none" strike="noStrike" cap="none" normalizeH="0" baseline="0" dirty="0">
-                <a:ln>
-                  <a:noFill/>
-                </a:ln>
-                <a:solidFill>
-                  <a:srgbClr val="6A8759"/>
-                </a:solidFill>
-                <a:effectLst/>
-                <a:latin typeface="Consolas" panose="020B0609020204030204" pitchFamily="49" charset="0"/>
-              </a:rPr>
-              <a:t>'http://'</a:t>
-            </a:r>
-            <a:r>
-              <a:rPr kumimoji="0" lang="de-DE" altLang="de-DE" sz="1200" b="0" i="1" u="none" strike="noStrike" cap="none" normalizeH="0" baseline="0" dirty="0">
-                <a:ln>
-                  <a:noFill/>
-                </a:ln>
-                <a:solidFill>
-                  <a:srgbClr val="9876AA"/>
-                </a:solidFill>
-                <a:effectLst/>
-                <a:latin typeface="Consolas" panose="020B0609020204030204" pitchFamily="49" charset="0"/>
-              </a:rPr>
-              <a:t>)) {</a:t>
-            </a:r>
-            <a:br>
-              <a:rPr kumimoji="0" lang="de-DE" altLang="de-DE" sz="1200" b="0" i="1" u="none" strike="noStrike" cap="none" normalizeH="0" baseline="0" dirty="0">
-                <a:ln>
-                  <a:noFill/>
-                </a:ln>
-                <a:solidFill>
-                  <a:srgbClr val="9876AA"/>
-                </a:solidFill>
-                <a:effectLst/>
-                <a:latin typeface="Consolas" panose="020B0609020204030204" pitchFamily="49" charset="0"/>
-              </a:rPr>
-            </a:br>
-            <a:r>
-              <a:rPr kumimoji="0" lang="de-DE" altLang="de-DE" sz="1200" b="0" i="1" u="none" strike="noStrike" cap="none" normalizeH="0" baseline="0" dirty="0">
-                <a:ln>
-                  <a:noFill/>
-                </a:ln>
-                <a:solidFill>
-                  <a:srgbClr val="9876AA"/>
-                </a:solidFill>
-                <a:effectLst/>
-                <a:latin typeface="Consolas" panose="020B0609020204030204" pitchFamily="49" charset="0"/>
-              </a:rPr>
-              <a:t>            </a:t>
-            </a:r>
-            <a:r>
-              <a:rPr kumimoji="0" lang="de-DE" altLang="de-DE" sz="1200" b="0" i="0" u="none" strike="noStrike" cap="none" normalizeH="0" baseline="0" dirty="0" err="1">
-                <a:ln>
-                  <a:noFill/>
-                </a:ln>
-                <a:solidFill>
-                  <a:srgbClr val="A9B7C6"/>
-                </a:solidFill>
-                <a:effectLst/>
-                <a:latin typeface="Consolas" panose="020B0609020204030204" pitchFamily="49" charset="0"/>
-              </a:rPr>
-              <a:t>adresse</a:t>
-            </a:r>
-            <a:r>
-              <a:rPr kumimoji="0" lang="de-DE" altLang="de-DE" sz="1200" b="0" i="0" u="none" strike="noStrike" cap="none" normalizeH="0" baseline="0" dirty="0">
-                <a:ln>
-                  <a:noFill/>
-                </a:ln>
-                <a:solidFill>
-                  <a:srgbClr val="A9B7C6"/>
-                </a:solidFill>
-                <a:effectLst/>
-                <a:latin typeface="Consolas" panose="020B0609020204030204" pitchFamily="49" charset="0"/>
-              </a:rPr>
-              <a:t> = </a:t>
-            </a:r>
-            <a:r>
-              <a:rPr kumimoji="0" lang="de-DE" altLang="de-DE" sz="1200" b="0" i="0" u="none" strike="noStrike" cap="none" normalizeH="0" baseline="0" dirty="0">
-                <a:ln>
-                  <a:noFill/>
-                </a:ln>
-                <a:solidFill>
-                  <a:srgbClr val="6A8759"/>
-                </a:solidFill>
-                <a:effectLst/>
-                <a:latin typeface="Consolas" panose="020B0609020204030204" pitchFamily="49" charset="0"/>
-              </a:rPr>
-              <a:t>"http://" </a:t>
-            </a:r>
-            <a:r>
-              <a:rPr kumimoji="0" lang="de-DE" altLang="de-DE" sz="1200" b="0" i="0" u="none" strike="noStrike" cap="none" normalizeH="0" baseline="0" dirty="0">
-                <a:ln>
-                  <a:noFill/>
-                </a:ln>
-                <a:solidFill>
-                  <a:srgbClr val="A9B7C6"/>
-                </a:solidFill>
-                <a:effectLst/>
-                <a:latin typeface="Consolas" panose="020B0609020204030204" pitchFamily="49" charset="0"/>
-              </a:rPr>
-              <a:t>+ </a:t>
-            </a:r>
-            <a:r>
-              <a:rPr kumimoji="0" lang="de-DE" altLang="de-DE" sz="1200" b="0" i="0" u="none" strike="noStrike" cap="none" normalizeH="0" baseline="0" dirty="0" err="1">
-                <a:ln>
-                  <a:noFill/>
-                </a:ln>
-                <a:solidFill>
-                  <a:srgbClr val="A9B7C6"/>
-                </a:solidFill>
-                <a:effectLst/>
-                <a:latin typeface="Consolas" panose="020B0609020204030204" pitchFamily="49" charset="0"/>
-              </a:rPr>
-              <a:t>adresse</a:t>
-            </a:r>
-            <a:r>
-              <a:rPr kumimoji="0" lang="de-DE" altLang="de-DE" sz="1200" b="0" i="0" u="none" strike="noStrike" cap="none" normalizeH="0" baseline="0" dirty="0">
-                <a:ln>
-                  <a:noFill/>
-                </a:ln>
-                <a:solidFill>
-                  <a:srgbClr val="CC7832"/>
-                </a:solidFill>
-                <a:effectLst/>
-                <a:latin typeface="Consolas" panose="020B0609020204030204" pitchFamily="49" charset="0"/>
-              </a:rPr>
-              <a:t>;</a:t>
-            </a:r>
-            <a:br>
-              <a:rPr kumimoji="0" lang="de-DE" altLang="de-DE" sz="1200" b="0" i="0" u="none" strike="noStrike" cap="none" normalizeH="0" baseline="0" dirty="0">
-                <a:ln>
-                  <a:noFill/>
-                </a:ln>
-                <a:solidFill>
-                  <a:srgbClr val="CC7832"/>
-                </a:solidFill>
-                <a:effectLst/>
-                <a:latin typeface="Consolas" panose="020B0609020204030204" pitchFamily="49" charset="0"/>
-              </a:rPr>
-            </a:br>
-            <a:r>
-              <a:rPr kumimoji="0" lang="de-DE" altLang="de-DE" sz="1200" b="0" i="0" u="none" strike="noStrike" cap="none" normalizeH="0" baseline="0" dirty="0">
-                <a:ln>
-                  <a:noFill/>
-                </a:ln>
-                <a:solidFill>
-                  <a:srgbClr val="CC7832"/>
-                </a:solidFill>
-                <a:effectLst/>
-                <a:latin typeface="Consolas" panose="020B0609020204030204" pitchFamily="49" charset="0"/>
-              </a:rPr>
-              <a:t>        </a:t>
-            </a:r>
-            <a:r>
-              <a:rPr kumimoji="0" lang="de-DE" altLang="de-DE" sz="1200" b="0" i="1" u="none" strike="noStrike" cap="none" normalizeH="0" baseline="0" dirty="0">
-                <a:ln>
-                  <a:noFill/>
-                </a:ln>
-                <a:solidFill>
-                  <a:srgbClr val="9876AA"/>
-                </a:solidFill>
-                <a:effectLst/>
-                <a:latin typeface="Consolas" panose="020B0609020204030204" pitchFamily="49" charset="0"/>
-              </a:rPr>
-              <a:t>}</a:t>
-            </a:r>
-            <a:br>
-              <a:rPr kumimoji="0" lang="de-DE" altLang="de-DE" sz="1200" b="0" i="1" u="none" strike="noStrike" cap="none" normalizeH="0" baseline="0" dirty="0">
-                <a:ln>
-                  <a:noFill/>
-                </a:ln>
-                <a:solidFill>
-                  <a:srgbClr val="9876AA"/>
-                </a:solidFill>
-                <a:effectLst/>
-                <a:latin typeface="Consolas" panose="020B0609020204030204" pitchFamily="49" charset="0"/>
-              </a:rPr>
-            </a:br>
-            <a:r>
-              <a:rPr kumimoji="0" lang="de-DE" altLang="de-DE" sz="1200" b="0" i="1" u="none" strike="noStrike" cap="none" normalizeH="0" baseline="0" dirty="0">
-                <a:ln>
-                  <a:noFill/>
-                </a:ln>
-                <a:solidFill>
-                  <a:srgbClr val="9876AA"/>
-                </a:solidFill>
-                <a:effectLst/>
-                <a:latin typeface="Consolas" panose="020B0609020204030204" pitchFamily="49" charset="0"/>
-              </a:rPr>
-              <a:t>        </a:t>
-            </a:r>
-            <a:r>
-              <a:rPr kumimoji="0" lang="de-DE" altLang="de-DE" sz="1200" b="1" i="1" u="none" strike="noStrike" cap="none" normalizeH="0" baseline="0" dirty="0" err="1">
-                <a:ln>
-                  <a:noFill/>
-                </a:ln>
-                <a:solidFill>
-                  <a:srgbClr val="9876AA"/>
-                </a:solidFill>
-                <a:effectLst/>
-                <a:latin typeface="Consolas" panose="020B0609020204030204" pitchFamily="49" charset="0"/>
-              </a:rPr>
-              <a:t>location</a:t>
-            </a:r>
-            <a:r>
-              <a:rPr kumimoji="0" lang="de-DE" altLang="de-DE" sz="1200" b="0" i="0" u="none" strike="noStrike" cap="none" normalizeH="0" baseline="0" dirty="0" err="1">
-                <a:ln>
-                  <a:noFill/>
-                </a:ln>
-                <a:solidFill>
-                  <a:srgbClr val="A9B7C6"/>
-                </a:solidFill>
-                <a:effectLst/>
-                <a:latin typeface="Consolas" panose="020B0609020204030204" pitchFamily="49" charset="0"/>
-              </a:rPr>
-              <a:t>.</a:t>
-            </a:r>
-            <a:r>
-              <a:rPr kumimoji="0" lang="de-DE" altLang="de-DE" sz="1200" b="0" i="0" u="none" strike="noStrike" cap="none" normalizeH="0" baseline="0" dirty="0" err="1">
-                <a:ln>
-                  <a:noFill/>
-                </a:ln>
-                <a:solidFill>
-                  <a:srgbClr val="9876AA"/>
-                </a:solidFill>
-                <a:effectLst/>
-                <a:latin typeface="Consolas" panose="020B0609020204030204" pitchFamily="49" charset="0"/>
-              </a:rPr>
-              <a:t>href</a:t>
-            </a:r>
-            <a:r>
-              <a:rPr kumimoji="0" lang="de-DE" altLang="de-DE" sz="1200" b="0" i="0" u="none" strike="noStrike" cap="none" normalizeH="0" baseline="0" dirty="0">
-                <a:ln>
-                  <a:noFill/>
-                </a:ln>
-                <a:solidFill>
-                  <a:srgbClr val="9876AA"/>
-                </a:solidFill>
-                <a:effectLst/>
-                <a:latin typeface="Consolas" panose="020B0609020204030204" pitchFamily="49" charset="0"/>
-              </a:rPr>
-              <a:t> </a:t>
-            </a:r>
-            <a:r>
-              <a:rPr kumimoji="0" lang="de-DE" altLang="de-DE" sz="1200" b="0" i="0" u="none" strike="noStrike" cap="none" normalizeH="0" baseline="0" dirty="0">
-                <a:ln>
-                  <a:noFill/>
-                </a:ln>
-                <a:solidFill>
-                  <a:srgbClr val="A9B7C6"/>
-                </a:solidFill>
-                <a:effectLst/>
-                <a:latin typeface="Consolas" panose="020B0609020204030204" pitchFamily="49" charset="0"/>
-              </a:rPr>
-              <a:t>= </a:t>
-            </a:r>
-            <a:r>
-              <a:rPr kumimoji="0" lang="de-DE" altLang="de-DE" sz="1200" b="0" i="0" u="none" strike="noStrike" cap="none" normalizeH="0" baseline="0" dirty="0" err="1">
-                <a:ln>
-                  <a:noFill/>
-                </a:ln>
-                <a:solidFill>
-                  <a:srgbClr val="A9B7C6"/>
-                </a:solidFill>
-                <a:effectLst/>
-                <a:latin typeface="Consolas" panose="020B0609020204030204" pitchFamily="49" charset="0"/>
-              </a:rPr>
-              <a:t>adresse</a:t>
-            </a:r>
-            <a:r>
-              <a:rPr kumimoji="0" lang="de-DE" altLang="de-DE" sz="1200" b="0" i="0" u="none" strike="noStrike" cap="none" normalizeH="0" baseline="0" dirty="0">
-                <a:ln>
-                  <a:noFill/>
-                </a:ln>
-                <a:solidFill>
-                  <a:srgbClr val="CC7832"/>
-                </a:solidFill>
-                <a:effectLst/>
-                <a:latin typeface="Consolas" panose="020B0609020204030204" pitchFamily="49" charset="0"/>
-              </a:rPr>
-              <a:t>;</a:t>
-            </a:r>
-            <a:br>
-              <a:rPr kumimoji="0" lang="de-DE" altLang="de-DE" sz="1200" b="0" i="0" u="none" strike="noStrike" cap="none" normalizeH="0" baseline="0" dirty="0">
-                <a:ln>
-                  <a:noFill/>
-                </a:ln>
-                <a:solidFill>
-                  <a:srgbClr val="CC7832"/>
-                </a:solidFill>
-                <a:effectLst/>
-                <a:latin typeface="Consolas" panose="020B0609020204030204" pitchFamily="49" charset="0"/>
-              </a:rPr>
-            </a:br>
-            <a:r>
-              <a:rPr kumimoji="0" lang="de-DE" altLang="de-DE" sz="1200" b="0" i="0" u="none" strike="noStrike" cap="none" normalizeH="0" baseline="0" dirty="0">
-                <a:ln>
-                  <a:noFill/>
-                </a:ln>
-                <a:solidFill>
-                  <a:srgbClr val="CC7832"/>
-                </a:solidFill>
-                <a:effectLst/>
-                <a:latin typeface="Consolas" panose="020B0609020204030204" pitchFamily="49" charset="0"/>
-              </a:rPr>
-              <a:t>    </a:t>
-            </a:r>
-            <a:r>
-              <a:rPr kumimoji="0" lang="de-DE" altLang="de-DE" sz="1200" b="0" i="1" u="none" strike="noStrike" cap="none" normalizeH="0" baseline="0" dirty="0">
-                <a:ln>
-                  <a:noFill/>
-                </a:ln>
-                <a:solidFill>
-                  <a:srgbClr val="9876AA"/>
-                </a:solidFill>
-                <a:effectLst/>
-                <a:latin typeface="Consolas" panose="020B0609020204030204" pitchFamily="49" charset="0"/>
-              </a:rPr>
-              <a:t>}</a:t>
-            </a:r>
-            <a:br>
-              <a:rPr kumimoji="0" lang="de-DE" altLang="de-DE" sz="1200" b="0" i="1" u="none" strike="noStrike" cap="none" normalizeH="0" baseline="0" dirty="0">
-                <a:ln>
-                  <a:noFill/>
-                </a:ln>
-                <a:solidFill>
-                  <a:srgbClr val="9876AA"/>
-                </a:solidFill>
-                <a:effectLst/>
-                <a:latin typeface="Consolas" panose="020B0609020204030204" pitchFamily="49" charset="0"/>
-              </a:rPr>
-            </a:br>
-            <a:r>
-              <a:rPr kumimoji="0" lang="de-DE" altLang="de-DE" sz="1200" b="0" i="1" u="none" strike="noStrike" cap="none" normalizeH="0" baseline="0" dirty="0">
-                <a:ln>
-                  <a:noFill/>
-                </a:ln>
-                <a:solidFill>
-                  <a:srgbClr val="9876AA"/>
-                </a:solidFill>
-                <a:effectLst/>
-                <a:latin typeface="Consolas" panose="020B0609020204030204" pitchFamily="49" charset="0"/>
-              </a:rPr>
-              <a:t>&lt;/</a:t>
-            </a:r>
-            <a:r>
-              <a:rPr kumimoji="0" lang="de-DE" altLang="de-DE" sz="1200" b="0" i="0" u="none" strike="noStrike" cap="none" normalizeH="0" baseline="0" dirty="0" err="1">
-                <a:ln>
-                  <a:noFill/>
-                </a:ln>
-                <a:solidFill>
-                  <a:srgbClr val="E8BF6A"/>
-                </a:solidFill>
-                <a:effectLst/>
-                <a:latin typeface="Consolas" panose="020B0609020204030204" pitchFamily="49" charset="0"/>
-              </a:rPr>
-              <a:t>script</a:t>
-            </a:r>
-            <a:r>
-              <a:rPr kumimoji="0" lang="de-DE" altLang="de-DE" sz="1200" b="0" i="1" u="none" strike="noStrike" cap="none" normalizeH="0" baseline="0" dirty="0">
-                <a:ln>
-                  <a:noFill/>
-                </a:ln>
-                <a:solidFill>
-                  <a:srgbClr val="9876AA"/>
-                </a:solidFill>
-                <a:effectLst/>
-                <a:latin typeface="Consolas" panose="020B0609020204030204" pitchFamily="49" charset="0"/>
-              </a:rPr>
-              <a:t>&gt;</a:t>
-            </a:r>
-            <a:br>
-              <a:rPr kumimoji="0" lang="de-DE" altLang="de-DE" sz="1200" b="0" i="1" u="none" strike="noStrike" cap="none" normalizeH="0" baseline="0" dirty="0">
-                <a:ln>
-                  <a:noFill/>
-                </a:ln>
-                <a:solidFill>
-                  <a:srgbClr val="9876AA"/>
-                </a:solidFill>
-                <a:effectLst/>
-                <a:latin typeface="Consolas" panose="020B0609020204030204" pitchFamily="49" charset="0"/>
-              </a:rPr>
-            </a:br>
-            <a:r>
-              <a:rPr kumimoji="0" lang="de-DE" altLang="de-DE" sz="1200" b="0" i="1" u="none" strike="noStrike" cap="none" normalizeH="0" baseline="0" dirty="0">
-                <a:ln>
-                  <a:noFill/>
-                </a:ln>
-                <a:solidFill>
-                  <a:srgbClr val="9876AA"/>
-                </a:solidFill>
-                <a:effectLst/>
-                <a:latin typeface="Consolas" panose="020B0609020204030204" pitchFamily="49" charset="0"/>
-              </a:rPr>
-              <a:t>&lt;/</a:t>
-            </a:r>
-            <a:r>
-              <a:rPr kumimoji="0" lang="de-DE" altLang="de-DE" sz="1200" b="0" i="0" u="none" strike="noStrike" cap="none" normalizeH="0" baseline="0" dirty="0" err="1">
-                <a:ln>
-                  <a:noFill/>
-                </a:ln>
-                <a:solidFill>
-                  <a:srgbClr val="E8BF6A"/>
-                </a:solidFill>
-                <a:effectLst/>
-                <a:latin typeface="Consolas" panose="020B0609020204030204" pitchFamily="49" charset="0"/>
-              </a:rPr>
-              <a:t>body</a:t>
-            </a:r>
-            <a:r>
-              <a:rPr kumimoji="0" lang="de-DE" altLang="de-DE" sz="1200" b="0" i="1" u="none" strike="noStrike" cap="none" normalizeH="0" baseline="0" dirty="0">
-                <a:ln>
-                  <a:noFill/>
-                </a:ln>
-                <a:solidFill>
-                  <a:srgbClr val="9876AA"/>
-                </a:solidFill>
-                <a:effectLst/>
-                <a:latin typeface="Consolas" panose="020B0609020204030204" pitchFamily="49" charset="0"/>
-              </a:rPr>
-              <a:t>&gt;</a:t>
-            </a:r>
-            <a:endParaRPr kumimoji="0" lang="de-DE" altLang="de-DE" sz="1200" b="0" i="0" u="none" strike="noStrike" cap="none" normalizeH="0" baseline="0" dirty="0">
-              <a:ln>
-                <a:noFill/>
-              </a:ln>
-              <a:solidFill>
-                <a:schemeClr val="tx1"/>
-              </a:solidFill>
-              <a:effectLst/>
-              <a:latin typeface="Consolas" panose="020B0609020204030204" pitchFamily="49" charset="0"/>
-            </a:endParaRPr>
-          </a:p>
-        </p:txBody>
-      </p:sp>
-    </p:spTree>
-    <p:extLst>
-      <p:ext uri="{BB962C8B-B14F-4D97-AF65-F5344CB8AC3E}">
-        <p14:creationId xmlns:p14="http://schemas.microsoft.com/office/powerpoint/2010/main" val="3940421551"/>
-      </p:ext>
-    </p:extLst>
-  </p:cSld>
-  <p:clrMapOvr>
-    <a:masterClrMapping/>
-  </p:clrMapOvr>
-</p:sld>
-</file>
-
-<file path=ppt/slides/slide7.xml><?xml version="1.0" encoding="utf-8"?>
-<p:sld xmlns:a="http://schemas.openxmlformats.org/drawingml/2006/main" xmlns:r="http://schemas.openxmlformats.org/officeDocument/2006/relationships" xmlns:p="http://schemas.openxmlformats.org/presentationml/2006/main">
-  <p:cSld>
-    <p:spTree>
-      <p:nvGrpSpPr>
-        <p:cNvPr id="1" name=""/>
-        <p:cNvGrpSpPr/>
-        <p:nvPr/>
-      </p:nvGrpSpPr>
-      <p:grpSpPr>
-        <a:xfrm>
-          <a:off x="0" y="0"/>
-          <a:ext cx="0" cy="0"/>
-          <a:chOff x="0" y="0"/>
-          <a:chExt cx="0" cy="0"/>
-        </a:xfrm>
-      </p:grpSpPr>
-      <p:sp>
-        <p:nvSpPr>
-          <p:cNvPr id="2" name="Titel 1">
-            <a:extLst>
-              <a:ext uri="{FF2B5EF4-FFF2-40B4-BE49-F238E27FC236}">
-                <a16:creationId xmlns:a16="http://schemas.microsoft.com/office/drawing/2014/main" id="{AD3BE809-B309-43B9-8A9F-0CBBE89785F3}"/>
-              </a:ext>
-            </a:extLst>
-          </p:cNvPr>
-          <p:cNvSpPr>
-            <a:spLocks noGrp="1"/>
-          </p:cNvSpPr>
-          <p:nvPr>
-            <p:ph type="title"/>
-          </p:nvPr>
-        </p:nvSpPr>
-        <p:spPr/>
-        <p:txBody>
-          <a:bodyPr/>
-          <a:lstStyle/>
-          <a:p>
-            <a:r>
-              <a:rPr lang="de-AT" dirty="0"/>
-              <a:t>Aufgaben</a:t>
-            </a:r>
-          </a:p>
-        </p:txBody>
-      </p:sp>
-      <p:sp>
-        <p:nvSpPr>
-          <p:cNvPr id="3" name="Textplatzhalter 2">
-            <a:extLst>
-              <a:ext uri="{FF2B5EF4-FFF2-40B4-BE49-F238E27FC236}">
-                <a16:creationId xmlns:a16="http://schemas.microsoft.com/office/drawing/2014/main" id="{960E955D-4435-4B77-A91F-F660349CEEAC}"/>
-              </a:ext>
-            </a:extLst>
-          </p:cNvPr>
-          <p:cNvSpPr>
-            <a:spLocks noGrp="1"/>
-          </p:cNvSpPr>
-          <p:nvPr>
-            <p:ph type="body" sz="quarter" idx="13"/>
-          </p:nvPr>
-        </p:nvSpPr>
-        <p:spPr>
-          <a:xfrm>
-            <a:off x="949136" y="1455738"/>
-            <a:ext cx="10293728" cy="480131"/>
-          </a:xfrm>
-        </p:spPr>
-        <p:txBody>
-          <a:bodyPr/>
-          <a:lstStyle/>
-          <a:p>
-            <a:pPr marL="0" indent="0">
-              <a:buNone/>
-            </a:pPr>
-            <a:r>
-              <a:rPr lang="de-AT" dirty="0"/>
-              <a:t>Erstelle eine Seite mit zwei </a:t>
-            </a:r>
-            <a:r>
-              <a:rPr lang="de-AT" dirty="0" err="1"/>
-              <a:t>img</a:t>
-            </a:r>
-            <a:r>
-              <a:rPr lang="de-AT" dirty="0"/>
-              <a:t>-Tags. Diese sollen  jedoch kein </a:t>
-            </a:r>
-            <a:r>
-              <a:rPr lang="de-AT" dirty="0" err="1"/>
-              <a:t>src</a:t>
-            </a:r>
-            <a:r>
-              <a:rPr lang="de-AT" dirty="0"/>
-              <a:t>-Attribut enthalten, sodass sie nicht angezeigt werden. Gestalte einen Button, der es erlaubt, die Bilder auf der Seite anzuzeigen.</a:t>
-            </a:r>
-          </a:p>
-        </p:txBody>
-      </p:sp>
-      <p:sp>
-        <p:nvSpPr>
-          <p:cNvPr id="5" name="Rectangle 1">
-            <a:extLst>
-              <a:ext uri="{FF2B5EF4-FFF2-40B4-BE49-F238E27FC236}">
-                <a16:creationId xmlns:a16="http://schemas.microsoft.com/office/drawing/2014/main" id="{CCC6014E-B22D-4CC2-B629-4D76BB8181E7}"/>
-              </a:ext>
-            </a:extLst>
-          </p:cNvPr>
-          <p:cNvSpPr>
-            <a:spLocks noChangeArrowheads="1"/>
-          </p:cNvSpPr>
-          <p:nvPr/>
-        </p:nvSpPr>
-        <p:spPr bwMode="auto">
-          <a:xfrm>
-            <a:off x="3594226" y="3014493"/>
-            <a:ext cx="4687502" cy="2123658"/>
-          </a:xfrm>
-          <a:prstGeom prst="rect">
-            <a:avLst/>
-          </a:prstGeom>
-          <a:solidFill>
-            <a:schemeClr val="tx1"/>
-          </a:solidFill>
-          <a:ln>
-            <a:noFill/>
-          </a:ln>
-          <a:effectLst/>
-        </p:spPr>
-        <p:txBody>
-          <a:bodyPr vert="horz" wrap="none" lIns="91440" tIns="45720" rIns="91440" bIns="45720" numCol="1" anchor="ctr" anchorCtr="0" compatLnSpc="1">
-            <a:prstTxWarp prst="textNoShape">
-              <a:avLst/>
-            </a:prstTxWarp>
-            <a:spAutoFit/>
-          </a:bodyPr>
-          <a:lstStyle/>
-          <a:p>
-            <a:pPr marL="0" marR="0" lvl="0" indent="0" algn="l" defTabSz="914400" rtl="0" eaLnBrk="0" fontAlgn="base" latinLnBrk="0" hangingPunct="0">
-              <a:lnSpc>
-                <a:spcPct val="100000"/>
-              </a:lnSpc>
-              <a:spcBef>
-                <a:spcPct val="0"/>
-              </a:spcBef>
-              <a:spcAft>
-                <a:spcPct val="0"/>
-              </a:spcAft>
-              <a:buClrTx/>
-              <a:buSzTx/>
-              <a:buFontTx/>
-              <a:buNone/>
-              <a:tabLst/>
-            </a:pPr>
-            <a:r>
-              <a:rPr kumimoji="0" lang="de-DE" altLang="de-DE" sz="1200" b="0" i="1" u="none" strike="noStrike" cap="none" normalizeH="0" baseline="0">
-                <a:ln>
-                  <a:noFill/>
-                </a:ln>
-                <a:solidFill>
-                  <a:srgbClr val="9876AA"/>
-                </a:solidFill>
-                <a:effectLst/>
-                <a:latin typeface="Consolas" panose="020B0609020204030204" pitchFamily="49" charset="0"/>
-              </a:rPr>
-              <a:t>&lt;</a:t>
-            </a:r>
-            <a:r>
-              <a:rPr kumimoji="0" lang="de-DE" altLang="de-DE" sz="1200" b="0" i="0" u="none" strike="noStrike" cap="none" normalizeH="0" baseline="0">
-                <a:ln>
-                  <a:noFill/>
-                </a:ln>
-                <a:solidFill>
-                  <a:srgbClr val="E8BF6A"/>
-                </a:solidFill>
-                <a:effectLst/>
-                <a:latin typeface="Consolas" panose="020B0609020204030204" pitchFamily="49" charset="0"/>
-              </a:rPr>
-              <a:t>body</a:t>
-            </a:r>
-            <a:r>
-              <a:rPr kumimoji="0" lang="de-DE" altLang="de-DE" sz="1200" b="0" i="1" u="none" strike="noStrike" cap="none" normalizeH="0" baseline="0">
-                <a:ln>
-                  <a:noFill/>
-                </a:ln>
-                <a:solidFill>
-                  <a:srgbClr val="9876AA"/>
-                </a:solidFill>
-                <a:effectLst/>
-                <a:latin typeface="Consolas" panose="020B0609020204030204" pitchFamily="49" charset="0"/>
-              </a:rPr>
-              <a:t>&gt;</a:t>
-            </a:r>
-            <a:br>
-              <a:rPr kumimoji="0" lang="de-DE" altLang="de-DE" sz="1200" b="0" i="1" u="none" strike="noStrike" cap="none" normalizeH="0" baseline="0">
-                <a:ln>
-                  <a:noFill/>
-                </a:ln>
-                <a:solidFill>
-                  <a:srgbClr val="9876AA"/>
-                </a:solidFill>
-                <a:effectLst/>
-                <a:latin typeface="Consolas" panose="020B0609020204030204" pitchFamily="49" charset="0"/>
-              </a:rPr>
-            </a:br>
-            <a:r>
-              <a:rPr kumimoji="0" lang="de-DE" altLang="de-DE" sz="1200" b="0" i="1" u="none" strike="noStrike" cap="none" normalizeH="0" baseline="0">
-                <a:ln>
-                  <a:noFill/>
-                </a:ln>
-                <a:solidFill>
-                  <a:srgbClr val="9876AA"/>
-                </a:solidFill>
-                <a:effectLst/>
-                <a:latin typeface="Consolas" panose="020B0609020204030204" pitchFamily="49" charset="0"/>
-              </a:rPr>
-              <a:t>&lt;</a:t>
-            </a:r>
-            <a:r>
-              <a:rPr kumimoji="0" lang="de-DE" altLang="de-DE" sz="1200" b="0" i="0" u="none" strike="noStrike" cap="none" normalizeH="0" baseline="0">
-                <a:ln>
-                  <a:noFill/>
-                </a:ln>
-                <a:solidFill>
-                  <a:srgbClr val="E8BF6A"/>
-                </a:solidFill>
-                <a:effectLst/>
-                <a:latin typeface="Consolas" panose="020B0609020204030204" pitchFamily="49" charset="0"/>
-              </a:rPr>
-              <a:t>img</a:t>
-            </a:r>
-            <a:r>
-              <a:rPr kumimoji="0" lang="de-DE" altLang="de-DE" sz="1200" b="0" i="1" u="none" strike="noStrike" cap="none" normalizeH="0" baseline="0">
-                <a:ln>
-                  <a:noFill/>
-                </a:ln>
-                <a:solidFill>
-                  <a:srgbClr val="9876AA"/>
-                </a:solidFill>
-                <a:effectLst/>
-                <a:latin typeface="Consolas" panose="020B0609020204030204" pitchFamily="49" charset="0"/>
-              </a:rPr>
-              <a:t>&gt;&lt;</a:t>
-            </a:r>
-            <a:r>
-              <a:rPr kumimoji="0" lang="de-DE" altLang="de-DE" sz="1200" b="0" i="0" u="none" strike="noStrike" cap="none" normalizeH="0" baseline="0">
-                <a:ln>
-                  <a:noFill/>
-                </a:ln>
-                <a:solidFill>
-                  <a:srgbClr val="E8BF6A"/>
-                </a:solidFill>
-                <a:effectLst/>
-                <a:latin typeface="Consolas" panose="020B0609020204030204" pitchFamily="49" charset="0"/>
-              </a:rPr>
-              <a:t>br</a:t>
-            </a:r>
-            <a:r>
-              <a:rPr kumimoji="0" lang="de-DE" altLang="de-DE" sz="1200" b="0" i="1" u="none" strike="noStrike" cap="none" normalizeH="0" baseline="0">
-                <a:ln>
-                  <a:noFill/>
-                </a:ln>
-                <a:solidFill>
-                  <a:srgbClr val="9876AA"/>
-                </a:solidFill>
-                <a:effectLst/>
-                <a:latin typeface="Consolas" panose="020B0609020204030204" pitchFamily="49" charset="0"/>
-              </a:rPr>
-              <a:t>&gt;&lt;</a:t>
-            </a:r>
-            <a:r>
-              <a:rPr kumimoji="0" lang="de-DE" altLang="de-DE" sz="1200" b="0" i="0" u="none" strike="noStrike" cap="none" normalizeH="0" baseline="0">
-                <a:ln>
-                  <a:noFill/>
-                </a:ln>
-                <a:solidFill>
-                  <a:srgbClr val="E8BF6A"/>
-                </a:solidFill>
-                <a:effectLst/>
-                <a:latin typeface="Consolas" panose="020B0609020204030204" pitchFamily="49" charset="0"/>
-              </a:rPr>
-              <a:t>br</a:t>
-            </a:r>
-            <a:r>
-              <a:rPr kumimoji="0" lang="de-DE" altLang="de-DE" sz="1200" b="0" i="1" u="none" strike="noStrike" cap="none" normalizeH="0" baseline="0">
-                <a:ln>
-                  <a:noFill/>
-                </a:ln>
-                <a:solidFill>
-                  <a:srgbClr val="9876AA"/>
-                </a:solidFill>
-                <a:effectLst/>
-                <a:latin typeface="Consolas" panose="020B0609020204030204" pitchFamily="49" charset="0"/>
-              </a:rPr>
-              <a:t>&gt;</a:t>
-            </a:r>
-            <a:br>
-              <a:rPr kumimoji="0" lang="de-DE" altLang="de-DE" sz="1200" b="0" i="1" u="none" strike="noStrike" cap="none" normalizeH="0" baseline="0">
-                <a:ln>
-                  <a:noFill/>
-                </a:ln>
-                <a:solidFill>
-                  <a:srgbClr val="9876AA"/>
-                </a:solidFill>
-                <a:effectLst/>
-                <a:latin typeface="Consolas" panose="020B0609020204030204" pitchFamily="49" charset="0"/>
-              </a:rPr>
-            </a:br>
-            <a:r>
-              <a:rPr kumimoji="0" lang="de-DE" altLang="de-DE" sz="1200" b="0" i="1" u="none" strike="noStrike" cap="none" normalizeH="0" baseline="0">
-                <a:ln>
-                  <a:noFill/>
-                </a:ln>
-                <a:solidFill>
-                  <a:srgbClr val="9876AA"/>
-                </a:solidFill>
-                <a:effectLst/>
-                <a:latin typeface="Consolas" panose="020B0609020204030204" pitchFamily="49" charset="0"/>
-              </a:rPr>
-              <a:t>&lt;</a:t>
-            </a:r>
-            <a:r>
-              <a:rPr kumimoji="0" lang="de-DE" altLang="de-DE" sz="1200" b="0" i="0" u="none" strike="noStrike" cap="none" normalizeH="0" baseline="0">
-                <a:ln>
-                  <a:noFill/>
-                </a:ln>
-                <a:solidFill>
-                  <a:srgbClr val="E8BF6A"/>
-                </a:solidFill>
-                <a:effectLst/>
-                <a:latin typeface="Consolas" panose="020B0609020204030204" pitchFamily="49" charset="0"/>
-              </a:rPr>
-              <a:t>img</a:t>
-            </a:r>
-            <a:r>
-              <a:rPr kumimoji="0" lang="de-DE" altLang="de-DE" sz="1200" b="0" i="1" u="none" strike="noStrike" cap="none" normalizeH="0" baseline="0">
-                <a:ln>
-                  <a:noFill/>
-                </a:ln>
-                <a:solidFill>
-                  <a:srgbClr val="9876AA"/>
-                </a:solidFill>
-                <a:effectLst/>
-                <a:latin typeface="Consolas" panose="020B0609020204030204" pitchFamily="49" charset="0"/>
-              </a:rPr>
-              <a:t>&gt;&lt;</a:t>
-            </a:r>
-            <a:r>
-              <a:rPr kumimoji="0" lang="de-DE" altLang="de-DE" sz="1200" b="0" i="0" u="none" strike="noStrike" cap="none" normalizeH="0" baseline="0">
-                <a:ln>
-                  <a:noFill/>
-                </a:ln>
-                <a:solidFill>
-                  <a:srgbClr val="E8BF6A"/>
-                </a:solidFill>
-                <a:effectLst/>
-                <a:latin typeface="Consolas" panose="020B0609020204030204" pitchFamily="49" charset="0"/>
-              </a:rPr>
-              <a:t>br</a:t>
-            </a:r>
-            <a:r>
-              <a:rPr kumimoji="0" lang="de-DE" altLang="de-DE" sz="1200" b="0" i="1" u="none" strike="noStrike" cap="none" normalizeH="0" baseline="0">
-                <a:ln>
-                  <a:noFill/>
-                </a:ln>
-                <a:solidFill>
-                  <a:srgbClr val="9876AA"/>
-                </a:solidFill>
-                <a:effectLst/>
-                <a:latin typeface="Consolas" panose="020B0609020204030204" pitchFamily="49" charset="0"/>
-              </a:rPr>
-              <a:t>&gt;&lt;</a:t>
-            </a:r>
-            <a:r>
-              <a:rPr kumimoji="0" lang="de-DE" altLang="de-DE" sz="1200" b="0" i="0" u="none" strike="noStrike" cap="none" normalizeH="0" baseline="0">
-                <a:ln>
-                  <a:noFill/>
-                </a:ln>
-                <a:solidFill>
-                  <a:srgbClr val="E8BF6A"/>
-                </a:solidFill>
-                <a:effectLst/>
-                <a:latin typeface="Consolas" panose="020B0609020204030204" pitchFamily="49" charset="0"/>
-              </a:rPr>
-              <a:t>br</a:t>
-            </a:r>
-            <a:r>
-              <a:rPr kumimoji="0" lang="de-DE" altLang="de-DE" sz="1200" b="0" i="1" u="none" strike="noStrike" cap="none" normalizeH="0" baseline="0">
-                <a:ln>
-                  <a:noFill/>
-                </a:ln>
-                <a:solidFill>
-                  <a:srgbClr val="9876AA"/>
-                </a:solidFill>
-                <a:effectLst/>
-                <a:latin typeface="Consolas" panose="020B0609020204030204" pitchFamily="49" charset="0"/>
-              </a:rPr>
-              <a:t>&gt;</a:t>
-            </a:r>
-            <a:br>
-              <a:rPr kumimoji="0" lang="de-DE" altLang="de-DE" sz="1200" b="0" i="1" u="none" strike="noStrike" cap="none" normalizeH="0" baseline="0">
-                <a:ln>
-                  <a:noFill/>
-                </a:ln>
-                <a:solidFill>
-                  <a:srgbClr val="9876AA"/>
-                </a:solidFill>
-                <a:effectLst/>
-                <a:latin typeface="Consolas" panose="020B0609020204030204" pitchFamily="49" charset="0"/>
-              </a:rPr>
-            </a:br>
-            <a:r>
-              <a:rPr kumimoji="0" lang="de-DE" altLang="de-DE" sz="1200" b="0" i="1" u="none" strike="noStrike" cap="none" normalizeH="0" baseline="0">
-                <a:ln>
-                  <a:noFill/>
-                </a:ln>
-                <a:solidFill>
-                  <a:srgbClr val="9876AA"/>
-                </a:solidFill>
-                <a:effectLst/>
-                <a:latin typeface="Consolas" panose="020B0609020204030204" pitchFamily="49" charset="0"/>
-              </a:rPr>
-              <a:t>&lt;</a:t>
-            </a:r>
-            <a:r>
-              <a:rPr kumimoji="0" lang="de-DE" altLang="de-DE" sz="1200" b="0" i="0" u="none" strike="noStrike" cap="none" normalizeH="0" baseline="0">
-                <a:ln>
-                  <a:noFill/>
-                </a:ln>
-                <a:solidFill>
-                  <a:srgbClr val="E8BF6A"/>
-                </a:solidFill>
-                <a:effectLst/>
-                <a:latin typeface="Consolas" panose="020B0609020204030204" pitchFamily="49" charset="0"/>
-              </a:rPr>
-              <a:t>button </a:t>
-            </a:r>
-            <a:r>
-              <a:rPr kumimoji="0" lang="de-DE" altLang="de-DE" sz="1200" b="0" i="0" u="none" strike="noStrike" cap="none" normalizeH="0" baseline="0">
-                <a:ln>
-                  <a:noFill/>
-                </a:ln>
-                <a:solidFill>
-                  <a:srgbClr val="BABABA"/>
-                </a:solidFill>
-                <a:effectLst/>
-                <a:latin typeface="Consolas" panose="020B0609020204030204" pitchFamily="49" charset="0"/>
-              </a:rPr>
-              <a:t>onclick</a:t>
-            </a:r>
-            <a:r>
-              <a:rPr kumimoji="0" lang="de-DE" altLang="de-DE" sz="1200" b="0" i="0" u="none" strike="noStrike" cap="none" normalizeH="0" baseline="0">
-                <a:ln>
-                  <a:noFill/>
-                </a:ln>
-                <a:solidFill>
-                  <a:srgbClr val="A5C261"/>
-                </a:solidFill>
-                <a:effectLst/>
-                <a:latin typeface="Consolas" panose="020B0609020204030204" pitchFamily="49" charset="0"/>
-              </a:rPr>
-              <a:t>="</a:t>
-            </a:r>
-            <a:r>
-              <a:rPr kumimoji="0" lang="de-DE" altLang="de-DE" sz="1200" b="0" i="0" u="none" strike="noStrike" cap="none" normalizeH="0" baseline="0">
-                <a:ln>
-                  <a:noFill/>
-                </a:ln>
-                <a:solidFill>
-                  <a:srgbClr val="FFC66D"/>
-                </a:solidFill>
-                <a:effectLst/>
-                <a:latin typeface="Consolas" panose="020B0609020204030204" pitchFamily="49" charset="0"/>
-              </a:rPr>
-              <a:t>anzeigen</a:t>
-            </a:r>
-            <a:r>
-              <a:rPr kumimoji="0" lang="de-DE" altLang="de-DE" sz="1200" b="0" i="1" u="none" strike="noStrike" cap="none" normalizeH="0" baseline="0">
-                <a:ln>
-                  <a:noFill/>
-                </a:ln>
-                <a:solidFill>
-                  <a:srgbClr val="9876AA"/>
-                </a:solidFill>
-                <a:effectLst/>
-                <a:latin typeface="Consolas" panose="020B0609020204030204" pitchFamily="49" charset="0"/>
-              </a:rPr>
-              <a:t>()</a:t>
-            </a:r>
-            <a:r>
-              <a:rPr kumimoji="0" lang="de-DE" altLang="de-DE" sz="1200" b="0" i="0" u="none" strike="noStrike" cap="none" normalizeH="0" baseline="0">
-                <a:ln>
-                  <a:noFill/>
-                </a:ln>
-                <a:solidFill>
-                  <a:srgbClr val="A5C261"/>
-                </a:solidFill>
-                <a:effectLst/>
-                <a:latin typeface="Consolas" panose="020B0609020204030204" pitchFamily="49" charset="0"/>
-              </a:rPr>
-              <a:t>"</a:t>
-            </a:r>
-            <a:r>
-              <a:rPr kumimoji="0" lang="de-DE" altLang="de-DE" sz="1200" b="0" i="1" u="none" strike="noStrike" cap="none" normalizeH="0" baseline="0">
-                <a:ln>
-                  <a:noFill/>
-                </a:ln>
-                <a:solidFill>
-                  <a:srgbClr val="9876AA"/>
-                </a:solidFill>
-                <a:effectLst/>
-                <a:latin typeface="Consolas" panose="020B0609020204030204" pitchFamily="49" charset="0"/>
-              </a:rPr>
-              <a:t>&gt;</a:t>
-            </a:r>
-            <a:r>
-              <a:rPr kumimoji="0" lang="de-DE" altLang="de-DE" sz="1200" b="0" i="0" u="none" strike="noStrike" cap="none" normalizeH="0" baseline="0">
-                <a:ln>
-                  <a:noFill/>
-                </a:ln>
-                <a:solidFill>
-                  <a:srgbClr val="A9B7C6"/>
-                </a:solidFill>
-                <a:effectLst/>
-                <a:latin typeface="Consolas" panose="020B0609020204030204" pitchFamily="49" charset="0"/>
-              </a:rPr>
-              <a:t>Bilder anzeigen</a:t>
-            </a:r>
-            <a:r>
-              <a:rPr kumimoji="0" lang="de-DE" altLang="de-DE" sz="1200" b="0" i="1" u="none" strike="noStrike" cap="none" normalizeH="0" baseline="0">
-                <a:ln>
-                  <a:noFill/>
-                </a:ln>
-                <a:solidFill>
-                  <a:srgbClr val="9876AA"/>
-                </a:solidFill>
-                <a:effectLst/>
-                <a:latin typeface="Consolas" panose="020B0609020204030204" pitchFamily="49" charset="0"/>
-              </a:rPr>
-              <a:t>&lt;/</a:t>
-            </a:r>
-            <a:r>
-              <a:rPr kumimoji="0" lang="de-DE" altLang="de-DE" sz="1200" b="0" i="0" u="none" strike="noStrike" cap="none" normalizeH="0" baseline="0">
-                <a:ln>
-                  <a:noFill/>
-                </a:ln>
-                <a:solidFill>
-                  <a:srgbClr val="E8BF6A"/>
-                </a:solidFill>
-                <a:effectLst/>
-                <a:latin typeface="Consolas" panose="020B0609020204030204" pitchFamily="49" charset="0"/>
-              </a:rPr>
-              <a:t>button</a:t>
-            </a:r>
-            <a:r>
-              <a:rPr kumimoji="0" lang="de-DE" altLang="de-DE" sz="1200" b="0" i="1" u="none" strike="noStrike" cap="none" normalizeH="0" baseline="0">
-                <a:ln>
-                  <a:noFill/>
-                </a:ln>
-                <a:solidFill>
-                  <a:srgbClr val="9876AA"/>
-                </a:solidFill>
-                <a:effectLst/>
-                <a:latin typeface="Consolas" panose="020B0609020204030204" pitchFamily="49" charset="0"/>
-              </a:rPr>
-              <a:t>&gt;</a:t>
-            </a:r>
-            <a:br>
-              <a:rPr kumimoji="0" lang="de-DE" altLang="de-DE" sz="1200" b="0" i="1" u="none" strike="noStrike" cap="none" normalizeH="0" baseline="0">
-                <a:ln>
-                  <a:noFill/>
-                </a:ln>
-                <a:solidFill>
-                  <a:srgbClr val="9876AA"/>
-                </a:solidFill>
-                <a:effectLst/>
-                <a:latin typeface="Consolas" panose="020B0609020204030204" pitchFamily="49" charset="0"/>
-              </a:rPr>
-            </a:br>
-            <a:r>
-              <a:rPr kumimoji="0" lang="de-DE" altLang="de-DE" sz="1200" b="0" i="1" u="none" strike="noStrike" cap="none" normalizeH="0" baseline="0">
-                <a:ln>
-                  <a:noFill/>
-                </a:ln>
-                <a:solidFill>
-                  <a:srgbClr val="9876AA"/>
-                </a:solidFill>
-                <a:effectLst/>
-                <a:latin typeface="Consolas" panose="020B0609020204030204" pitchFamily="49" charset="0"/>
-              </a:rPr>
-              <a:t>&lt;</a:t>
-            </a:r>
-            <a:r>
-              <a:rPr kumimoji="0" lang="de-DE" altLang="de-DE" sz="1200" b="0" i="0" u="none" strike="noStrike" cap="none" normalizeH="0" baseline="0">
-                <a:ln>
-                  <a:noFill/>
-                </a:ln>
-                <a:solidFill>
-                  <a:srgbClr val="E8BF6A"/>
-                </a:solidFill>
-                <a:effectLst/>
-                <a:latin typeface="Consolas" panose="020B0609020204030204" pitchFamily="49" charset="0"/>
-              </a:rPr>
-              <a:t>script</a:t>
-            </a:r>
-            <a:r>
-              <a:rPr kumimoji="0" lang="de-DE" altLang="de-DE" sz="1200" b="0" i="1" u="none" strike="noStrike" cap="none" normalizeH="0" baseline="0">
-                <a:ln>
-                  <a:noFill/>
-                </a:ln>
-                <a:solidFill>
-                  <a:srgbClr val="9876AA"/>
-                </a:solidFill>
-                <a:effectLst/>
-                <a:latin typeface="Consolas" panose="020B0609020204030204" pitchFamily="49" charset="0"/>
-              </a:rPr>
-              <a:t>&gt;</a:t>
-            </a:r>
-            <a:br>
-              <a:rPr kumimoji="0" lang="de-DE" altLang="de-DE" sz="1200" b="0" i="1" u="none" strike="noStrike" cap="none" normalizeH="0" baseline="0">
-                <a:ln>
-                  <a:noFill/>
-                </a:ln>
-                <a:solidFill>
-                  <a:srgbClr val="9876AA"/>
-                </a:solidFill>
-                <a:effectLst/>
-                <a:latin typeface="Consolas" panose="020B0609020204030204" pitchFamily="49" charset="0"/>
-              </a:rPr>
-            </a:br>
-            <a:r>
-              <a:rPr kumimoji="0" lang="de-DE" altLang="de-DE" sz="1200" b="0" i="1" u="none" strike="noStrike" cap="none" normalizeH="0" baseline="0">
-                <a:ln>
-                  <a:noFill/>
-                </a:ln>
-                <a:solidFill>
-                  <a:srgbClr val="9876AA"/>
-                </a:solidFill>
-                <a:effectLst/>
-                <a:latin typeface="Consolas" panose="020B0609020204030204" pitchFamily="49" charset="0"/>
-              </a:rPr>
-              <a:t>    </a:t>
-            </a:r>
-            <a:r>
-              <a:rPr kumimoji="0" lang="de-DE" altLang="de-DE" sz="1200" b="0" i="0" u="none" strike="noStrike" cap="none" normalizeH="0" baseline="0">
-                <a:ln>
-                  <a:noFill/>
-                </a:ln>
-                <a:solidFill>
-                  <a:srgbClr val="CC7832"/>
-                </a:solidFill>
-                <a:effectLst/>
-                <a:latin typeface="Consolas" panose="020B0609020204030204" pitchFamily="49" charset="0"/>
-              </a:rPr>
-              <a:t>function  </a:t>
-            </a:r>
-            <a:r>
-              <a:rPr kumimoji="0" lang="de-DE" altLang="de-DE" sz="1200" b="0" i="0" u="none" strike="noStrike" cap="none" normalizeH="0" baseline="0">
-                <a:ln>
-                  <a:noFill/>
-                </a:ln>
-                <a:solidFill>
-                  <a:srgbClr val="FFC66D"/>
-                </a:solidFill>
-                <a:effectLst/>
-                <a:latin typeface="Consolas" panose="020B0609020204030204" pitchFamily="49" charset="0"/>
-              </a:rPr>
-              <a:t>anzeigen</a:t>
-            </a:r>
-            <a:r>
-              <a:rPr kumimoji="0" lang="de-DE" altLang="de-DE" sz="1200" b="0" i="1" u="none" strike="noStrike" cap="none" normalizeH="0" baseline="0">
-                <a:ln>
-                  <a:noFill/>
-                </a:ln>
-                <a:solidFill>
-                  <a:srgbClr val="9876AA"/>
-                </a:solidFill>
-                <a:effectLst/>
-                <a:latin typeface="Consolas" panose="020B0609020204030204" pitchFamily="49" charset="0"/>
-              </a:rPr>
-              <a:t>() {</a:t>
-            </a:r>
-            <a:br>
-              <a:rPr kumimoji="0" lang="de-DE" altLang="de-DE" sz="1200" b="0" i="1" u="none" strike="noStrike" cap="none" normalizeH="0" baseline="0">
-                <a:ln>
-                  <a:noFill/>
-                </a:ln>
-                <a:solidFill>
-                  <a:srgbClr val="9876AA"/>
-                </a:solidFill>
-                <a:effectLst/>
-                <a:latin typeface="Consolas" panose="020B0609020204030204" pitchFamily="49" charset="0"/>
-              </a:rPr>
-            </a:br>
-            <a:r>
-              <a:rPr kumimoji="0" lang="de-DE" altLang="de-DE" sz="1200" b="0" i="1" u="none" strike="noStrike" cap="none" normalizeH="0" baseline="0">
-                <a:ln>
-                  <a:noFill/>
-                </a:ln>
-                <a:solidFill>
-                  <a:srgbClr val="9876AA"/>
-                </a:solidFill>
-                <a:effectLst/>
-                <a:latin typeface="Consolas" panose="020B0609020204030204" pitchFamily="49" charset="0"/>
-              </a:rPr>
-              <a:t>        </a:t>
-            </a:r>
-            <a:r>
-              <a:rPr kumimoji="0" lang="de-DE" altLang="de-DE" sz="1200" b="1" i="1" u="none" strike="noStrike" cap="none" normalizeH="0" baseline="0">
-                <a:ln>
-                  <a:noFill/>
-                </a:ln>
-                <a:solidFill>
-                  <a:srgbClr val="9876AA"/>
-                </a:solidFill>
-                <a:effectLst/>
-                <a:latin typeface="Consolas" panose="020B0609020204030204" pitchFamily="49" charset="0"/>
-              </a:rPr>
-              <a:t>document</a:t>
-            </a:r>
-            <a:r>
-              <a:rPr kumimoji="0" lang="de-DE" altLang="de-DE" sz="1200" b="0" i="0" u="none" strike="noStrike" cap="none" normalizeH="0" baseline="0">
-                <a:ln>
-                  <a:noFill/>
-                </a:ln>
-                <a:solidFill>
-                  <a:srgbClr val="A9B7C6"/>
-                </a:solidFill>
-                <a:effectLst/>
-                <a:latin typeface="Consolas" panose="020B0609020204030204" pitchFamily="49" charset="0"/>
-              </a:rPr>
-              <a:t>.</a:t>
-            </a:r>
-            <a:r>
-              <a:rPr kumimoji="0" lang="de-DE" altLang="de-DE" sz="1200" b="0" i="0" u="none" strike="noStrike" cap="none" normalizeH="0" baseline="0">
-                <a:ln>
-                  <a:noFill/>
-                </a:ln>
-                <a:solidFill>
-                  <a:srgbClr val="9876AA"/>
-                </a:solidFill>
-                <a:effectLst/>
-                <a:latin typeface="Consolas" panose="020B0609020204030204" pitchFamily="49" charset="0"/>
-              </a:rPr>
-              <a:t>images</a:t>
-            </a:r>
-            <a:r>
-              <a:rPr kumimoji="0" lang="de-DE" altLang="de-DE" sz="1200" b="0" i="1" u="none" strike="noStrike" cap="none" normalizeH="0" baseline="0">
-                <a:ln>
-                  <a:noFill/>
-                </a:ln>
-                <a:solidFill>
-                  <a:srgbClr val="9876AA"/>
-                </a:solidFill>
-                <a:effectLst/>
-                <a:latin typeface="Consolas" panose="020B0609020204030204" pitchFamily="49" charset="0"/>
-              </a:rPr>
-              <a:t>[</a:t>
-            </a:r>
-            <a:r>
-              <a:rPr kumimoji="0" lang="de-DE" altLang="de-DE" sz="1200" b="0" i="0" u="none" strike="noStrike" cap="none" normalizeH="0" baseline="0">
-                <a:ln>
-                  <a:noFill/>
-                </a:ln>
-                <a:solidFill>
-                  <a:srgbClr val="6897BB"/>
-                </a:solidFill>
-                <a:effectLst/>
-                <a:latin typeface="Consolas" panose="020B0609020204030204" pitchFamily="49" charset="0"/>
-              </a:rPr>
-              <a:t>0</a:t>
-            </a:r>
-            <a:r>
-              <a:rPr kumimoji="0" lang="de-DE" altLang="de-DE" sz="1200" b="0" i="1" u="none" strike="noStrike" cap="none" normalizeH="0" baseline="0">
-                <a:ln>
-                  <a:noFill/>
-                </a:ln>
-                <a:solidFill>
-                  <a:srgbClr val="9876AA"/>
-                </a:solidFill>
-                <a:effectLst/>
-                <a:latin typeface="Consolas" panose="020B0609020204030204" pitchFamily="49" charset="0"/>
-              </a:rPr>
-              <a:t>]</a:t>
-            </a:r>
-            <a:r>
-              <a:rPr kumimoji="0" lang="de-DE" altLang="de-DE" sz="1200" b="0" i="0" u="none" strike="noStrike" cap="none" normalizeH="0" baseline="0">
-                <a:ln>
-                  <a:noFill/>
-                </a:ln>
-                <a:solidFill>
-                  <a:srgbClr val="A9B7C6"/>
-                </a:solidFill>
-                <a:effectLst/>
-                <a:latin typeface="Consolas" panose="020B0609020204030204" pitchFamily="49" charset="0"/>
-              </a:rPr>
-              <a:t>.</a:t>
-            </a:r>
-            <a:r>
-              <a:rPr kumimoji="0" lang="de-DE" altLang="de-DE" sz="1200" b="0" i="0" u="none" strike="noStrike" cap="none" normalizeH="0" baseline="0">
-                <a:ln>
-                  <a:noFill/>
-                </a:ln>
-                <a:solidFill>
-                  <a:srgbClr val="9876AA"/>
-                </a:solidFill>
-                <a:effectLst/>
-                <a:latin typeface="Consolas" panose="020B0609020204030204" pitchFamily="49" charset="0"/>
-              </a:rPr>
-              <a:t>src </a:t>
-            </a:r>
-            <a:r>
-              <a:rPr kumimoji="0" lang="de-DE" altLang="de-DE" sz="1200" b="0" i="0" u="none" strike="noStrike" cap="none" normalizeH="0" baseline="0">
-                <a:ln>
-                  <a:noFill/>
-                </a:ln>
-                <a:solidFill>
-                  <a:srgbClr val="A9B7C6"/>
-                </a:solidFill>
-                <a:effectLst/>
-                <a:latin typeface="Consolas" panose="020B0609020204030204" pitchFamily="49" charset="0"/>
-              </a:rPr>
-              <a:t>= </a:t>
-            </a:r>
-            <a:r>
-              <a:rPr kumimoji="0" lang="de-DE" altLang="de-DE" sz="1200" b="0" i="0" u="none" strike="noStrike" cap="none" normalizeH="0" baseline="0">
-                <a:ln>
-                  <a:noFill/>
-                </a:ln>
-                <a:solidFill>
-                  <a:srgbClr val="6A8759"/>
-                </a:solidFill>
-                <a:effectLst/>
-                <a:latin typeface="Consolas" panose="020B0609020204030204" pitchFamily="49" charset="0"/>
-              </a:rPr>
-              <a:t>"bild1.jpg"</a:t>
-            </a:r>
-            <a:r>
-              <a:rPr kumimoji="0" lang="de-DE" altLang="de-DE" sz="1200" b="0" i="0" u="none" strike="noStrike" cap="none" normalizeH="0" baseline="0">
-                <a:ln>
-                  <a:noFill/>
-                </a:ln>
-                <a:solidFill>
-                  <a:srgbClr val="CC7832"/>
-                </a:solidFill>
-                <a:effectLst/>
-                <a:latin typeface="Consolas" panose="020B0609020204030204" pitchFamily="49" charset="0"/>
-              </a:rPr>
-              <a:t>;</a:t>
-            </a:r>
-            <a:br>
-              <a:rPr kumimoji="0" lang="de-DE" altLang="de-DE" sz="1200" b="0" i="0" u="none" strike="noStrike" cap="none" normalizeH="0" baseline="0">
-                <a:ln>
-                  <a:noFill/>
-                </a:ln>
-                <a:solidFill>
-                  <a:srgbClr val="CC7832"/>
-                </a:solidFill>
-                <a:effectLst/>
-                <a:latin typeface="Consolas" panose="020B0609020204030204" pitchFamily="49" charset="0"/>
-              </a:rPr>
-            </a:br>
-            <a:r>
-              <a:rPr kumimoji="0" lang="de-DE" altLang="de-DE" sz="1200" b="0" i="0" u="none" strike="noStrike" cap="none" normalizeH="0" baseline="0">
-                <a:ln>
-                  <a:noFill/>
-                </a:ln>
-                <a:solidFill>
-                  <a:srgbClr val="CC7832"/>
-                </a:solidFill>
-                <a:effectLst/>
-                <a:latin typeface="Consolas" panose="020B0609020204030204" pitchFamily="49" charset="0"/>
-              </a:rPr>
-              <a:t>        </a:t>
-            </a:r>
-            <a:r>
-              <a:rPr kumimoji="0" lang="de-DE" altLang="de-DE" sz="1200" b="1" i="1" u="none" strike="noStrike" cap="none" normalizeH="0" baseline="0">
-                <a:ln>
-                  <a:noFill/>
-                </a:ln>
-                <a:solidFill>
-                  <a:srgbClr val="9876AA"/>
-                </a:solidFill>
-                <a:effectLst/>
-                <a:latin typeface="Consolas" panose="020B0609020204030204" pitchFamily="49" charset="0"/>
-              </a:rPr>
-              <a:t>document</a:t>
-            </a:r>
-            <a:r>
-              <a:rPr kumimoji="0" lang="de-DE" altLang="de-DE" sz="1200" b="0" i="0" u="none" strike="noStrike" cap="none" normalizeH="0" baseline="0">
-                <a:ln>
-                  <a:noFill/>
-                </a:ln>
-                <a:solidFill>
-                  <a:srgbClr val="A9B7C6"/>
-                </a:solidFill>
-                <a:effectLst/>
-                <a:latin typeface="Consolas" panose="020B0609020204030204" pitchFamily="49" charset="0"/>
-              </a:rPr>
-              <a:t>.</a:t>
-            </a:r>
-            <a:r>
-              <a:rPr kumimoji="0" lang="de-DE" altLang="de-DE" sz="1200" b="0" i="0" u="none" strike="noStrike" cap="none" normalizeH="0" baseline="0">
-                <a:ln>
-                  <a:noFill/>
-                </a:ln>
-                <a:solidFill>
-                  <a:srgbClr val="9876AA"/>
-                </a:solidFill>
-                <a:effectLst/>
-                <a:latin typeface="Consolas" panose="020B0609020204030204" pitchFamily="49" charset="0"/>
-              </a:rPr>
-              <a:t>images</a:t>
-            </a:r>
-            <a:r>
-              <a:rPr kumimoji="0" lang="de-DE" altLang="de-DE" sz="1200" b="0" i="1" u="none" strike="noStrike" cap="none" normalizeH="0" baseline="0">
-                <a:ln>
-                  <a:noFill/>
-                </a:ln>
-                <a:solidFill>
-                  <a:srgbClr val="9876AA"/>
-                </a:solidFill>
-                <a:effectLst/>
-                <a:latin typeface="Consolas" panose="020B0609020204030204" pitchFamily="49" charset="0"/>
-              </a:rPr>
-              <a:t>[</a:t>
-            </a:r>
-            <a:r>
-              <a:rPr kumimoji="0" lang="de-DE" altLang="de-DE" sz="1200" b="0" i="0" u="none" strike="noStrike" cap="none" normalizeH="0" baseline="0">
-                <a:ln>
-                  <a:noFill/>
-                </a:ln>
-                <a:solidFill>
-                  <a:srgbClr val="6897BB"/>
-                </a:solidFill>
-                <a:effectLst/>
-                <a:latin typeface="Consolas" panose="020B0609020204030204" pitchFamily="49" charset="0"/>
-              </a:rPr>
-              <a:t>1</a:t>
-            </a:r>
-            <a:r>
-              <a:rPr kumimoji="0" lang="de-DE" altLang="de-DE" sz="1200" b="0" i="1" u="none" strike="noStrike" cap="none" normalizeH="0" baseline="0">
-                <a:ln>
-                  <a:noFill/>
-                </a:ln>
-                <a:solidFill>
-                  <a:srgbClr val="9876AA"/>
-                </a:solidFill>
-                <a:effectLst/>
-                <a:latin typeface="Consolas" panose="020B0609020204030204" pitchFamily="49" charset="0"/>
-              </a:rPr>
-              <a:t>]</a:t>
-            </a:r>
-            <a:r>
-              <a:rPr kumimoji="0" lang="de-DE" altLang="de-DE" sz="1200" b="0" i="0" u="none" strike="noStrike" cap="none" normalizeH="0" baseline="0">
-                <a:ln>
-                  <a:noFill/>
-                </a:ln>
-                <a:solidFill>
-                  <a:srgbClr val="A9B7C6"/>
-                </a:solidFill>
-                <a:effectLst/>
-                <a:latin typeface="Consolas" panose="020B0609020204030204" pitchFamily="49" charset="0"/>
-              </a:rPr>
-              <a:t>.</a:t>
-            </a:r>
-            <a:r>
-              <a:rPr kumimoji="0" lang="de-DE" altLang="de-DE" sz="1200" b="0" i="0" u="none" strike="noStrike" cap="none" normalizeH="0" baseline="0">
-                <a:ln>
-                  <a:noFill/>
-                </a:ln>
-                <a:solidFill>
-                  <a:srgbClr val="9876AA"/>
-                </a:solidFill>
-                <a:effectLst/>
-                <a:latin typeface="Consolas" panose="020B0609020204030204" pitchFamily="49" charset="0"/>
-              </a:rPr>
-              <a:t>src </a:t>
-            </a:r>
-            <a:r>
-              <a:rPr kumimoji="0" lang="de-DE" altLang="de-DE" sz="1200" b="0" i="0" u="none" strike="noStrike" cap="none" normalizeH="0" baseline="0">
-                <a:ln>
-                  <a:noFill/>
-                </a:ln>
-                <a:solidFill>
-                  <a:srgbClr val="A9B7C6"/>
-                </a:solidFill>
-                <a:effectLst/>
-                <a:latin typeface="Consolas" panose="020B0609020204030204" pitchFamily="49" charset="0"/>
-              </a:rPr>
-              <a:t>= </a:t>
-            </a:r>
-            <a:r>
-              <a:rPr kumimoji="0" lang="de-DE" altLang="de-DE" sz="1200" b="0" i="0" u="none" strike="noStrike" cap="none" normalizeH="0" baseline="0">
-                <a:ln>
-                  <a:noFill/>
-                </a:ln>
-                <a:solidFill>
-                  <a:srgbClr val="6A8759"/>
-                </a:solidFill>
-                <a:effectLst/>
-                <a:latin typeface="Consolas" panose="020B0609020204030204" pitchFamily="49" charset="0"/>
-              </a:rPr>
-              <a:t>"bild2.jpg"</a:t>
-            </a:r>
-            <a:r>
-              <a:rPr kumimoji="0" lang="de-DE" altLang="de-DE" sz="1200" b="0" i="0" u="none" strike="noStrike" cap="none" normalizeH="0" baseline="0">
-                <a:ln>
-                  <a:noFill/>
-                </a:ln>
-                <a:solidFill>
-                  <a:srgbClr val="CC7832"/>
-                </a:solidFill>
-                <a:effectLst/>
-                <a:latin typeface="Consolas" panose="020B0609020204030204" pitchFamily="49" charset="0"/>
-              </a:rPr>
-              <a:t>;</a:t>
-            </a:r>
-            <a:br>
-              <a:rPr kumimoji="0" lang="de-DE" altLang="de-DE" sz="1200" b="0" i="0" u="none" strike="noStrike" cap="none" normalizeH="0" baseline="0">
-                <a:ln>
-                  <a:noFill/>
-                </a:ln>
-                <a:solidFill>
-                  <a:srgbClr val="CC7832"/>
-                </a:solidFill>
-                <a:effectLst/>
-                <a:latin typeface="Consolas" panose="020B0609020204030204" pitchFamily="49" charset="0"/>
-              </a:rPr>
-            </a:br>
-            <a:r>
-              <a:rPr kumimoji="0" lang="de-DE" altLang="de-DE" sz="1200" b="0" i="0" u="none" strike="noStrike" cap="none" normalizeH="0" baseline="0">
-                <a:ln>
-                  <a:noFill/>
-                </a:ln>
-                <a:solidFill>
-                  <a:srgbClr val="CC7832"/>
-                </a:solidFill>
-                <a:effectLst/>
-                <a:latin typeface="Consolas" panose="020B0609020204030204" pitchFamily="49" charset="0"/>
-              </a:rPr>
-              <a:t>    </a:t>
-            </a:r>
-            <a:r>
-              <a:rPr kumimoji="0" lang="de-DE" altLang="de-DE" sz="1200" b="0" i="1" u="none" strike="noStrike" cap="none" normalizeH="0" baseline="0">
-                <a:ln>
-                  <a:noFill/>
-                </a:ln>
-                <a:solidFill>
-                  <a:srgbClr val="9876AA"/>
-                </a:solidFill>
-                <a:effectLst/>
-                <a:latin typeface="Consolas" panose="020B0609020204030204" pitchFamily="49" charset="0"/>
-              </a:rPr>
-              <a:t>}</a:t>
-            </a:r>
-            <a:br>
-              <a:rPr kumimoji="0" lang="de-DE" altLang="de-DE" sz="1200" b="0" i="1" u="none" strike="noStrike" cap="none" normalizeH="0" baseline="0">
-                <a:ln>
-                  <a:noFill/>
-                </a:ln>
-                <a:solidFill>
-                  <a:srgbClr val="9876AA"/>
-                </a:solidFill>
-                <a:effectLst/>
-                <a:latin typeface="Consolas" panose="020B0609020204030204" pitchFamily="49" charset="0"/>
-              </a:rPr>
-            </a:br>
-            <a:r>
-              <a:rPr kumimoji="0" lang="de-DE" altLang="de-DE" sz="1200" b="0" i="1" u="none" strike="noStrike" cap="none" normalizeH="0" baseline="0">
-                <a:ln>
-                  <a:noFill/>
-                </a:ln>
-                <a:solidFill>
-                  <a:srgbClr val="9876AA"/>
-                </a:solidFill>
-                <a:effectLst/>
-                <a:latin typeface="Consolas" panose="020B0609020204030204" pitchFamily="49" charset="0"/>
-              </a:rPr>
-              <a:t>&lt;/</a:t>
-            </a:r>
-            <a:r>
-              <a:rPr kumimoji="0" lang="de-DE" altLang="de-DE" sz="1200" b="0" i="0" u="none" strike="noStrike" cap="none" normalizeH="0" baseline="0">
-                <a:ln>
-                  <a:noFill/>
-                </a:ln>
-                <a:solidFill>
-                  <a:srgbClr val="E8BF6A"/>
-                </a:solidFill>
-                <a:effectLst/>
-                <a:latin typeface="Consolas" panose="020B0609020204030204" pitchFamily="49" charset="0"/>
-              </a:rPr>
-              <a:t>script</a:t>
-            </a:r>
-            <a:r>
-              <a:rPr kumimoji="0" lang="de-DE" altLang="de-DE" sz="1200" b="0" i="1" u="none" strike="noStrike" cap="none" normalizeH="0" baseline="0">
-                <a:ln>
-                  <a:noFill/>
-                </a:ln>
-                <a:solidFill>
-                  <a:srgbClr val="9876AA"/>
-                </a:solidFill>
-                <a:effectLst/>
-                <a:latin typeface="Consolas" panose="020B0609020204030204" pitchFamily="49" charset="0"/>
-              </a:rPr>
-              <a:t>&gt;</a:t>
-            </a:r>
-            <a:br>
-              <a:rPr kumimoji="0" lang="de-DE" altLang="de-DE" sz="1200" b="0" i="1" u="none" strike="noStrike" cap="none" normalizeH="0" baseline="0">
-                <a:ln>
-                  <a:noFill/>
-                </a:ln>
-                <a:solidFill>
-                  <a:srgbClr val="9876AA"/>
-                </a:solidFill>
-                <a:effectLst/>
-                <a:latin typeface="Consolas" panose="020B0609020204030204" pitchFamily="49" charset="0"/>
-              </a:rPr>
-            </a:br>
-            <a:r>
-              <a:rPr kumimoji="0" lang="de-DE" altLang="de-DE" sz="1200" b="0" i="1" u="none" strike="noStrike" cap="none" normalizeH="0" baseline="0">
-                <a:ln>
-                  <a:noFill/>
-                </a:ln>
-                <a:solidFill>
-                  <a:srgbClr val="9876AA"/>
-                </a:solidFill>
-                <a:effectLst/>
-                <a:latin typeface="Consolas" panose="020B0609020204030204" pitchFamily="49" charset="0"/>
-              </a:rPr>
-              <a:t>&lt;/</a:t>
-            </a:r>
-            <a:r>
-              <a:rPr kumimoji="0" lang="de-DE" altLang="de-DE" sz="1200" b="0" i="0" u="none" strike="noStrike" cap="none" normalizeH="0" baseline="0">
-                <a:ln>
-                  <a:noFill/>
-                </a:ln>
-                <a:solidFill>
-                  <a:srgbClr val="E8BF6A"/>
-                </a:solidFill>
-                <a:effectLst/>
-                <a:latin typeface="Consolas" panose="020B0609020204030204" pitchFamily="49" charset="0"/>
-              </a:rPr>
-              <a:t>body</a:t>
-            </a:r>
-            <a:r>
-              <a:rPr kumimoji="0" lang="de-DE" altLang="de-DE" sz="1200" b="0" i="1" u="none" strike="noStrike" cap="none" normalizeH="0" baseline="0">
-                <a:ln>
-                  <a:noFill/>
-                </a:ln>
-                <a:solidFill>
-                  <a:srgbClr val="9876AA"/>
-                </a:solidFill>
-                <a:effectLst/>
-                <a:latin typeface="Consolas" panose="020B0609020204030204" pitchFamily="49" charset="0"/>
-              </a:rPr>
-              <a:t>&gt;</a:t>
-            </a:r>
-            <a:endParaRPr kumimoji="0" lang="de-DE" altLang="de-DE" sz="1200" b="0" i="0" u="none" strike="noStrike" cap="none" normalizeH="0" baseline="0">
-              <a:ln>
-                <a:noFill/>
-              </a:ln>
-              <a:solidFill>
-                <a:schemeClr val="tx1"/>
-              </a:solidFill>
-              <a:effectLst/>
-              <a:latin typeface="Consolas" panose="020B0609020204030204" pitchFamily="49" charset="0"/>
-            </a:endParaRPr>
-          </a:p>
-        </p:txBody>
-      </p:sp>
-    </p:spTree>
-    <p:extLst>
-      <p:ext uri="{BB962C8B-B14F-4D97-AF65-F5344CB8AC3E}">
-        <p14:creationId xmlns:p14="http://schemas.microsoft.com/office/powerpoint/2010/main" val="3190270427"/>
-      </p:ext>
-    </p:extLst>
-  </p:cSld>
-  <p:clrMapOvr>
-    <a:masterClrMapping/>
-  </p:clrMapOvr>
-</p:sld>
-</file>
-
-<file path=ppt/slides/slide8.xml><?xml version="1.0" encoding="utf-8"?>
-<p:sld xmlns:a="http://schemas.openxmlformats.org/drawingml/2006/main" xmlns:r="http://schemas.openxmlformats.org/officeDocument/2006/relationships" xmlns:p="http://schemas.openxmlformats.org/presentationml/2006/main">
-  <p:cSld>
-    <p:spTree>
-      <p:nvGrpSpPr>
-        <p:cNvPr id="1" name=""/>
-        <p:cNvGrpSpPr/>
-        <p:nvPr/>
-      </p:nvGrpSpPr>
-      <p:grpSpPr>
-        <a:xfrm>
-          <a:off x="0" y="0"/>
-          <a:ext cx="0" cy="0"/>
-          <a:chOff x="0" y="0"/>
-          <a:chExt cx="0" cy="0"/>
-        </a:xfrm>
-      </p:grpSpPr>
-      <p:sp>
-        <p:nvSpPr>
-          <p:cNvPr id="2" name="Titel 1">
-            <a:extLst>
-              <a:ext uri="{FF2B5EF4-FFF2-40B4-BE49-F238E27FC236}">
-                <a16:creationId xmlns:a16="http://schemas.microsoft.com/office/drawing/2014/main" id="{AD3BE809-B309-43B9-8A9F-0CBBE89785F3}"/>
-              </a:ext>
-            </a:extLst>
-          </p:cNvPr>
-          <p:cNvSpPr>
-            <a:spLocks noGrp="1"/>
-          </p:cNvSpPr>
-          <p:nvPr>
-            <p:ph type="title"/>
-          </p:nvPr>
-        </p:nvSpPr>
-        <p:spPr/>
-        <p:txBody>
-          <a:bodyPr/>
-          <a:lstStyle/>
-          <a:p>
-            <a:r>
-              <a:rPr lang="de-AT" dirty="0"/>
-              <a:t>Aufgaben</a:t>
-            </a:r>
-          </a:p>
-        </p:txBody>
-      </p:sp>
-      <p:sp>
-        <p:nvSpPr>
-          <p:cNvPr id="3" name="Textplatzhalter 2">
-            <a:extLst>
-              <a:ext uri="{FF2B5EF4-FFF2-40B4-BE49-F238E27FC236}">
-                <a16:creationId xmlns:a16="http://schemas.microsoft.com/office/drawing/2014/main" id="{960E955D-4435-4B77-A91F-F660349CEEAC}"/>
-              </a:ext>
-            </a:extLst>
-          </p:cNvPr>
-          <p:cNvSpPr>
-            <a:spLocks noGrp="1"/>
-          </p:cNvSpPr>
-          <p:nvPr>
-            <p:ph type="body" sz="quarter" idx="13"/>
-          </p:nvPr>
-        </p:nvSpPr>
-        <p:spPr>
-          <a:xfrm>
-            <a:off x="949136" y="1455738"/>
-            <a:ext cx="3595704" cy="1712975"/>
-          </a:xfrm>
-        </p:spPr>
-        <p:txBody>
-          <a:bodyPr/>
-          <a:lstStyle/>
-          <a:p>
-            <a:pPr marL="0" indent="0">
-              <a:buNone/>
-            </a:pPr>
-            <a:r>
-              <a:rPr lang="de-AT" dirty="0"/>
-              <a:t>Erstelle eine Seite mit einem Absatz mit einem beliebigen Text. Füge darunter drei Buttons ein, die es dem Besucher erlauben, aus drei verschiedenen Layout-Entwürfen für die Seite zu wählen.</a:t>
-            </a:r>
-          </a:p>
-        </p:txBody>
-      </p:sp>
-      <p:sp>
-        <p:nvSpPr>
-          <p:cNvPr id="5" name="Rectangle 1">
-            <a:extLst>
-              <a:ext uri="{FF2B5EF4-FFF2-40B4-BE49-F238E27FC236}">
-                <a16:creationId xmlns:a16="http://schemas.microsoft.com/office/drawing/2014/main" id="{D6E8EA33-4E1B-4F4C-94BD-FED39F961DE0}"/>
-              </a:ext>
-            </a:extLst>
-          </p:cNvPr>
-          <p:cNvSpPr>
-            <a:spLocks noChangeArrowheads="1"/>
-          </p:cNvSpPr>
-          <p:nvPr/>
-        </p:nvSpPr>
-        <p:spPr bwMode="auto">
-          <a:xfrm>
-            <a:off x="5015620" y="945095"/>
-            <a:ext cx="6556603" cy="5447645"/>
-          </a:xfrm>
-          <a:prstGeom prst="rect">
-            <a:avLst/>
-          </a:prstGeom>
-          <a:solidFill>
-            <a:schemeClr val="tx1"/>
-          </a:solidFill>
-          <a:ln>
-            <a:noFill/>
-          </a:ln>
-          <a:effectLst/>
-        </p:spPr>
-        <p:txBody>
-          <a:bodyPr vert="horz" wrap="none" lIns="91440" tIns="45720" rIns="91440" bIns="45720" numCol="1" anchor="ctr" anchorCtr="0" compatLnSpc="1">
-            <a:prstTxWarp prst="textNoShape">
-              <a:avLst/>
-            </a:prstTxWarp>
-            <a:spAutoFit/>
-          </a:bodyPr>
-          <a:lstStyle/>
-          <a:p>
-            <a:pPr marL="0" marR="0" lvl="0" indent="0" algn="l" defTabSz="914400" rtl="0" eaLnBrk="0" fontAlgn="base" latinLnBrk="0" hangingPunct="0">
-              <a:lnSpc>
-                <a:spcPct val="100000"/>
-              </a:lnSpc>
-              <a:spcBef>
-                <a:spcPct val="0"/>
-              </a:spcBef>
-              <a:spcAft>
-                <a:spcPct val="0"/>
-              </a:spcAft>
-              <a:buClrTx/>
-              <a:buSzTx/>
-              <a:buFontTx/>
-              <a:buNone/>
-              <a:tabLst/>
-            </a:pPr>
-            <a:r>
-              <a:rPr kumimoji="0" lang="de-DE" altLang="de-DE" sz="1200" b="0" i="1" u="none" strike="noStrike" cap="none" normalizeH="0" baseline="0">
-                <a:ln>
-                  <a:noFill/>
-                </a:ln>
-                <a:solidFill>
-                  <a:srgbClr val="9876AA"/>
-                </a:solidFill>
-                <a:effectLst/>
-                <a:latin typeface="Consolas" panose="020B0609020204030204" pitchFamily="49" charset="0"/>
-              </a:rPr>
-              <a:t>&lt;</a:t>
-            </a:r>
-            <a:r>
-              <a:rPr kumimoji="0" lang="de-DE" altLang="de-DE" sz="1200" b="0" i="0" u="none" strike="noStrike" cap="none" normalizeH="0" baseline="0">
-                <a:ln>
-                  <a:noFill/>
-                </a:ln>
-                <a:solidFill>
-                  <a:srgbClr val="E8BF6A"/>
-                </a:solidFill>
-                <a:effectLst/>
-                <a:latin typeface="Consolas" panose="020B0609020204030204" pitchFamily="49" charset="0"/>
-              </a:rPr>
-              <a:t>body</a:t>
-            </a:r>
-            <a:r>
-              <a:rPr kumimoji="0" lang="de-DE" altLang="de-DE" sz="1200" b="0" i="1" u="none" strike="noStrike" cap="none" normalizeH="0" baseline="0">
-                <a:ln>
-                  <a:noFill/>
-                </a:ln>
-                <a:solidFill>
-                  <a:srgbClr val="9876AA"/>
-                </a:solidFill>
-                <a:effectLst/>
-                <a:latin typeface="Consolas" panose="020B0609020204030204" pitchFamily="49" charset="0"/>
-              </a:rPr>
-              <a:t>&gt;</a:t>
-            </a:r>
-            <a:br>
-              <a:rPr kumimoji="0" lang="de-DE" altLang="de-DE" sz="1200" b="0" i="1" u="none" strike="noStrike" cap="none" normalizeH="0" baseline="0">
-                <a:ln>
-                  <a:noFill/>
-                </a:ln>
-                <a:solidFill>
-                  <a:srgbClr val="9876AA"/>
-                </a:solidFill>
-                <a:effectLst/>
-                <a:latin typeface="Consolas" panose="020B0609020204030204" pitchFamily="49" charset="0"/>
-              </a:rPr>
-            </a:br>
-            <a:r>
-              <a:rPr kumimoji="0" lang="de-DE" altLang="de-DE" sz="1200" b="0" i="1" u="none" strike="noStrike" cap="none" normalizeH="0" baseline="0">
-                <a:ln>
-                  <a:noFill/>
-                </a:ln>
-                <a:solidFill>
-                  <a:srgbClr val="9876AA"/>
-                </a:solidFill>
-                <a:effectLst/>
-                <a:latin typeface="Consolas" panose="020B0609020204030204" pitchFamily="49" charset="0"/>
-              </a:rPr>
-              <a:t>&lt;</a:t>
-            </a:r>
-            <a:r>
-              <a:rPr kumimoji="0" lang="de-DE" altLang="de-DE" sz="1200" b="0" i="0" u="none" strike="noStrike" cap="none" normalizeH="0" baseline="0">
-                <a:ln>
-                  <a:noFill/>
-                </a:ln>
-                <a:solidFill>
-                  <a:srgbClr val="E8BF6A"/>
-                </a:solidFill>
-                <a:effectLst/>
-                <a:latin typeface="Consolas" panose="020B0609020204030204" pitchFamily="49" charset="0"/>
-              </a:rPr>
-              <a:t>p </a:t>
-            </a:r>
-            <a:r>
-              <a:rPr kumimoji="0" lang="de-DE" altLang="de-DE" sz="1200" b="0" i="0" u="none" strike="noStrike" cap="none" normalizeH="0" baseline="0">
-                <a:ln>
-                  <a:noFill/>
-                </a:ln>
-                <a:solidFill>
-                  <a:srgbClr val="BABABA"/>
-                </a:solidFill>
-                <a:effectLst/>
-                <a:latin typeface="Consolas" panose="020B0609020204030204" pitchFamily="49" charset="0"/>
-              </a:rPr>
-              <a:t>id</a:t>
-            </a:r>
-            <a:r>
-              <a:rPr kumimoji="0" lang="de-DE" altLang="de-DE" sz="1200" b="0" i="0" u="none" strike="noStrike" cap="none" normalizeH="0" baseline="0">
-                <a:ln>
-                  <a:noFill/>
-                </a:ln>
-                <a:solidFill>
-                  <a:srgbClr val="A5C261"/>
-                </a:solidFill>
-                <a:effectLst/>
-                <a:latin typeface="Consolas" panose="020B0609020204030204" pitchFamily="49" charset="0"/>
-              </a:rPr>
-              <a:t>="absatz"</a:t>
-            </a:r>
-            <a:r>
-              <a:rPr kumimoji="0" lang="de-DE" altLang="de-DE" sz="1200" b="0" i="1" u="none" strike="noStrike" cap="none" normalizeH="0" baseline="0">
-                <a:ln>
-                  <a:noFill/>
-                </a:ln>
-                <a:solidFill>
-                  <a:srgbClr val="9876AA"/>
-                </a:solidFill>
-                <a:effectLst/>
-                <a:latin typeface="Consolas" panose="020B0609020204030204" pitchFamily="49" charset="0"/>
-              </a:rPr>
-              <a:t>&gt;</a:t>
-            </a:r>
-            <a:r>
-              <a:rPr kumimoji="0" lang="de-DE" altLang="de-DE" sz="1200" b="0" i="0" u="none" strike="noStrike" cap="none" normalizeH="0" baseline="0">
-                <a:ln>
-                  <a:noFill/>
-                </a:ln>
-                <a:solidFill>
-                  <a:srgbClr val="A9B7C6"/>
-                </a:solidFill>
-                <a:effectLst/>
-                <a:latin typeface="Consolas" panose="020B0609020204030204" pitchFamily="49" charset="0"/>
-              </a:rPr>
-              <a:t>Hier steht ein Text</a:t>
-            </a:r>
-            <a:r>
-              <a:rPr kumimoji="0" lang="de-DE" altLang="de-DE" sz="1200" b="0" i="1" u="none" strike="noStrike" cap="none" normalizeH="0" baseline="0">
-                <a:ln>
-                  <a:noFill/>
-                </a:ln>
-                <a:solidFill>
-                  <a:srgbClr val="9876AA"/>
-                </a:solidFill>
-                <a:effectLst/>
-                <a:latin typeface="Consolas" panose="020B0609020204030204" pitchFamily="49" charset="0"/>
-              </a:rPr>
-              <a:t>&lt;/</a:t>
-            </a:r>
-            <a:r>
-              <a:rPr kumimoji="0" lang="de-DE" altLang="de-DE" sz="1200" b="0" i="0" u="none" strike="noStrike" cap="none" normalizeH="0" baseline="0">
-                <a:ln>
-                  <a:noFill/>
-                </a:ln>
-                <a:solidFill>
-                  <a:srgbClr val="E8BF6A"/>
-                </a:solidFill>
-                <a:effectLst/>
-                <a:latin typeface="Consolas" panose="020B0609020204030204" pitchFamily="49" charset="0"/>
-              </a:rPr>
-              <a:t>p</a:t>
-            </a:r>
-            <a:r>
-              <a:rPr kumimoji="0" lang="de-DE" altLang="de-DE" sz="1200" b="0" i="1" u="none" strike="noStrike" cap="none" normalizeH="0" baseline="0">
-                <a:ln>
-                  <a:noFill/>
-                </a:ln>
-                <a:solidFill>
-                  <a:srgbClr val="9876AA"/>
-                </a:solidFill>
-                <a:effectLst/>
-                <a:latin typeface="Consolas" panose="020B0609020204030204" pitchFamily="49" charset="0"/>
-              </a:rPr>
-              <a:t>&gt;</a:t>
-            </a:r>
-            <a:br>
-              <a:rPr kumimoji="0" lang="de-DE" altLang="de-DE" sz="1200" b="0" i="1" u="none" strike="noStrike" cap="none" normalizeH="0" baseline="0">
-                <a:ln>
-                  <a:noFill/>
-                </a:ln>
-                <a:solidFill>
-                  <a:srgbClr val="9876AA"/>
-                </a:solidFill>
-                <a:effectLst/>
-                <a:latin typeface="Consolas" panose="020B0609020204030204" pitchFamily="49" charset="0"/>
-              </a:rPr>
-            </a:br>
-            <a:r>
-              <a:rPr kumimoji="0" lang="de-DE" altLang="de-DE" sz="1200" b="0" i="1" u="none" strike="noStrike" cap="none" normalizeH="0" baseline="0">
-                <a:ln>
-                  <a:noFill/>
-                </a:ln>
-                <a:solidFill>
-                  <a:srgbClr val="9876AA"/>
-                </a:solidFill>
-                <a:effectLst/>
-                <a:latin typeface="Consolas" panose="020B0609020204030204" pitchFamily="49" charset="0"/>
-              </a:rPr>
-              <a:t>&lt;</a:t>
-            </a:r>
-            <a:r>
-              <a:rPr kumimoji="0" lang="de-DE" altLang="de-DE" sz="1200" b="0" i="0" u="none" strike="noStrike" cap="none" normalizeH="0" baseline="0">
-                <a:ln>
-                  <a:noFill/>
-                </a:ln>
-                <a:solidFill>
-                  <a:srgbClr val="E8BF6A"/>
-                </a:solidFill>
-                <a:effectLst/>
-                <a:latin typeface="Consolas" panose="020B0609020204030204" pitchFamily="49" charset="0"/>
-              </a:rPr>
-              <a:t>button </a:t>
-            </a:r>
-            <a:r>
-              <a:rPr kumimoji="0" lang="de-DE" altLang="de-DE" sz="1200" b="0" i="0" u="none" strike="noStrike" cap="none" normalizeH="0" baseline="0">
-                <a:ln>
-                  <a:noFill/>
-                </a:ln>
-                <a:solidFill>
-                  <a:srgbClr val="BABABA"/>
-                </a:solidFill>
-                <a:effectLst/>
-                <a:latin typeface="Consolas" panose="020B0609020204030204" pitchFamily="49" charset="0"/>
-              </a:rPr>
-              <a:t>onclick</a:t>
-            </a:r>
-            <a:r>
-              <a:rPr kumimoji="0" lang="de-DE" altLang="de-DE" sz="1200" b="0" i="0" u="none" strike="noStrike" cap="none" normalizeH="0" baseline="0">
-                <a:ln>
-                  <a:noFill/>
-                </a:ln>
-                <a:solidFill>
-                  <a:srgbClr val="A5C261"/>
-                </a:solidFill>
-                <a:effectLst/>
-                <a:latin typeface="Consolas" panose="020B0609020204030204" pitchFamily="49" charset="0"/>
-              </a:rPr>
-              <a:t>="</a:t>
-            </a:r>
-            <a:r>
-              <a:rPr kumimoji="0" lang="de-DE" altLang="de-DE" sz="1200" b="0" i="0" u="none" strike="noStrike" cap="none" normalizeH="0" baseline="0">
-                <a:ln>
-                  <a:noFill/>
-                </a:ln>
-                <a:solidFill>
-                  <a:srgbClr val="FFC66D"/>
-                </a:solidFill>
-                <a:effectLst/>
-                <a:latin typeface="Consolas" panose="020B0609020204030204" pitchFamily="49" charset="0"/>
-              </a:rPr>
-              <a:t>layout1</a:t>
-            </a:r>
-            <a:r>
-              <a:rPr kumimoji="0" lang="de-DE" altLang="de-DE" sz="1200" b="0" i="1" u="none" strike="noStrike" cap="none" normalizeH="0" baseline="0">
-                <a:ln>
-                  <a:noFill/>
-                </a:ln>
-                <a:solidFill>
-                  <a:srgbClr val="9876AA"/>
-                </a:solidFill>
-                <a:effectLst/>
-                <a:latin typeface="Consolas" panose="020B0609020204030204" pitchFamily="49" charset="0"/>
-              </a:rPr>
-              <a:t>()</a:t>
-            </a:r>
-            <a:r>
-              <a:rPr kumimoji="0" lang="de-DE" altLang="de-DE" sz="1200" b="0" i="0" u="none" strike="noStrike" cap="none" normalizeH="0" baseline="0">
-                <a:ln>
-                  <a:noFill/>
-                </a:ln>
-                <a:solidFill>
-                  <a:srgbClr val="A5C261"/>
-                </a:solidFill>
-                <a:effectLst/>
-                <a:latin typeface="Consolas" panose="020B0609020204030204" pitchFamily="49" charset="0"/>
-              </a:rPr>
-              <a:t>"</a:t>
-            </a:r>
-            <a:r>
-              <a:rPr kumimoji="0" lang="de-DE" altLang="de-DE" sz="1200" b="0" i="1" u="none" strike="noStrike" cap="none" normalizeH="0" baseline="0">
-                <a:ln>
-                  <a:noFill/>
-                </a:ln>
-                <a:solidFill>
-                  <a:srgbClr val="9876AA"/>
-                </a:solidFill>
-                <a:effectLst/>
-                <a:latin typeface="Consolas" panose="020B0609020204030204" pitchFamily="49" charset="0"/>
-              </a:rPr>
-              <a:t>&gt;</a:t>
-            </a:r>
-            <a:r>
-              <a:rPr kumimoji="0" lang="de-DE" altLang="de-DE" sz="1200" b="0" i="0" u="none" strike="noStrike" cap="none" normalizeH="0" baseline="0">
-                <a:ln>
-                  <a:noFill/>
-                </a:ln>
-                <a:solidFill>
-                  <a:srgbClr val="A9B7C6"/>
-                </a:solidFill>
-                <a:effectLst/>
-                <a:latin typeface="Consolas" panose="020B0609020204030204" pitchFamily="49" charset="0"/>
-              </a:rPr>
-              <a:t>Layout 1</a:t>
-            </a:r>
-            <a:r>
-              <a:rPr kumimoji="0" lang="de-DE" altLang="de-DE" sz="1200" b="0" i="1" u="none" strike="noStrike" cap="none" normalizeH="0" baseline="0">
-                <a:ln>
-                  <a:noFill/>
-                </a:ln>
-                <a:solidFill>
-                  <a:srgbClr val="9876AA"/>
-                </a:solidFill>
-                <a:effectLst/>
-                <a:latin typeface="Consolas" panose="020B0609020204030204" pitchFamily="49" charset="0"/>
-              </a:rPr>
-              <a:t>&lt;/</a:t>
-            </a:r>
-            <a:r>
-              <a:rPr kumimoji="0" lang="de-DE" altLang="de-DE" sz="1200" b="0" i="0" u="none" strike="noStrike" cap="none" normalizeH="0" baseline="0">
-                <a:ln>
-                  <a:noFill/>
-                </a:ln>
-                <a:solidFill>
-                  <a:srgbClr val="E8BF6A"/>
-                </a:solidFill>
-                <a:effectLst/>
-                <a:latin typeface="Consolas" panose="020B0609020204030204" pitchFamily="49" charset="0"/>
-              </a:rPr>
-              <a:t>button</a:t>
-            </a:r>
-            <a:r>
-              <a:rPr kumimoji="0" lang="de-DE" altLang="de-DE" sz="1200" b="0" i="1" u="none" strike="noStrike" cap="none" normalizeH="0" baseline="0">
-                <a:ln>
-                  <a:noFill/>
-                </a:ln>
-                <a:solidFill>
-                  <a:srgbClr val="9876AA"/>
-                </a:solidFill>
-                <a:effectLst/>
-                <a:latin typeface="Consolas" panose="020B0609020204030204" pitchFamily="49" charset="0"/>
-              </a:rPr>
-              <a:t>&gt;</a:t>
-            </a:r>
-            <a:br>
-              <a:rPr kumimoji="0" lang="de-DE" altLang="de-DE" sz="1200" b="0" i="1" u="none" strike="noStrike" cap="none" normalizeH="0" baseline="0">
-                <a:ln>
-                  <a:noFill/>
-                </a:ln>
-                <a:solidFill>
-                  <a:srgbClr val="9876AA"/>
-                </a:solidFill>
-                <a:effectLst/>
-                <a:latin typeface="Consolas" panose="020B0609020204030204" pitchFamily="49" charset="0"/>
-              </a:rPr>
-            </a:br>
-            <a:r>
-              <a:rPr kumimoji="0" lang="de-DE" altLang="de-DE" sz="1200" b="0" i="1" u="none" strike="noStrike" cap="none" normalizeH="0" baseline="0">
-                <a:ln>
-                  <a:noFill/>
-                </a:ln>
-                <a:solidFill>
-                  <a:srgbClr val="9876AA"/>
-                </a:solidFill>
-                <a:effectLst/>
-                <a:latin typeface="Consolas" panose="020B0609020204030204" pitchFamily="49" charset="0"/>
-              </a:rPr>
-              <a:t>&lt;</a:t>
-            </a:r>
-            <a:r>
-              <a:rPr kumimoji="0" lang="de-DE" altLang="de-DE" sz="1200" b="0" i="0" u="none" strike="noStrike" cap="none" normalizeH="0" baseline="0">
-                <a:ln>
-                  <a:noFill/>
-                </a:ln>
-                <a:solidFill>
-                  <a:srgbClr val="E8BF6A"/>
-                </a:solidFill>
-                <a:effectLst/>
-                <a:latin typeface="Consolas" panose="020B0609020204030204" pitchFamily="49" charset="0"/>
-              </a:rPr>
-              <a:t>button </a:t>
-            </a:r>
-            <a:r>
-              <a:rPr kumimoji="0" lang="de-DE" altLang="de-DE" sz="1200" b="0" i="0" u="none" strike="noStrike" cap="none" normalizeH="0" baseline="0">
-                <a:ln>
-                  <a:noFill/>
-                </a:ln>
-                <a:solidFill>
-                  <a:srgbClr val="BABABA"/>
-                </a:solidFill>
-                <a:effectLst/>
-                <a:latin typeface="Consolas" panose="020B0609020204030204" pitchFamily="49" charset="0"/>
-              </a:rPr>
-              <a:t>onclick</a:t>
-            </a:r>
-            <a:r>
-              <a:rPr kumimoji="0" lang="de-DE" altLang="de-DE" sz="1200" b="0" i="0" u="none" strike="noStrike" cap="none" normalizeH="0" baseline="0">
-                <a:ln>
-                  <a:noFill/>
-                </a:ln>
-                <a:solidFill>
-                  <a:srgbClr val="A5C261"/>
-                </a:solidFill>
-                <a:effectLst/>
-                <a:latin typeface="Consolas" panose="020B0609020204030204" pitchFamily="49" charset="0"/>
-              </a:rPr>
-              <a:t>="</a:t>
-            </a:r>
-            <a:r>
-              <a:rPr kumimoji="0" lang="de-DE" altLang="de-DE" sz="1200" b="0" i="0" u="none" strike="noStrike" cap="none" normalizeH="0" baseline="0">
-                <a:ln>
-                  <a:noFill/>
-                </a:ln>
-                <a:solidFill>
-                  <a:srgbClr val="FFC66D"/>
-                </a:solidFill>
-                <a:effectLst/>
-                <a:latin typeface="Consolas" panose="020B0609020204030204" pitchFamily="49" charset="0"/>
-              </a:rPr>
-              <a:t>layout2</a:t>
-            </a:r>
-            <a:r>
-              <a:rPr kumimoji="0" lang="de-DE" altLang="de-DE" sz="1200" b="0" i="1" u="none" strike="noStrike" cap="none" normalizeH="0" baseline="0">
-                <a:ln>
-                  <a:noFill/>
-                </a:ln>
-                <a:solidFill>
-                  <a:srgbClr val="9876AA"/>
-                </a:solidFill>
-                <a:effectLst/>
-                <a:latin typeface="Consolas" panose="020B0609020204030204" pitchFamily="49" charset="0"/>
-              </a:rPr>
-              <a:t>()</a:t>
-            </a:r>
-            <a:r>
-              <a:rPr kumimoji="0" lang="de-DE" altLang="de-DE" sz="1200" b="0" i="0" u="none" strike="noStrike" cap="none" normalizeH="0" baseline="0">
-                <a:ln>
-                  <a:noFill/>
-                </a:ln>
-                <a:solidFill>
-                  <a:srgbClr val="A5C261"/>
-                </a:solidFill>
-                <a:effectLst/>
-                <a:latin typeface="Consolas" panose="020B0609020204030204" pitchFamily="49" charset="0"/>
-              </a:rPr>
-              <a:t>"</a:t>
-            </a:r>
-            <a:r>
-              <a:rPr kumimoji="0" lang="de-DE" altLang="de-DE" sz="1200" b="0" i="1" u="none" strike="noStrike" cap="none" normalizeH="0" baseline="0">
-                <a:ln>
-                  <a:noFill/>
-                </a:ln>
-                <a:solidFill>
-                  <a:srgbClr val="9876AA"/>
-                </a:solidFill>
-                <a:effectLst/>
-                <a:latin typeface="Consolas" panose="020B0609020204030204" pitchFamily="49" charset="0"/>
-              </a:rPr>
-              <a:t>&gt;</a:t>
-            </a:r>
-            <a:r>
-              <a:rPr kumimoji="0" lang="de-DE" altLang="de-DE" sz="1200" b="0" i="0" u="none" strike="noStrike" cap="none" normalizeH="0" baseline="0">
-                <a:ln>
-                  <a:noFill/>
-                </a:ln>
-                <a:solidFill>
-                  <a:srgbClr val="A9B7C6"/>
-                </a:solidFill>
-                <a:effectLst/>
-                <a:latin typeface="Consolas" panose="020B0609020204030204" pitchFamily="49" charset="0"/>
-              </a:rPr>
-              <a:t>Layout 2</a:t>
-            </a:r>
-            <a:r>
-              <a:rPr kumimoji="0" lang="de-DE" altLang="de-DE" sz="1200" b="0" i="1" u="none" strike="noStrike" cap="none" normalizeH="0" baseline="0">
-                <a:ln>
-                  <a:noFill/>
-                </a:ln>
-                <a:solidFill>
-                  <a:srgbClr val="9876AA"/>
-                </a:solidFill>
-                <a:effectLst/>
-                <a:latin typeface="Consolas" panose="020B0609020204030204" pitchFamily="49" charset="0"/>
-              </a:rPr>
-              <a:t>&lt;/</a:t>
-            </a:r>
-            <a:r>
-              <a:rPr kumimoji="0" lang="de-DE" altLang="de-DE" sz="1200" b="0" i="0" u="none" strike="noStrike" cap="none" normalizeH="0" baseline="0">
-                <a:ln>
-                  <a:noFill/>
-                </a:ln>
-                <a:solidFill>
-                  <a:srgbClr val="E8BF6A"/>
-                </a:solidFill>
-                <a:effectLst/>
-                <a:latin typeface="Consolas" panose="020B0609020204030204" pitchFamily="49" charset="0"/>
-              </a:rPr>
-              <a:t>button</a:t>
-            </a:r>
-            <a:r>
-              <a:rPr kumimoji="0" lang="de-DE" altLang="de-DE" sz="1200" b="0" i="1" u="none" strike="noStrike" cap="none" normalizeH="0" baseline="0">
-                <a:ln>
-                  <a:noFill/>
-                </a:ln>
-                <a:solidFill>
-                  <a:srgbClr val="9876AA"/>
-                </a:solidFill>
-                <a:effectLst/>
-                <a:latin typeface="Consolas" panose="020B0609020204030204" pitchFamily="49" charset="0"/>
-              </a:rPr>
-              <a:t>&gt;</a:t>
-            </a:r>
-            <a:br>
-              <a:rPr kumimoji="0" lang="de-DE" altLang="de-DE" sz="1200" b="0" i="1" u="none" strike="noStrike" cap="none" normalizeH="0" baseline="0">
-                <a:ln>
-                  <a:noFill/>
-                </a:ln>
-                <a:solidFill>
-                  <a:srgbClr val="9876AA"/>
-                </a:solidFill>
-                <a:effectLst/>
-                <a:latin typeface="Consolas" panose="020B0609020204030204" pitchFamily="49" charset="0"/>
-              </a:rPr>
-            </a:br>
-            <a:r>
-              <a:rPr kumimoji="0" lang="de-DE" altLang="de-DE" sz="1200" b="0" i="1" u="none" strike="noStrike" cap="none" normalizeH="0" baseline="0">
-                <a:ln>
-                  <a:noFill/>
-                </a:ln>
-                <a:solidFill>
-                  <a:srgbClr val="9876AA"/>
-                </a:solidFill>
-                <a:effectLst/>
-                <a:latin typeface="Consolas" panose="020B0609020204030204" pitchFamily="49" charset="0"/>
-              </a:rPr>
-              <a:t>&lt;</a:t>
-            </a:r>
-            <a:r>
-              <a:rPr kumimoji="0" lang="de-DE" altLang="de-DE" sz="1200" b="0" i="0" u="none" strike="noStrike" cap="none" normalizeH="0" baseline="0">
-                <a:ln>
-                  <a:noFill/>
-                </a:ln>
-                <a:solidFill>
-                  <a:srgbClr val="E8BF6A"/>
-                </a:solidFill>
-                <a:effectLst/>
-                <a:latin typeface="Consolas" panose="020B0609020204030204" pitchFamily="49" charset="0"/>
-              </a:rPr>
-              <a:t>button </a:t>
-            </a:r>
-            <a:r>
-              <a:rPr kumimoji="0" lang="de-DE" altLang="de-DE" sz="1200" b="0" i="0" u="none" strike="noStrike" cap="none" normalizeH="0" baseline="0">
-                <a:ln>
-                  <a:noFill/>
-                </a:ln>
-                <a:solidFill>
-                  <a:srgbClr val="BABABA"/>
-                </a:solidFill>
-                <a:effectLst/>
-                <a:latin typeface="Consolas" panose="020B0609020204030204" pitchFamily="49" charset="0"/>
-              </a:rPr>
-              <a:t>onclick</a:t>
-            </a:r>
-            <a:r>
-              <a:rPr kumimoji="0" lang="de-DE" altLang="de-DE" sz="1200" b="0" i="0" u="none" strike="noStrike" cap="none" normalizeH="0" baseline="0">
-                <a:ln>
-                  <a:noFill/>
-                </a:ln>
-                <a:solidFill>
-                  <a:srgbClr val="A5C261"/>
-                </a:solidFill>
-                <a:effectLst/>
-                <a:latin typeface="Consolas" panose="020B0609020204030204" pitchFamily="49" charset="0"/>
-              </a:rPr>
-              <a:t>="</a:t>
-            </a:r>
-            <a:r>
-              <a:rPr kumimoji="0" lang="de-DE" altLang="de-DE" sz="1200" b="0" i="0" u="none" strike="noStrike" cap="none" normalizeH="0" baseline="0">
-                <a:ln>
-                  <a:noFill/>
-                </a:ln>
-                <a:solidFill>
-                  <a:srgbClr val="FFC66D"/>
-                </a:solidFill>
-                <a:effectLst/>
-                <a:latin typeface="Consolas" panose="020B0609020204030204" pitchFamily="49" charset="0"/>
-              </a:rPr>
-              <a:t>layout3</a:t>
-            </a:r>
-            <a:r>
-              <a:rPr kumimoji="0" lang="de-DE" altLang="de-DE" sz="1200" b="0" i="1" u="none" strike="noStrike" cap="none" normalizeH="0" baseline="0">
-                <a:ln>
-                  <a:noFill/>
-                </a:ln>
-                <a:solidFill>
-                  <a:srgbClr val="9876AA"/>
-                </a:solidFill>
-                <a:effectLst/>
-                <a:latin typeface="Consolas" panose="020B0609020204030204" pitchFamily="49" charset="0"/>
-              </a:rPr>
-              <a:t>()</a:t>
-            </a:r>
-            <a:r>
-              <a:rPr kumimoji="0" lang="de-DE" altLang="de-DE" sz="1200" b="0" i="0" u="none" strike="noStrike" cap="none" normalizeH="0" baseline="0">
-                <a:ln>
-                  <a:noFill/>
-                </a:ln>
-                <a:solidFill>
-                  <a:srgbClr val="A5C261"/>
-                </a:solidFill>
-                <a:effectLst/>
-                <a:latin typeface="Consolas" panose="020B0609020204030204" pitchFamily="49" charset="0"/>
-              </a:rPr>
-              <a:t>"</a:t>
-            </a:r>
-            <a:r>
-              <a:rPr kumimoji="0" lang="de-DE" altLang="de-DE" sz="1200" b="0" i="1" u="none" strike="noStrike" cap="none" normalizeH="0" baseline="0">
-                <a:ln>
-                  <a:noFill/>
-                </a:ln>
-                <a:solidFill>
-                  <a:srgbClr val="9876AA"/>
-                </a:solidFill>
-                <a:effectLst/>
-                <a:latin typeface="Consolas" panose="020B0609020204030204" pitchFamily="49" charset="0"/>
-              </a:rPr>
-              <a:t>&gt;</a:t>
-            </a:r>
-            <a:r>
-              <a:rPr kumimoji="0" lang="de-DE" altLang="de-DE" sz="1200" b="0" i="0" u="none" strike="noStrike" cap="none" normalizeH="0" baseline="0">
-                <a:ln>
-                  <a:noFill/>
-                </a:ln>
-                <a:solidFill>
-                  <a:srgbClr val="A9B7C6"/>
-                </a:solidFill>
-                <a:effectLst/>
-                <a:latin typeface="Consolas" panose="020B0609020204030204" pitchFamily="49" charset="0"/>
-              </a:rPr>
-              <a:t>Layout 3</a:t>
-            </a:r>
-            <a:r>
-              <a:rPr kumimoji="0" lang="de-DE" altLang="de-DE" sz="1200" b="0" i="1" u="none" strike="noStrike" cap="none" normalizeH="0" baseline="0">
-                <a:ln>
-                  <a:noFill/>
-                </a:ln>
-                <a:solidFill>
-                  <a:srgbClr val="9876AA"/>
-                </a:solidFill>
-                <a:effectLst/>
-                <a:latin typeface="Consolas" panose="020B0609020204030204" pitchFamily="49" charset="0"/>
-              </a:rPr>
-              <a:t>&lt;/</a:t>
-            </a:r>
-            <a:r>
-              <a:rPr kumimoji="0" lang="de-DE" altLang="de-DE" sz="1200" b="0" i="0" u="none" strike="noStrike" cap="none" normalizeH="0" baseline="0">
-                <a:ln>
-                  <a:noFill/>
-                </a:ln>
-                <a:solidFill>
-                  <a:srgbClr val="E8BF6A"/>
-                </a:solidFill>
-                <a:effectLst/>
-                <a:latin typeface="Consolas" panose="020B0609020204030204" pitchFamily="49" charset="0"/>
-              </a:rPr>
-              <a:t>button</a:t>
-            </a:r>
-            <a:r>
-              <a:rPr kumimoji="0" lang="de-DE" altLang="de-DE" sz="1200" b="0" i="1" u="none" strike="noStrike" cap="none" normalizeH="0" baseline="0">
-                <a:ln>
-                  <a:noFill/>
-                </a:ln>
-                <a:solidFill>
-                  <a:srgbClr val="9876AA"/>
-                </a:solidFill>
-                <a:effectLst/>
-                <a:latin typeface="Consolas" panose="020B0609020204030204" pitchFamily="49" charset="0"/>
-              </a:rPr>
-              <a:t>&gt;</a:t>
-            </a:r>
-            <a:br>
-              <a:rPr kumimoji="0" lang="de-DE" altLang="de-DE" sz="1200" b="0" i="1" u="none" strike="noStrike" cap="none" normalizeH="0" baseline="0">
-                <a:ln>
-                  <a:noFill/>
-                </a:ln>
-                <a:solidFill>
-                  <a:srgbClr val="9876AA"/>
-                </a:solidFill>
-                <a:effectLst/>
-                <a:latin typeface="Consolas" panose="020B0609020204030204" pitchFamily="49" charset="0"/>
-              </a:rPr>
-            </a:br>
-            <a:r>
-              <a:rPr kumimoji="0" lang="de-DE" altLang="de-DE" sz="1200" b="0" i="1" u="none" strike="noStrike" cap="none" normalizeH="0" baseline="0">
-                <a:ln>
-                  <a:noFill/>
-                </a:ln>
-                <a:solidFill>
-                  <a:srgbClr val="9876AA"/>
-                </a:solidFill>
-                <a:effectLst/>
-                <a:latin typeface="Consolas" panose="020B0609020204030204" pitchFamily="49" charset="0"/>
-              </a:rPr>
-              <a:t>&lt;</a:t>
-            </a:r>
-            <a:r>
-              <a:rPr kumimoji="0" lang="de-DE" altLang="de-DE" sz="1200" b="0" i="0" u="none" strike="noStrike" cap="none" normalizeH="0" baseline="0">
-                <a:ln>
-                  <a:noFill/>
-                </a:ln>
-                <a:solidFill>
-                  <a:srgbClr val="E8BF6A"/>
-                </a:solidFill>
-                <a:effectLst/>
-                <a:latin typeface="Consolas" panose="020B0609020204030204" pitchFamily="49" charset="0"/>
-              </a:rPr>
-              <a:t>script</a:t>
-            </a:r>
-            <a:r>
-              <a:rPr kumimoji="0" lang="de-DE" altLang="de-DE" sz="1200" b="0" i="1" u="none" strike="noStrike" cap="none" normalizeH="0" baseline="0">
-                <a:ln>
-                  <a:noFill/>
-                </a:ln>
-                <a:solidFill>
-                  <a:srgbClr val="9876AA"/>
-                </a:solidFill>
-                <a:effectLst/>
-                <a:latin typeface="Consolas" panose="020B0609020204030204" pitchFamily="49" charset="0"/>
-              </a:rPr>
-              <a:t>&gt;</a:t>
-            </a:r>
-            <a:br>
-              <a:rPr kumimoji="0" lang="de-DE" altLang="de-DE" sz="1200" b="0" i="1" u="none" strike="noStrike" cap="none" normalizeH="0" baseline="0">
-                <a:ln>
-                  <a:noFill/>
-                </a:ln>
-                <a:solidFill>
-                  <a:srgbClr val="9876AA"/>
-                </a:solidFill>
-                <a:effectLst/>
-                <a:latin typeface="Consolas" panose="020B0609020204030204" pitchFamily="49" charset="0"/>
-              </a:rPr>
-            </a:br>
-            <a:r>
-              <a:rPr kumimoji="0" lang="de-DE" altLang="de-DE" sz="1200" b="0" i="1" u="none" strike="noStrike" cap="none" normalizeH="0" baseline="0">
-                <a:ln>
-                  <a:noFill/>
-                </a:ln>
-                <a:solidFill>
-                  <a:srgbClr val="9876AA"/>
-                </a:solidFill>
-                <a:effectLst/>
-                <a:latin typeface="Consolas" panose="020B0609020204030204" pitchFamily="49" charset="0"/>
-              </a:rPr>
-              <a:t>    </a:t>
-            </a:r>
-            <a:r>
-              <a:rPr kumimoji="0" lang="de-DE" altLang="de-DE" sz="1200" b="0" i="0" u="none" strike="noStrike" cap="none" normalizeH="0" baseline="0">
-                <a:ln>
-                  <a:noFill/>
-                </a:ln>
-                <a:solidFill>
-                  <a:srgbClr val="CC7832"/>
-                </a:solidFill>
-                <a:effectLst/>
-                <a:latin typeface="Consolas" panose="020B0609020204030204" pitchFamily="49" charset="0"/>
-              </a:rPr>
-              <a:t>function </a:t>
-            </a:r>
-            <a:r>
-              <a:rPr kumimoji="0" lang="de-DE" altLang="de-DE" sz="1200" b="0" i="0" u="none" strike="noStrike" cap="none" normalizeH="0" baseline="0">
-                <a:ln>
-                  <a:noFill/>
-                </a:ln>
-                <a:solidFill>
-                  <a:srgbClr val="FFC66D"/>
-                </a:solidFill>
-                <a:effectLst/>
-                <a:latin typeface="Consolas" panose="020B0609020204030204" pitchFamily="49" charset="0"/>
-              </a:rPr>
-              <a:t>layout1</a:t>
-            </a:r>
-            <a:r>
-              <a:rPr kumimoji="0" lang="de-DE" altLang="de-DE" sz="1200" b="0" i="1" u="none" strike="noStrike" cap="none" normalizeH="0" baseline="0">
-                <a:ln>
-                  <a:noFill/>
-                </a:ln>
-                <a:solidFill>
-                  <a:srgbClr val="9876AA"/>
-                </a:solidFill>
-                <a:effectLst/>
-                <a:latin typeface="Consolas" panose="020B0609020204030204" pitchFamily="49" charset="0"/>
-              </a:rPr>
-              <a:t>() {</a:t>
-            </a:r>
-            <a:br>
-              <a:rPr kumimoji="0" lang="de-DE" altLang="de-DE" sz="1200" b="0" i="1" u="none" strike="noStrike" cap="none" normalizeH="0" baseline="0">
-                <a:ln>
-                  <a:noFill/>
-                </a:ln>
-                <a:solidFill>
-                  <a:srgbClr val="9876AA"/>
-                </a:solidFill>
-                <a:effectLst/>
-                <a:latin typeface="Consolas" panose="020B0609020204030204" pitchFamily="49" charset="0"/>
-              </a:rPr>
-            </a:br>
-            <a:r>
-              <a:rPr kumimoji="0" lang="de-DE" altLang="de-DE" sz="1200" b="0" i="1" u="none" strike="noStrike" cap="none" normalizeH="0" baseline="0">
-                <a:ln>
-                  <a:noFill/>
-                </a:ln>
-                <a:solidFill>
-                  <a:srgbClr val="9876AA"/>
-                </a:solidFill>
-                <a:effectLst/>
-                <a:latin typeface="Consolas" panose="020B0609020204030204" pitchFamily="49" charset="0"/>
-              </a:rPr>
-              <a:t>        </a:t>
-            </a:r>
-            <a:r>
-              <a:rPr kumimoji="0" lang="de-DE" altLang="de-DE" sz="1200" b="1" i="1" u="none" strike="noStrike" cap="none" normalizeH="0" baseline="0">
-                <a:ln>
-                  <a:noFill/>
-                </a:ln>
-                <a:solidFill>
-                  <a:srgbClr val="9876AA"/>
-                </a:solidFill>
-                <a:effectLst/>
-                <a:latin typeface="Consolas" panose="020B0609020204030204" pitchFamily="49" charset="0"/>
-              </a:rPr>
-              <a:t>document</a:t>
-            </a:r>
-            <a:r>
-              <a:rPr kumimoji="0" lang="de-DE" altLang="de-DE" sz="1200" b="0" i="0" u="none" strike="noStrike" cap="none" normalizeH="0" baseline="0">
-                <a:ln>
-                  <a:noFill/>
-                </a:ln>
-                <a:solidFill>
-                  <a:srgbClr val="A9B7C6"/>
-                </a:solidFill>
-                <a:effectLst/>
-                <a:latin typeface="Consolas" panose="020B0609020204030204" pitchFamily="49" charset="0"/>
-              </a:rPr>
-              <a:t>.</a:t>
-            </a:r>
-            <a:r>
-              <a:rPr kumimoji="0" lang="de-DE" altLang="de-DE" sz="1200" b="0" i="0" u="none" strike="noStrike" cap="none" normalizeH="0" baseline="0">
-                <a:ln>
-                  <a:noFill/>
-                </a:ln>
-                <a:solidFill>
-                  <a:srgbClr val="FFC66D"/>
-                </a:solidFill>
-                <a:effectLst/>
-                <a:latin typeface="Consolas" panose="020B0609020204030204" pitchFamily="49" charset="0"/>
-              </a:rPr>
-              <a:t>getElementById</a:t>
-            </a:r>
-            <a:r>
-              <a:rPr kumimoji="0" lang="de-DE" altLang="de-DE" sz="1200" b="0" i="1" u="none" strike="noStrike" cap="none" normalizeH="0" baseline="0">
-                <a:ln>
-                  <a:noFill/>
-                </a:ln>
-                <a:solidFill>
-                  <a:srgbClr val="9876AA"/>
-                </a:solidFill>
-                <a:effectLst/>
-                <a:latin typeface="Consolas" panose="020B0609020204030204" pitchFamily="49" charset="0"/>
-              </a:rPr>
-              <a:t>(</a:t>
-            </a:r>
-            <a:r>
-              <a:rPr kumimoji="0" lang="de-DE" altLang="de-DE" sz="1200" b="0" i="0" u="none" strike="noStrike" cap="none" normalizeH="0" baseline="0">
-                <a:ln>
-                  <a:noFill/>
-                </a:ln>
-                <a:solidFill>
-                  <a:srgbClr val="6A8759"/>
-                </a:solidFill>
-                <a:effectLst/>
-                <a:latin typeface="Consolas" panose="020B0609020204030204" pitchFamily="49" charset="0"/>
-              </a:rPr>
-              <a:t>'absatz'</a:t>
-            </a:r>
-            <a:r>
-              <a:rPr kumimoji="0" lang="de-DE" altLang="de-DE" sz="1200" b="0" i="1" u="none" strike="noStrike" cap="none" normalizeH="0" baseline="0">
-                <a:ln>
-                  <a:noFill/>
-                </a:ln>
-                <a:solidFill>
-                  <a:srgbClr val="9876AA"/>
-                </a:solidFill>
-                <a:effectLst/>
-                <a:latin typeface="Consolas" panose="020B0609020204030204" pitchFamily="49" charset="0"/>
-              </a:rPr>
-              <a:t>)</a:t>
-            </a:r>
-            <a:r>
-              <a:rPr kumimoji="0" lang="de-DE" altLang="de-DE" sz="1200" b="0" i="0" u="none" strike="noStrike" cap="none" normalizeH="0" baseline="0">
-                <a:ln>
-                  <a:noFill/>
-                </a:ln>
-                <a:solidFill>
-                  <a:srgbClr val="A9B7C6"/>
-                </a:solidFill>
-                <a:effectLst/>
-                <a:latin typeface="Consolas" panose="020B0609020204030204" pitchFamily="49" charset="0"/>
-              </a:rPr>
-              <a:t>.</a:t>
-            </a:r>
-            <a:r>
-              <a:rPr kumimoji="0" lang="de-DE" altLang="de-DE" sz="1200" b="0" i="0" u="none" strike="noStrike" cap="none" normalizeH="0" baseline="0">
-                <a:ln>
-                  <a:noFill/>
-                </a:ln>
-                <a:solidFill>
-                  <a:srgbClr val="9876AA"/>
-                </a:solidFill>
-                <a:effectLst/>
-                <a:latin typeface="Consolas" panose="020B0609020204030204" pitchFamily="49" charset="0"/>
-              </a:rPr>
-              <a:t>style</a:t>
-            </a:r>
-            <a:r>
-              <a:rPr kumimoji="0" lang="de-DE" altLang="de-DE" sz="1200" b="0" i="0" u="none" strike="noStrike" cap="none" normalizeH="0" baseline="0">
-                <a:ln>
-                  <a:noFill/>
-                </a:ln>
-                <a:solidFill>
-                  <a:srgbClr val="A9B7C6"/>
-                </a:solidFill>
-                <a:effectLst/>
-                <a:latin typeface="Consolas" panose="020B0609020204030204" pitchFamily="49" charset="0"/>
-              </a:rPr>
-              <a:t>.</a:t>
-            </a:r>
-            <a:r>
-              <a:rPr kumimoji="0" lang="de-DE" altLang="de-DE" sz="1200" b="0" i="0" u="none" strike="noStrike" cap="none" normalizeH="0" baseline="0">
-                <a:ln>
-                  <a:noFill/>
-                </a:ln>
-                <a:solidFill>
-                  <a:srgbClr val="9876AA"/>
-                </a:solidFill>
-                <a:effectLst/>
-                <a:latin typeface="Consolas" panose="020B0609020204030204" pitchFamily="49" charset="0"/>
-              </a:rPr>
-              <a:t>backgroundColor </a:t>
-            </a:r>
-            <a:r>
-              <a:rPr kumimoji="0" lang="de-DE" altLang="de-DE" sz="1200" b="0" i="0" u="none" strike="noStrike" cap="none" normalizeH="0" baseline="0">
-                <a:ln>
-                  <a:noFill/>
-                </a:ln>
-                <a:solidFill>
-                  <a:srgbClr val="A9B7C6"/>
-                </a:solidFill>
-                <a:effectLst/>
-                <a:latin typeface="Consolas" panose="020B0609020204030204" pitchFamily="49" charset="0"/>
-              </a:rPr>
-              <a:t>= </a:t>
-            </a:r>
-            <a:r>
-              <a:rPr kumimoji="0" lang="de-DE" altLang="de-DE" sz="1200" b="0" i="0" u="none" strike="noStrike" cap="none" normalizeH="0" baseline="0">
-                <a:ln>
-                  <a:noFill/>
-                </a:ln>
-                <a:solidFill>
-                  <a:srgbClr val="6A8759"/>
-                </a:solidFill>
-                <a:effectLst/>
-                <a:latin typeface="Consolas" panose="020B0609020204030204" pitchFamily="49" charset="0"/>
-              </a:rPr>
-              <a:t>"yellow"</a:t>
-            </a:r>
-            <a:r>
-              <a:rPr kumimoji="0" lang="de-DE" altLang="de-DE" sz="1200" b="0" i="0" u="none" strike="noStrike" cap="none" normalizeH="0" baseline="0">
-                <a:ln>
-                  <a:noFill/>
-                </a:ln>
-                <a:solidFill>
-                  <a:srgbClr val="CC7832"/>
-                </a:solidFill>
-                <a:effectLst/>
-                <a:latin typeface="Consolas" panose="020B0609020204030204" pitchFamily="49" charset="0"/>
-              </a:rPr>
-              <a:t>;</a:t>
-            </a:r>
-            <a:br>
-              <a:rPr kumimoji="0" lang="de-DE" altLang="de-DE" sz="1200" b="0" i="0" u="none" strike="noStrike" cap="none" normalizeH="0" baseline="0">
-                <a:ln>
-                  <a:noFill/>
-                </a:ln>
-                <a:solidFill>
-                  <a:srgbClr val="CC7832"/>
-                </a:solidFill>
-                <a:effectLst/>
-                <a:latin typeface="Consolas" panose="020B0609020204030204" pitchFamily="49" charset="0"/>
-              </a:rPr>
-            </a:br>
-            <a:r>
-              <a:rPr kumimoji="0" lang="de-DE" altLang="de-DE" sz="1200" b="0" i="0" u="none" strike="noStrike" cap="none" normalizeH="0" baseline="0">
-                <a:ln>
-                  <a:noFill/>
-                </a:ln>
-                <a:solidFill>
-                  <a:srgbClr val="CC7832"/>
-                </a:solidFill>
-                <a:effectLst/>
-                <a:latin typeface="Consolas" panose="020B0609020204030204" pitchFamily="49" charset="0"/>
-              </a:rPr>
-              <a:t>        </a:t>
-            </a:r>
-            <a:r>
-              <a:rPr kumimoji="0" lang="de-DE" altLang="de-DE" sz="1200" b="1" i="1" u="none" strike="noStrike" cap="none" normalizeH="0" baseline="0">
-                <a:ln>
-                  <a:noFill/>
-                </a:ln>
-                <a:solidFill>
-                  <a:srgbClr val="9876AA"/>
-                </a:solidFill>
-                <a:effectLst/>
-                <a:latin typeface="Consolas" panose="020B0609020204030204" pitchFamily="49" charset="0"/>
-              </a:rPr>
-              <a:t>document</a:t>
-            </a:r>
-            <a:r>
-              <a:rPr kumimoji="0" lang="de-DE" altLang="de-DE" sz="1200" b="0" i="0" u="none" strike="noStrike" cap="none" normalizeH="0" baseline="0">
-                <a:ln>
-                  <a:noFill/>
-                </a:ln>
-                <a:solidFill>
-                  <a:srgbClr val="A9B7C6"/>
-                </a:solidFill>
-                <a:effectLst/>
-                <a:latin typeface="Consolas" panose="020B0609020204030204" pitchFamily="49" charset="0"/>
-              </a:rPr>
-              <a:t>.</a:t>
-            </a:r>
-            <a:r>
-              <a:rPr kumimoji="0" lang="de-DE" altLang="de-DE" sz="1200" b="0" i="0" u="none" strike="noStrike" cap="none" normalizeH="0" baseline="0">
-                <a:ln>
-                  <a:noFill/>
-                </a:ln>
-                <a:solidFill>
-                  <a:srgbClr val="FFC66D"/>
-                </a:solidFill>
-                <a:effectLst/>
-                <a:latin typeface="Consolas" panose="020B0609020204030204" pitchFamily="49" charset="0"/>
-              </a:rPr>
-              <a:t>getElementById</a:t>
-            </a:r>
-            <a:r>
-              <a:rPr kumimoji="0" lang="de-DE" altLang="de-DE" sz="1200" b="0" i="1" u="none" strike="noStrike" cap="none" normalizeH="0" baseline="0">
-                <a:ln>
-                  <a:noFill/>
-                </a:ln>
-                <a:solidFill>
-                  <a:srgbClr val="9876AA"/>
-                </a:solidFill>
-                <a:effectLst/>
-                <a:latin typeface="Consolas" panose="020B0609020204030204" pitchFamily="49" charset="0"/>
-              </a:rPr>
-              <a:t>(</a:t>
-            </a:r>
-            <a:r>
-              <a:rPr kumimoji="0" lang="de-DE" altLang="de-DE" sz="1200" b="0" i="0" u="none" strike="noStrike" cap="none" normalizeH="0" baseline="0">
-                <a:ln>
-                  <a:noFill/>
-                </a:ln>
-                <a:solidFill>
-                  <a:srgbClr val="6A8759"/>
-                </a:solidFill>
-                <a:effectLst/>
-                <a:latin typeface="Consolas" panose="020B0609020204030204" pitchFamily="49" charset="0"/>
-              </a:rPr>
-              <a:t>'absatz'</a:t>
-            </a:r>
-            <a:r>
-              <a:rPr kumimoji="0" lang="de-DE" altLang="de-DE" sz="1200" b="0" i="1" u="none" strike="noStrike" cap="none" normalizeH="0" baseline="0">
-                <a:ln>
-                  <a:noFill/>
-                </a:ln>
-                <a:solidFill>
-                  <a:srgbClr val="9876AA"/>
-                </a:solidFill>
-                <a:effectLst/>
-                <a:latin typeface="Consolas" panose="020B0609020204030204" pitchFamily="49" charset="0"/>
-              </a:rPr>
-              <a:t>)</a:t>
-            </a:r>
-            <a:r>
-              <a:rPr kumimoji="0" lang="de-DE" altLang="de-DE" sz="1200" b="0" i="0" u="none" strike="noStrike" cap="none" normalizeH="0" baseline="0">
-                <a:ln>
-                  <a:noFill/>
-                </a:ln>
-                <a:solidFill>
-                  <a:srgbClr val="A9B7C6"/>
-                </a:solidFill>
-                <a:effectLst/>
-                <a:latin typeface="Consolas" panose="020B0609020204030204" pitchFamily="49" charset="0"/>
-              </a:rPr>
-              <a:t>.</a:t>
-            </a:r>
-            <a:r>
-              <a:rPr kumimoji="0" lang="de-DE" altLang="de-DE" sz="1200" b="0" i="0" u="none" strike="noStrike" cap="none" normalizeH="0" baseline="0">
-                <a:ln>
-                  <a:noFill/>
-                </a:ln>
-                <a:solidFill>
-                  <a:srgbClr val="9876AA"/>
-                </a:solidFill>
-                <a:effectLst/>
-                <a:latin typeface="Consolas" panose="020B0609020204030204" pitchFamily="49" charset="0"/>
-              </a:rPr>
-              <a:t>style</a:t>
-            </a:r>
-            <a:r>
-              <a:rPr kumimoji="0" lang="de-DE" altLang="de-DE" sz="1200" b="0" i="0" u="none" strike="noStrike" cap="none" normalizeH="0" baseline="0">
-                <a:ln>
-                  <a:noFill/>
-                </a:ln>
-                <a:solidFill>
-                  <a:srgbClr val="A9B7C6"/>
-                </a:solidFill>
-                <a:effectLst/>
-                <a:latin typeface="Consolas" panose="020B0609020204030204" pitchFamily="49" charset="0"/>
-              </a:rPr>
-              <a:t>.</a:t>
-            </a:r>
-            <a:r>
-              <a:rPr kumimoji="0" lang="de-DE" altLang="de-DE" sz="1200" b="0" i="0" u="none" strike="noStrike" cap="none" normalizeH="0" baseline="0">
-                <a:ln>
-                  <a:noFill/>
-                </a:ln>
-                <a:solidFill>
-                  <a:srgbClr val="9876AA"/>
-                </a:solidFill>
-                <a:effectLst/>
-                <a:latin typeface="Consolas" panose="020B0609020204030204" pitchFamily="49" charset="0"/>
-              </a:rPr>
-              <a:t>fontSize </a:t>
-            </a:r>
-            <a:r>
-              <a:rPr kumimoji="0" lang="de-DE" altLang="de-DE" sz="1200" b="0" i="0" u="none" strike="noStrike" cap="none" normalizeH="0" baseline="0">
-                <a:ln>
-                  <a:noFill/>
-                </a:ln>
-                <a:solidFill>
-                  <a:srgbClr val="A9B7C6"/>
-                </a:solidFill>
-                <a:effectLst/>
-                <a:latin typeface="Consolas" panose="020B0609020204030204" pitchFamily="49" charset="0"/>
-              </a:rPr>
-              <a:t>= </a:t>
-            </a:r>
-            <a:r>
-              <a:rPr kumimoji="0" lang="de-DE" altLang="de-DE" sz="1200" b="0" i="0" u="none" strike="noStrike" cap="none" normalizeH="0" baseline="0">
-                <a:ln>
-                  <a:noFill/>
-                </a:ln>
-                <a:solidFill>
-                  <a:srgbClr val="6A8759"/>
-                </a:solidFill>
-                <a:effectLst/>
-                <a:latin typeface="Consolas" panose="020B0609020204030204" pitchFamily="49" charset="0"/>
-              </a:rPr>
-              <a:t>'14px'</a:t>
-            </a:r>
-            <a:r>
-              <a:rPr kumimoji="0" lang="de-DE" altLang="de-DE" sz="1200" b="0" i="0" u="none" strike="noStrike" cap="none" normalizeH="0" baseline="0">
-                <a:ln>
-                  <a:noFill/>
-                </a:ln>
-                <a:solidFill>
-                  <a:srgbClr val="CC7832"/>
-                </a:solidFill>
-                <a:effectLst/>
-                <a:latin typeface="Consolas" panose="020B0609020204030204" pitchFamily="49" charset="0"/>
-              </a:rPr>
-              <a:t>;</a:t>
-            </a:r>
-            <a:br>
-              <a:rPr kumimoji="0" lang="de-DE" altLang="de-DE" sz="1200" b="0" i="0" u="none" strike="noStrike" cap="none" normalizeH="0" baseline="0">
-                <a:ln>
-                  <a:noFill/>
-                </a:ln>
-                <a:solidFill>
-                  <a:srgbClr val="CC7832"/>
-                </a:solidFill>
-                <a:effectLst/>
-                <a:latin typeface="Consolas" panose="020B0609020204030204" pitchFamily="49" charset="0"/>
-              </a:rPr>
-            </a:br>
-            <a:r>
-              <a:rPr kumimoji="0" lang="de-DE" altLang="de-DE" sz="1200" b="0" i="0" u="none" strike="noStrike" cap="none" normalizeH="0" baseline="0">
-                <a:ln>
-                  <a:noFill/>
-                </a:ln>
-                <a:solidFill>
-                  <a:srgbClr val="CC7832"/>
-                </a:solidFill>
-                <a:effectLst/>
-                <a:latin typeface="Consolas" panose="020B0609020204030204" pitchFamily="49" charset="0"/>
-              </a:rPr>
-              <a:t>        </a:t>
-            </a:r>
-            <a:r>
-              <a:rPr kumimoji="0" lang="de-DE" altLang="de-DE" sz="1200" b="1" i="1" u="none" strike="noStrike" cap="none" normalizeH="0" baseline="0">
-                <a:ln>
-                  <a:noFill/>
-                </a:ln>
-                <a:solidFill>
-                  <a:srgbClr val="9876AA"/>
-                </a:solidFill>
-                <a:effectLst/>
-                <a:latin typeface="Consolas" panose="020B0609020204030204" pitchFamily="49" charset="0"/>
-              </a:rPr>
-              <a:t>document</a:t>
-            </a:r>
-            <a:r>
-              <a:rPr kumimoji="0" lang="de-DE" altLang="de-DE" sz="1200" b="0" i="0" u="none" strike="noStrike" cap="none" normalizeH="0" baseline="0">
-                <a:ln>
-                  <a:noFill/>
-                </a:ln>
-                <a:solidFill>
-                  <a:srgbClr val="A9B7C6"/>
-                </a:solidFill>
-                <a:effectLst/>
-                <a:latin typeface="Consolas" panose="020B0609020204030204" pitchFamily="49" charset="0"/>
-              </a:rPr>
-              <a:t>.</a:t>
-            </a:r>
-            <a:r>
-              <a:rPr kumimoji="0" lang="de-DE" altLang="de-DE" sz="1200" b="0" i="0" u="none" strike="noStrike" cap="none" normalizeH="0" baseline="0">
-                <a:ln>
-                  <a:noFill/>
-                </a:ln>
-                <a:solidFill>
-                  <a:srgbClr val="FFC66D"/>
-                </a:solidFill>
-                <a:effectLst/>
-                <a:latin typeface="Consolas" panose="020B0609020204030204" pitchFamily="49" charset="0"/>
-              </a:rPr>
-              <a:t>getElementById</a:t>
-            </a:r>
-            <a:r>
-              <a:rPr kumimoji="0" lang="de-DE" altLang="de-DE" sz="1200" b="0" i="1" u="none" strike="noStrike" cap="none" normalizeH="0" baseline="0">
-                <a:ln>
-                  <a:noFill/>
-                </a:ln>
-                <a:solidFill>
-                  <a:srgbClr val="9876AA"/>
-                </a:solidFill>
-                <a:effectLst/>
-                <a:latin typeface="Consolas" panose="020B0609020204030204" pitchFamily="49" charset="0"/>
-              </a:rPr>
-              <a:t>(</a:t>
-            </a:r>
-            <a:r>
-              <a:rPr kumimoji="0" lang="de-DE" altLang="de-DE" sz="1200" b="0" i="0" u="none" strike="noStrike" cap="none" normalizeH="0" baseline="0">
-                <a:ln>
-                  <a:noFill/>
-                </a:ln>
-                <a:solidFill>
-                  <a:srgbClr val="6A8759"/>
-                </a:solidFill>
-                <a:effectLst/>
-                <a:latin typeface="Consolas" panose="020B0609020204030204" pitchFamily="49" charset="0"/>
-              </a:rPr>
-              <a:t>'absatz'</a:t>
-            </a:r>
-            <a:r>
-              <a:rPr kumimoji="0" lang="de-DE" altLang="de-DE" sz="1200" b="0" i="1" u="none" strike="noStrike" cap="none" normalizeH="0" baseline="0">
-                <a:ln>
-                  <a:noFill/>
-                </a:ln>
-                <a:solidFill>
-                  <a:srgbClr val="9876AA"/>
-                </a:solidFill>
-                <a:effectLst/>
-                <a:latin typeface="Consolas" panose="020B0609020204030204" pitchFamily="49" charset="0"/>
-              </a:rPr>
-              <a:t>)</a:t>
-            </a:r>
-            <a:r>
-              <a:rPr kumimoji="0" lang="de-DE" altLang="de-DE" sz="1200" b="0" i="0" u="none" strike="noStrike" cap="none" normalizeH="0" baseline="0">
-                <a:ln>
-                  <a:noFill/>
-                </a:ln>
-                <a:solidFill>
-                  <a:srgbClr val="A9B7C6"/>
-                </a:solidFill>
-                <a:effectLst/>
-                <a:latin typeface="Consolas" panose="020B0609020204030204" pitchFamily="49" charset="0"/>
-              </a:rPr>
-              <a:t>.</a:t>
-            </a:r>
-            <a:r>
-              <a:rPr kumimoji="0" lang="de-DE" altLang="de-DE" sz="1200" b="0" i="0" u="none" strike="noStrike" cap="none" normalizeH="0" baseline="0">
-                <a:ln>
-                  <a:noFill/>
-                </a:ln>
-                <a:solidFill>
-                  <a:srgbClr val="9876AA"/>
-                </a:solidFill>
-                <a:effectLst/>
-                <a:latin typeface="Consolas" panose="020B0609020204030204" pitchFamily="49" charset="0"/>
-              </a:rPr>
-              <a:t>style</a:t>
-            </a:r>
-            <a:r>
-              <a:rPr kumimoji="0" lang="de-DE" altLang="de-DE" sz="1200" b="0" i="0" u="none" strike="noStrike" cap="none" normalizeH="0" baseline="0">
-                <a:ln>
-                  <a:noFill/>
-                </a:ln>
-                <a:solidFill>
-                  <a:srgbClr val="A9B7C6"/>
-                </a:solidFill>
-                <a:effectLst/>
-                <a:latin typeface="Consolas" panose="020B0609020204030204" pitchFamily="49" charset="0"/>
-              </a:rPr>
-              <a:t>.</a:t>
-            </a:r>
-            <a:r>
-              <a:rPr kumimoji="0" lang="de-DE" altLang="de-DE" sz="1200" b="0" i="0" u="none" strike="noStrike" cap="none" normalizeH="0" baseline="0">
-                <a:ln>
-                  <a:noFill/>
-                </a:ln>
-                <a:solidFill>
-                  <a:srgbClr val="9876AA"/>
-                </a:solidFill>
-                <a:effectLst/>
-                <a:latin typeface="Consolas" panose="020B0609020204030204" pitchFamily="49" charset="0"/>
-              </a:rPr>
-              <a:t>color </a:t>
-            </a:r>
-            <a:r>
-              <a:rPr kumimoji="0" lang="de-DE" altLang="de-DE" sz="1200" b="0" i="0" u="none" strike="noStrike" cap="none" normalizeH="0" baseline="0">
-                <a:ln>
-                  <a:noFill/>
-                </a:ln>
-                <a:solidFill>
-                  <a:srgbClr val="A9B7C6"/>
-                </a:solidFill>
-                <a:effectLst/>
-                <a:latin typeface="Consolas" panose="020B0609020204030204" pitchFamily="49" charset="0"/>
-              </a:rPr>
-              <a:t>= </a:t>
-            </a:r>
-            <a:r>
-              <a:rPr kumimoji="0" lang="de-DE" altLang="de-DE" sz="1200" b="0" i="0" u="none" strike="noStrike" cap="none" normalizeH="0" baseline="0">
-                <a:ln>
-                  <a:noFill/>
-                </a:ln>
-                <a:solidFill>
-                  <a:srgbClr val="6A8759"/>
-                </a:solidFill>
-                <a:effectLst/>
-                <a:latin typeface="Consolas" panose="020B0609020204030204" pitchFamily="49" charset="0"/>
-              </a:rPr>
-              <a:t>"lightblue"</a:t>
-            </a:r>
-            <a:r>
-              <a:rPr kumimoji="0" lang="de-DE" altLang="de-DE" sz="1200" b="0" i="0" u="none" strike="noStrike" cap="none" normalizeH="0" baseline="0">
-                <a:ln>
-                  <a:noFill/>
-                </a:ln>
-                <a:solidFill>
-                  <a:srgbClr val="CC7832"/>
-                </a:solidFill>
-                <a:effectLst/>
-                <a:latin typeface="Consolas" panose="020B0609020204030204" pitchFamily="49" charset="0"/>
-              </a:rPr>
-              <a:t>;</a:t>
-            </a:r>
-            <a:br>
-              <a:rPr kumimoji="0" lang="de-DE" altLang="de-DE" sz="1200" b="0" i="0" u="none" strike="noStrike" cap="none" normalizeH="0" baseline="0">
-                <a:ln>
-                  <a:noFill/>
-                </a:ln>
-                <a:solidFill>
-                  <a:srgbClr val="CC7832"/>
-                </a:solidFill>
-                <a:effectLst/>
-                <a:latin typeface="Consolas" panose="020B0609020204030204" pitchFamily="49" charset="0"/>
-              </a:rPr>
-            </a:br>
-            <a:r>
-              <a:rPr kumimoji="0" lang="de-DE" altLang="de-DE" sz="1200" b="0" i="0" u="none" strike="noStrike" cap="none" normalizeH="0" baseline="0">
-                <a:ln>
-                  <a:noFill/>
-                </a:ln>
-                <a:solidFill>
-                  <a:srgbClr val="CC7832"/>
-                </a:solidFill>
-                <a:effectLst/>
-                <a:latin typeface="Consolas" panose="020B0609020204030204" pitchFamily="49" charset="0"/>
-              </a:rPr>
-              <a:t>        </a:t>
-            </a:r>
-            <a:r>
-              <a:rPr kumimoji="0" lang="de-DE" altLang="de-DE" sz="1200" b="1" i="1" u="none" strike="noStrike" cap="none" normalizeH="0" baseline="0">
-                <a:ln>
-                  <a:noFill/>
-                </a:ln>
-                <a:solidFill>
-                  <a:srgbClr val="9876AA"/>
-                </a:solidFill>
-                <a:effectLst/>
-                <a:latin typeface="Consolas" panose="020B0609020204030204" pitchFamily="49" charset="0"/>
-              </a:rPr>
-              <a:t>document</a:t>
-            </a:r>
-            <a:r>
-              <a:rPr kumimoji="0" lang="de-DE" altLang="de-DE" sz="1200" b="0" i="0" u="none" strike="noStrike" cap="none" normalizeH="0" baseline="0">
-                <a:ln>
-                  <a:noFill/>
-                </a:ln>
-                <a:solidFill>
-                  <a:srgbClr val="A9B7C6"/>
-                </a:solidFill>
-                <a:effectLst/>
-                <a:latin typeface="Consolas" panose="020B0609020204030204" pitchFamily="49" charset="0"/>
-              </a:rPr>
-              <a:t>.</a:t>
-            </a:r>
-            <a:r>
-              <a:rPr kumimoji="0" lang="de-DE" altLang="de-DE" sz="1200" b="0" i="0" u="none" strike="noStrike" cap="none" normalizeH="0" baseline="0">
-                <a:ln>
-                  <a:noFill/>
-                </a:ln>
-                <a:solidFill>
-                  <a:srgbClr val="FFC66D"/>
-                </a:solidFill>
-                <a:effectLst/>
-                <a:latin typeface="Consolas" panose="020B0609020204030204" pitchFamily="49" charset="0"/>
-              </a:rPr>
-              <a:t>getElementById</a:t>
-            </a:r>
-            <a:r>
-              <a:rPr kumimoji="0" lang="de-DE" altLang="de-DE" sz="1200" b="0" i="1" u="none" strike="noStrike" cap="none" normalizeH="0" baseline="0">
-                <a:ln>
-                  <a:noFill/>
-                </a:ln>
-                <a:solidFill>
-                  <a:srgbClr val="9876AA"/>
-                </a:solidFill>
-                <a:effectLst/>
-                <a:latin typeface="Consolas" panose="020B0609020204030204" pitchFamily="49" charset="0"/>
-              </a:rPr>
-              <a:t>(</a:t>
-            </a:r>
-            <a:r>
-              <a:rPr kumimoji="0" lang="de-DE" altLang="de-DE" sz="1200" b="0" i="0" u="none" strike="noStrike" cap="none" normalizeH="0" baseline="0">
-                <a:ln>
-                  <a:noFill/>
-                </a:ln>
-                <a:solidFill>
-                  <a:srgbClr val="6A8759"/>
-                </a:solidFill>
-                <a:effectLst/>
-                <a:latin typeface="Consolas" panose="020B0609020204030204" pitchFamily="49" charset="0"/>
-              </a:rPr>
-              <a:t>'absatz'</a:t>
-            </a:r>
-            <a:r>
-              <a:rPr kumimoji="0" lang="de-DE" altLang="de-DE" sz="1200" b="0" i="1" u="none" strike="noStrike" cap="none" normalizeH="0" baseline="0">
-                <a:ln>
-                  <a:noFill/>
-                </a:ln>
-                <a:solidFill>
-                  <a:srgbClr val="9876AA"/>
-                </a:solidFill>
-                <a:effectLst/>
-                <a:latin typeface="Consolas" panose="020B0609020204030204" pitchFamily="49" charset="0"/>
-              </a:rPr>
-              <a:t>)</a:t>
-            </a:r>
-            <a:r>
-              <a:rPr kumimoji="0" lang="de-DE" altLang="de-DE" sz="1200" b="0" i="0" u="none" strike="noStrike" cap="none" normalizeH="0" baseline="0">
-                <a:ln>
-                  <a:noFill/>
-                </a:ln>
-                <a:solidFill>
-                  <a:srgbClr val="A9B7C6"/>
-                </a:solidFill>
-                <a:effectLst/>
-                <a:latin typeface="Consolas" panose="020B0609020204030204" pitchFamily="49" charset="0"/>
-              </a:rPr>
-              <a:t>.</a:t>
-            </a:r>
-            <a:r>
-              <a:rPr kumimoji="0" lang="de-DE" altLang="de-DE" sz="1200" b="0" i="0" u="none" strike="noStrike" cap="none" normalizeH="0" baseline="0">
-                <a:ln>
-                  <a:noFill/>
-                </a:ln>
-                <a:solidFill>
-                  <a:srgbClr val="9876AA"/>
-                </a:solidFill>
-                <a:effectLst/>
-                <a:latin typeface="Consolas" panose="020B0609020204030204" pitchFamily="49" charset="0"/>
-              </a:rPr>
-              <a:t>style</a:t>
-            </a:r>
-            <a:r>
-              <a:rPr kumimoji="0" lang="de-DE" altLang="de-DE" sz="1200" b="0" i="0" u="none" strike="noStrike" cap="none" normalizeH="0" baseline="0">
-                <a:ln>
-                  <a:noFill/>
-                </a:ln>
-                <a:solidFill>
-                  <a:srgbClr val="A9B7C6"/>
-                </a:solidFill>
-                <a:effectLst/>
-                <a:latin typeface="Consolas" panose="020B0609020204030204" pitchFamily="49" charset="0"/>
-              </a:rPr>
-              <a:t>.</a:t>
-            </a:r>
-            <a:r>
-              <a:rPr kumimoji="0" lang="de-DE" altLang="de-DE" sz="1200" b="0" i="0" u="none" strike="noStrike" cap="none" normalizeH="0" baseline="0">
-                <a:ln>
-                  <a:noFill/>
-                </a:ln>
-                <a:solidFill>
-                  <a:srgbClr val="9876AA"/>
-                </a:solidFill>
-                <a:effectLst/>
-                <a:latin typeface="Consolas" panose="020B0609020204030204" pitchFamily="49" charset="0"/>
-              </a:rPr>
-              <a:t>border </a:t>
-            </a:r>
-            <a:r>
-              <a:rPr kumimoji="0" lang="de-DE" altLang="de-DE" sz="1200" b="0" i="0" u="none" strike="noStrike" cap="none" normalizeH="0" baseline="0">
-                <a:ln>
-                  <a:noFill/>
-                </a:ln>
-                <a:solidFill>
-                  <a:srgbClr val="A9B7C6"/>
-                </a:solidFill>
-                <a:effectLst/>
-                <a:latin typeface="Consolas" panose="020B0609020204030204" pitchFamily="49" charset="0"/>
-              </a:rPr>
-              <a:t>= </a:t>
-            </a:r>
-            <a:r>
-              <a:rPr kumimoji="0" lang="de-DE" altLang="de-DE" sz="1200" b="0" i="0" u="none" strike="noStrike" cap="none" normalizeH="0" baseline="0">
-                <a:ln>
-                  <a:noFill/>
-                </a:ln>
-                <a:solidFill>
-                  <a:srgbClr val="6A8759"/>
-                </a:solidFill>
-                <a:effectLst/>
-                <a:latin typeface="Consolas" panose="020B0609020204030204" pitchFamily="49" charset="0"/>
-              </a:rPr>
-              <a:t>"1px solid black"</a:t>
-            </a:r>
-            <a:r>
-              <a:rPr kumimoji="0" lang="de-DE" altLang="de-DE" sz="1200" b="0" i="0" u="none" strike="noStrike" cap="none" normalizeH="0" baseline="0">
-                <a:ln>
-                  <a:noFill/>
-                </a:ln>
-                <a:solidFill>
-                  <a:srgbClr val="CC7832"/>
-                </a:solidFill>
-                <a:effectLst/>
-                <a:latin typeface="Consolas" panose="020B0609020204030204" pitchFamily="49" charset="0"/>
-              </a:rPr>
-              <a:t>;</a:t>
-            </a:r>
-            <a:br>
-              <a:rPr kumimoji="0" lang="de-DE" altLang="de-DE" sz="1200" b="0" i="0" u="none" strike="noStrike" cap="none" normalizeH="0" baseline="0">
-                <a:ln>
-                  <a:noFill/>
-                </a:ln>
-                <a:solidFill>
-                  <a:srgbClr val="CC7832"/>
-                </a:solidFill>
-                <a:effectLst/>
-                <a:latin typeface="Consolas" panose="020B0609020204030204" pitchFamily="49" charset="0"/>
-              </a:rPr>
-            </a:br>
-            <a:r>
-              <a:rPr kumimoji="0" lang="de-DE" altLang="de-DE" sz="1200" b="0" i="0" u="none" strike="noStrike" cap="none" normalizeH="0" baseline="0">
-                <a:ln>
-                  <a:noFill/>
-                </a:ln>
-                <a:solidFill>
-                  <a:srgbClr val="CC7832"/>
-                </a:solidFill>
-                <a:effectLst/>
-                <a:latin typeface="Consolas" panose="020B0609020204030204" pitchFamily="49" charset="0"/>
-              </a:rPr>
-              <a:t>        </a:t>
-            </a:r>
-            <a:r>
-              <a:rPr kumimoji="0" lang="de-DE" altLang="de-DE" sz="1200" b="1" i="1" u="none" strike="noStrike" cap="none" normalizeH="0" baseline="0">
-                <a:ln>
-                  <a:noFill/>
-                </a:ln>
-                <a:solidFill>
-                  <a:srgbClr val="9876AA"/>
-                </a:solidFill>
-                <a:effectLst/>
-                <a:latin typeface="Consolas" panose="020B0609020204030204" pitchFamily="49" charset="0"/>
-              </a:rPr>
-              <a:t>document</a:t>
-            </a:r>
-            <a:r>
-              <a:rPr kumimoji="0" lang="de-DE" altLang="de-DE" sz="1200" b="0" i="0" u="none" strike="noStrike" cap="none" normalizeH="0" baseline="0">
-                <a:ln>
-                  <a:noFill/>
-                </a:ln>
-                <a:solidFill>
-                  <a:srgbClr val="A9B7C6"/>
-                </a:solidFill>
-                <a:effectLst/>
-                <a:latin typeface="Consolas" panose="020B0609020204030204" pitchFamily="49" charset="0"/>
-              </a:rPr>
-              <a:t>.</a:t>
-            </a:r>
-            <a:r>
-              <a:rPr kumimoji="0" lang="de-DE" altLang="de-DE" sz="1200" b="0" i="0" u="none" strike="noStrike" cap="none" normalizeH="0" baseline="0">
-                <a:ln>
-                  <a:noFill/>
-                </a:ln>
-                <a:solidFill>
-                  <a:srgbClr val="FFC66D"/>
-                </a:solidFill>
-                <a:effectLst/>
-                <a:latin typeface="Consolas" panose="020B0609020204030204" pitchFamily="49" charset="0"/>
-              </a:rPr>
-              <a:t>getElementById</a:t>
-            </a:r>
-            <a:r>
-              <a:rPr kumimoji="0" lang="de-DE" altLang="de-DE" sz="1200" b="0" i="1" u="none" strike="noStrike" cap="none" normalizeH="0" baseline="0">
-                <a:ln>
-                  <a:noFill/>
-                </a:ln>
-                <a:solidFill>
-                  <a:srgbClr val="9876AA"/>
-                </a:solidFill>
-                <a:effectLst/>
-                <a:latin typeface="Consolas" panose="020B0609020204030204" pitchFamily="49" charset="0"/>
-              </a:rPr>
-              <a:t>(</a:t>
-            </a:r>
-            <a:r>
-              <a:rPr kumimoji="0" lang="de-DE" altLang="de-DE" sz="1200" b="0" i="0" u="none" strike="noStrike" cap="none" normalizeH="0" baseline="0">
-                <a:ln>
-                  <a:noFill/>
-                </a:ln>
-                <a:solidFill>
-                  <a:srgbClr val="6A8759"/>
-                </a:solidFill>
-                <a:effectLst/>
-                <a:latin typeface="Consolas" panose="020B0609020204030204" pitchFamily="49" charset="0"/>
-              </a:rPr>
-              <a:t>'absatz'</a:t>
-            </a:r>
-            <a:r>
-              <a:rPr kumimoji="0" lang="de-DE" altLang="de-DE" sz="1200" b="0" i="1" u="none" strike="noStrike" cap="none" normalizeH="0" baseline="0">
-                <a:ln>
-                  <a:noFill/>
-                </a:ln>
-                <a:solidFill>
-                  <a:srgbClr val="9876AA"/>
-                </a:solidFill>
-                <a:effectLst/>
-                <a:latin typeface="Consolas" panose="020B0609020204030204" pitchFamily="49" charset="0"/>
-              </a:rPr>
-              <a:t>)</a:t>
-            </a:r>
-            <a:r>
-              <a:rPr kumimoji="0" lang="de-DE" altLang="de-DE" sz="1200" b="0" i="0" u="none" strike="noStrike" cap="none" normalizeH="0" baseline="0">
-                <a:ln>
-                  <a:noFill/>
-                </a:ln>
-                <a:solidFill>
-                  <a:srgbClr val="A9B7C6"/>
-                </a:solidFill>
-                <a:effectLst/>
-                <a:latin typeface="Consolas" panose="020B0609020204030204" pitchFamily="49" charset="0"/>
-              </a:rPr>
-              <a:t>.</a:t>
-            </a:r>
-            <a:r>
-              <a:rPr kumimoji="0" lang="de-DE" altLang="de-DE" sz="1200" b="0" i="0" u="none" strike="noStrike" cap="none" normalizeH="0" baseline="0">
-                <a:ln>
-                  <a:noFill/>
-                </a:ln>
-                <a:solidFill>
-                  <a:srgbClr val="9876AA"/>
-                </a:solidFill>
-                <a:effectLst/>
-                <a:latin typeface="Consolas" panose="020B0609020204030204" pitchFamily="49" charset="0"/>
-              </a:rPr>
-              <a:t>style</a:t>
-            </a:r>
-            <a:r>
-              <a:rPr kumimoji="0" lang="de-DE" altLang="de-DE" sz="1200" b="0" i="0" u="none" strike="noStrike" cap="none" normalizeH="0" baseline="0">
-                <a:ln>
-                  <a:noFill/>
-                </a:ln>
-                <a:solidFill>
-                  <a:srgbClr val="A9B7C6"/>
-                </a:solidFill>
-                <a:effectLst/>
-                <a:latin typeface="Consolas" panose="020B0609020204030204" pitchFamily="49" charset="0"/>
-              </a:rPr>
-              <a:t>.</a:t>
-            </a:r>
-            <a:r>
-              <a:rPr kumimoji="0" lang="de-DE" altLang="de-DE" sz="1200" b="0" i="0" u="none" strike="noStrike" cap="none" normalizeH="0" baseline="0">
-                <a:ln>
-                  <a:noFill/>
-                </a:ln>
-                <a:solidFill>
-                  <a:srgbClr val="9876AA"/>
-                </a:solidFill>
-                <a:effectLst/>
-                <a:latin typeface="Consolas" panose="020B0609020204030204" pitchFamily="49" charset="0"/>
-              </a:rPr>
-              <a:t>width </a:t>
-            </a:r>
-            <a:r>
-              <a:rPr kumimoji="0" lang="de-DE" altLang="de-DE" sz="1200" b="0" i="0" u="none" strike="noStrike" cap="none" normalizeH="0" baseline="0">
-                <a:ln>
-                  <a:noFill/>
-                </a:ln>
-                <a:solidFill>
-                  <a:srgbClr val="A9B7C6"/>
-                </a:solidFill>
-                <a:effectLst/>
-                <a:latin typeface="Consolas" panose="020B0609020204030204" pitchFamily="49" charset="0"/>
-              </a:rPr>
-              <a:t>= </a:t>
-            </a:r>
-            <a:r>
-              <a:rPr kumimoji="0" lang="de-DE" altLang="de-DE" sz="1200" b="0" i="0" u="none" strike="noStrike" cap="none" normalizeH="0" baseline="0">
-                <a:ln>
-                  <a:noFill/>
-                </a:ln>
-                <a:solidFill>
-                  <a:srgbClr val="6A8759"/>
-                </a:solidFill>
-                <a:effectLst/>
-                <a:latin typeface="Consolas" panose="020B0609020204030204" pitchFamily="49" charset="0"/>
-              </a:rPr>
-              <a:t>"120px"</a:t>
-            </a:r>
-            <a:r>
-              <a:rPr kumimoji="0" lang="de-DE" altLang="de-DE" sz="1200" b="0" i="0" u="none" strike="noStrike" cap="none" normalizeH="0" baseline="0">
-                <a:ln>
-                  <a:noFill/>
-                </a:ln>
-                <a:solidFill>
-                  <a:srgbClr val="CC7832"/>
-                </a:solidFill>
-                <a:effectLst/>
-                <a:latin typeface="Consolas" panose="020B0609020204030204" pitchFamily="49" charset="0"/>
-              </a:rPr>
-              <a:t>;</a:t>
-            </a:r>
-            <a:br>
-              <a:rPr kumimoji="0" lang="de-DE" altLang="de-DE" sz="1200" b="0" i="0" u="none" strike="noStrike" cap="none" normalizeH="0" baseline="0">
-                <a:ln>
-                  <a:noFill/>
-                </a:ln>
-                <a:solidFill>
-                  <a:srgbClr val="CC7832"/>
-                </a:solidFill>
-                <a:effectLst/>
-                <a:latin typeface="Consolas" panose="020B0609020204030204" pitchFamily="49" charset="0"/>
-              </a:rPr>
-            </a:br>
-            <a:r>
-              <a:rPr kumimoji="0" lang="de-DE" altLang="de-DE" sz="1200" b="0" i="0" u="none" strike="noStrike" cap="none" normalizeH="0" baseline="0">
-                <a:ln>
-                  <a:noFill/>
-                </a:ln>
-                <a:solidFill>
-                  <a:srgbClr val="CC7832"/>
-                </a:solidFill>
-                <a:effectLst/>
-                <a:latin typeface="Consolas" panose="020B0609020204030204" pitchFamily="49" charset="0"/>
-              </a:rPr>
-              <a:t>    </a:t>
-            </a:r>
-            <a:r>
-              <a:rPr kumimoji="0" lang="de-DE" altLang="de-DE" sz="1200" b="0" i="1" u="none" strike="noStrike" cap="none" normalizeH="0" baseline="0">
-                <a:ln>
-                  <a:noFill/>
-                </a:ln>
-                <a:solidFill>
-                  <a:srgbClr val="9876AA"/>
-                </a:solidFill>
-                <a:effectLst/>
-                <a:latin typeface="Consolas" panose="020B0609020204030204" pitchFamily="49" charset="0"/>
-              </a:rPr>
-              <a:t>}</a:t>
-            </a:r>
-            <a:br>
-              <a:rPr kumimoji="0" lang="de-DE" altLang="de-DE" sz="1200" b="0" i="1" u="none" strike="noStrike" cap="none" normalizeH="0" baseline="0">
-                <a:ln>
-                  <a:noFill/>
-                </a:ln>
-                <a:solidFill>
-                  <a:srgbClr val="9876AA"/>
-                </a:solidFill>
-                <a:effectLst/>
-                <a:latin typeface="Consolas" panose="020B0609020204030204" pitchFamily="49" charset="0"/>
-              </a:rPr>
-            </a:br>
-            <a:r>
-              <a:rPr kumimoji="0" lang="de-DE" altLang="de-DE" sz="1200" b="0" i="1" u="none" strike="noStrike" cap="none" normalizeH="0" baseline="0">
-                <a:ln>
-                  <a:noFill/>
-                </a:ln>
-                <a:solidFill>
-                  <a:srgbClr val="9876AA"/>
-                </a:solidFill>
-                <a:effectLst/>
-                <a:latin typeface="Consolas" panose="020B0609020204030204" pitchFamily="49" charset="0"/>
-              </a:rPr>
-              <a:t>    </a:t>
-            </a:r>
-            <a:r>
-              <a:rPr kumimoji="0" lang="de-DE" altLang="de-DE" sz="1200" b="0" i="0" u="none" strike="noStrike" cap="none" normalizeH="0" baseline="0">
-                <a:ln>
-                  <a:noFill/>
-                </a:ln>
-                <a:solidFill>
-                  <a:srgbClr val="CC7832"/>
-                </a:solidFill>
-                <a:effectLst/>
-                <a:latin typeface="Consolas" panose="020B0609020204030204" pitchFamily="49" charset="0"/>
-              </a:rPr>
-              <a:t>function </a:t>
-            </a:r>
-            <a:r>
-              <a:rPr kumimoji="0" lang="de-DE" altLang="de-DE" sz="1200" b="0" i="0" u="none" strike="noStrike" cap="none" normalizeH="0" baseline="0">
-                <a:ln>
-                  <a:noFill/>
-                </a:ln>
-                <a:solidFill>
-                  <a:srgbClr val="FFC66D"/>
-                </a:solidFill>
-                <a:effectLst/>
-                <a:latin typeface="Consolas" panose="020B0609020204030204" pitchFamily="49" charset="0"/>
-              </a:rPr>
-              <a:t>layout2</a:t>
-            </a:r>
-            <a:r>
-              <a:rPr kumimoji="0" lang="de-DE" altLang="de-DE" sz="1200" b="0" i="1" u="none" strike="noStrike" cap="none" normalizeH="0" baseline="0">
-                <a:ln>
-                  <a:noFill/>
-                </a:ln>
-                <a:solidFill>
-                  <a:srgbClr val="9876AA"/>
-                </a:solidFill>
-                <a:effectLst/>
-                <a:latin typeface="Consolas" panose="020B0609020204030204" pitchFamily="49" charset="0"/>
-              </a:rPr>
-              <a:t>() {</a:t>
-            </a:r>
-            <a:br>
-              <a:rPr kumimoji="0" lang="de-DE" altLang="de-DE" sz="1200" b="0" i="1" u="none" strike="noStrike" cap="none" normalizeH="0" baseline="0">
-                <a:ln>
-                  <a:noFill/>
-                </a:ln>
-                <a:solidFill>
-                  <a:srgbClr val="9876AA"/>
-                </a:solidFill>
-                <a:effectLst/>
-                <a:latin typeface="Consolas" panose="020B0609020204030204" pitchFamily="49" charset="0"/>
-              </a:rPr>
-            </a:br>
-            <a:r>
-              <a:rPr kumimoji="0" lang="de-DE" altLang="de-DE" sz="1200" b="0" i="1" u="none" strike="noStrike" cap="none" normalizeH="0" baseline="0">
-                <a:ln>
-                  <a:noFill/>
-                </a:ln>
-                <a:solidFill>
-                  <a:srgbClr val="9876AA"/>
-                </a:solidFill>
-                <a:effectLst/>
-                <a:latin typeface="Consolas" panose="020B0609020204030204" pitchFamily="49" charset="0"/>
-              </a:rPr>
-              <a:t>        </a:t>
-            </a:r>
-            <a:r>
-              <a:rPr kumimoji="0" lang="de-DE" altLang="de-DE" sz="1200" b="1" i="1" u="none" strike="noStrike" cap="none" normalizeH="0" baseline="0">
-                <a:ln>
-                  <a:noFill/>
-                </a:ln>
-                <a:solidFill>
-                  <a:srgbClr val="9876AA"/>
-                </a:solidFill>
-                <a:effectLst/>
-                <a:latin typeface="Consolas" panose="020B0609020204030204" pitchFamily="49" charset="0"/>
-              </a:rPr>
-              <a:t>document</a:t>
-            </a:r>
-            <a:r>
-              <a:rPr kumimoji="0" lang="de-DE" altLang="de-DE" sz="1200" b="0" i="0" u="none" strike="noStrike" cap="none" normalizeH="0" baseline="0">
-                <a:ln>
-                  <a:noFill/>
-                </a:ln>
-                <a:solidFill>
-                  <a:srgbClr val="A9B7C6"/>
-                </a:solidFill>
-                <a:effectLst/>
-                <a:latin typeface="Consolas" panose="020B0609020204030204" pitchFamily="49" charset="0"/>
-              </a:rPr>
-              <a:t>.</a:t>
-            </a:r>
-            <a:r>
-              <a:rPr kumimoji="0" lang="de-DE" altLang="de-DE" sz="1200" b="0" i="0" u="none" strike="noStrike" cap="none" normalizeH="0" baseline="0">
-                <a:ln>
-                  <a:noFill/>
-                </a:ln>
-                <a:solidFill>
-                  <a:srgbClr val="FFC66D"/>
-                </a:solidFill>
-                <a:effectLst/>
-                <a:latin typeface="Consolas" panose="020B0609020204030204" pitchFamily="49" charset="0"/>
-              </a:rPr>
-              <a:t>getElementById</a:t>
-            </a:r>
-            <a:r>
-              <a:rPr kumimoji="0" lang="de-DE" altLang="de-DE" sz="1200" b="0" i="1" u="none" strike="noStrike" cap="none" normalizeH="0" baseline="0">
-                <a:ln>
-                  <a:noFill/>
-                </a:ln>
-                <a:solidFill>
-                  <a:srgbClr val="9876AA"/>
-                </a:solidFill>
-                <a:effectLst/>
-                <a:latin typeface="Consolas" panose="020B0609020204030204" pitchFamily="49" charset="0"/>
-              </a:rPr>
-              <a:t>(</a:t>
-            </a:r>
-            <a:r>
-              <a:rPr kumimoji="0" lang="de-DE" altLang="de-DE" sz="1200" b="0" i="0" u="none" strike="noStrike" cap="none" normalizeH="0" baseline="0">
-                <a:ln>
-                  <a:noFill/>
-                </a:ln>
-                <a:solidFill>
-                  <a:srgbClr val="6A8759"/>
-                </a:solidFill>
-                <a:effectLst/>
-                <a:latin typeface="Consolas" panose="020B0609020204030204" pitchFamily="49" charset="0"/>
-              </a:rPr>
-              <a:t>'absatz'</a:t>
-            </a:r>
-            <a:r>
-              <a:rPr kumimoji="0" lang="de-DE" altLang="de-DE" sz="1200" b="0" i="1" u="none" strike="noStrike" cap="none" normalizeH="0" baseline="0">
-                <a:ln>
-                  <a:noFill/>
-                </a:ln>
-                <a:solidFill>
-                  <a:srgbClr val="9876AA"/>
-                </a:solidFill>
-                <a:effectLst/>
-                <a:latin typeface="Consolas" panose="020B0609020204030204" pitchFamily="49" charset="0"/>
-              </a:rPr>
-              <a:t>)</a:t>
-            </a:r>
-            <a:r>
-              <a:rPr kumimoji="0" lang="de-DE" altLang="de-DE" sz="1200" b="0" i="0" u="none" strike="noStrike" cap="none" normalizeH="0" baseline="0">
-                <a:ln>
-                  <a:noFill/>
-                </a:ln>
-                <a:solidFill>
-                  <a:srgbClr val="A9B7C6"/>
-                </a:solidFill>
-                <a:effectLst/>
-                <a:latin typeface="Consolas" panose="020B0609020204030204" pitchFamily="49" charset="0"/>
-              </a:rPr>
-              <a:t>.</a:t>
-            </a:r>
-            <a:r>
-              <a:rPr kumimoji="0" lang="de-DE" altLang="de-DE" sz="1200" b="0" i="0" u="none" strike="noStrike" cap="none" normalizeH="0" baseline="0">
-                <a:ln>
-                  <a:noFill/>
-                </a:ln>
-                <a:solidFill>
-                  <a:srgbClr val="9876AA"/>
-                </a:solidFill>
-                <a:effectLst/>
-                <a:latin typeface="Consolas" panose="020B0609020204030204" pitchFamily="49" charset="0"/>
-              </a:rPr>
-              <a:t>style</a:t>
-            </a:r>
-            <a:r>
-              <a:rPr kumimoji="0" lang="de-DE" altLang="de-DE" sz="1200" b="0" i="0" u="none" strike="noStrike" cap="none" normalizeH="0" baseline="0">
-                <a:ln>
-                  <a:noFill/>
-                </a:ln>
-                <a:solidFill>
-                  <a:srgbClr val="A9B7C6"/>
-                </a:solidFill>
-                <a:effectLst/>
-                <a:latin typeface="Consolas" panose="020B0609020204030204" pitchFamily="49" charset="0"/>
-              </a:rPr>
-              <a:t>.</a:t>
-            </a:r>
-            <a:r>
-              <a:rPr kumimoji="0" lang="de-DE" altLang="de-DE" sz="1200" b="0" i="0" u="none" strike="noStrike" cap="none" normalizeH="0" baseline="0">
-                <a:ln>
-                  <a:noFill/>
-                </a:ln>
-                <a:solidFill>
-                  <a:srgbClr val="9876AA"/>
-                </a:solidFill>
-                <a:effectLst/>
-                <a:latin typeface="Consolas" panose="020B0609020204030204" pitchFamily="49" charset="0"/>
-              </a:rPr>
-              <a:t>backgroundColor </a:t>
-            </a:r>
-            <a:r>
-              <a:rPr kumimoji="0" lang="de-DE" altLang="de-DE" sz="1200" b="0" i="0" u="none" strike="noStrike" cap="none" normalizeH="0" baseline="0">
-                <a:ln>
-                  <a:noFill/>
-                </a:ln>
-                <a:solidFill>
-                  <a:srgbClr val="A9B7C6"/>
-                </a:solidFill>
-                <a:effectLst/>
-                <a:latin typeface="Consolas" panose="020B0609020204030204" pitchFamily="49" charset="0"/>
-              </a:rPr>
-              <a:t>= </a:t>
-            </a:r>
-            <a:r>
-              <a:rPr kumimoji="0" lang="de-DE" altLang="de-DE" sz="1200" b="0" i="0" u="none" strike="noStrike" cap="none" normalizeH="0" baseline="0">
-                <a:ln>
-                  <a:noFill/>
-                </a:ln>
-                <a:solidFill>
-                  <a:srgbClr val="6A8759"/>
-                </a:solidFill>
-                <a:effectLst/>
-                <a:latin typeface="Consolas" panose="020B0609020204030204" pitchFamily="49" charset="0"/>
-              </a:rPr>
-              <a:t>""</a:t>
-            </a:r>
-            <a:r>
-              <a:rPr kumimoji="0" lang="de-DE" altLang="de-DE" sz="1200" b="0" i="0" u="none" strike="noStrike" cap="none" normalizeH="0" baseline="0">
-                <a:ln>
-                  <a:noFill/>
-                </a:ln>
-                <a:solidFill>
-                  <a:srgbClr val="CC7832"/>
-                </a:solidFill>
-                <a:effectLst/>
-                <a:latin typeface="Consolas" panose="020B0609020204030204" pitchFamily="49" charset="0"/>
-              </a:rPr>
-              <a:t>;</a:t>
-            </a:r>
-            <a:br>
-              <a:rPr kumimoji="0" lang="de-DE" altLang="de-DE" sz="1200" b="0" i="0" u="none" strike="noStrike" cap="none" normalizeH="0" baseline="0">
-                <a:ln>
-                  <a:noFill/>
-                </a:ln>
-                <a:solidFill>
-                  <a:srgbClr val="CC7832"/>
-                </a:solidFill>
-                <a:effectLst/>
-                <a:latin typeface="Consolas" panose="020B0609020204030204" pitchFamily="49" charset="0"/>
-              </a:rPr>
-            </a:br>
-            <a:r>
-              <a:rPr kumimoji="0" lang="de-DE" altLang="de-DE" sz="1200" b="0" i="0" u="none" strike="noStrike" cap="none" normalizeH="0" baseline="0">
-                <a:ln>
-                  <a:noFill/>
-                </a:ln>
-                <a:solidFill>
-                  <a:srgbClr val="CC7832"/>
-                </a:solidFill>
-                <a:effectLst/>
-                <a:latin typeface="Consolas" panose="020B0609020204030204" pitchFamily="49" charset="0"/>
-              </a:rPr>
-              <a:t>        </a:t>
-            </a:r>
-            <a:r>
-              <a:rPr kumimoji="0" lang="de-DE" altLang="de-DE" sz="1200" b="1" i="1" u="none" strike="noStrike" cap="none" normalizeH="0" baseline="0">
-                <a:ln>
-                  <a:noFill/>
-                </a:ln>
-                <a:solidFill>
-                  <a:srgbClr val="9876AA"/>
-                </a:solidFill>
-                <a:effectLst/>
-                <a:latin typeface="Consolas" panose="020B0609020204030204" pitchFamily="49" charset="0"/>
-              </a:rPr>
-              <a:t>document</a:t>
-            </a:r>
-            <a:r>
-              <a:rPr kumimoji="0" lang="de-DE" altLang="de-DE" sz="1200" b="0" i="0" u="none" strike="noStrike" cap="none" normalizeH="0" baseline="0">
-                <a:ln>
-                  <a:noFill/>
-                </a:ln>
-                <a:solidFill>
-                  <a:srgbClr val="A9B7C6"/>
-                </a:solidFill>
-                <a:effectLst/>
-                <a:latin typeface="Consolas" panose="020B0609020204030204" pitchFamily="49" charset="0"/>
-              </a:rPr>
-              <a:t>.</a:t>
-            </a:r>
-            <a:r>
-              <a:rPr kumimoji="0" lang="de-DE" altLang="de-DE" sz="1200" b="0" i="0" u="none" strike="noStrike" cap="none" normalizeH="0" baseline="0">
-                <a:ln>
-                  <a:noFill/>
-                </a:ln>
-                <a:solidFill>
-                  <a:srgbClr val="FFC66D"/>
-                </a:solidFill>
-                <a:effectLst/>
-                <a:latin typeface="Consolas" panose="020B0609020204030204" pitchFamily="49" charset="0"/>
-              </a:rPr>
-              <a:t>getElementById</a:t>
-            </a:r>
-            <a:r>
-              <a:rPr kumimoji="0" lang="de-DE" altLang="de-DE" sz="1200" b="0" i="1" u="none" strike="noStrike" cap="none" normalizeH="0" baseline="0">
-                <a:ln>
-                  <a:noFill/>
-                </a:ln>
-                <a:solidFill>
-                  <a:srgbClr val="9876AA"/>
-                </a:solidFill>
-                <a:effectLst/>
-                <a:latin typeface="Consolas" panose="020B0609020204030204" pitchFamily="49" charset="0"/>
-              </a:rPr>
-              <a:t>(</a:t>
-            </a:r>
-            <a:r>
-              <a:rPr kumimoji="0" lang="de-DE" altLang="de-DE" sz="1200" b="0" i="0" u="none" strike="noStrike" cap="none" normalizeH="0" baseline="0">
-                <a:ln>
-                  <a:noFill/>
-                </a:ln>
-                <a:solidFill>
-                  <a:srgbClr val="6A8759"/>
-                </a:solidFill>
-                <a:effectLst/>
-                <a:latin typeface="Consolas" panose="020B0609020204030204" pitchFamily="49" charset="0"/>
-              </a:rPr>
-              <a:t>'absatz'</a:t>
-            </a:r>
-            <a:r>
-              <a:rPr kumimoji="0" lang="de-DE" altLang="de-DE" sz="1200" b="0" i="1" u="none" strike="noStrike" cap="none" normalizeH="0" baseline="0">
-                <a:ln>
-                  <a:noFill/>
-                </a:ln>
-                <a:solidFill>
-                  <a:srgbClr val="9876AA"/>
-                </a:solidFill>
-                <a:effectLst/>
-                <a:latin typeface="Consolas" panose="020B0609020204030204" pitchFamily="49" charset="0"/>
-              </a:rPr>
-              <a:t>)</a:t>
-            </a:r>
-            <a:r>
-              <a:rPr kumimoji="0" lang="de-DE" altLang="de-DE" sz="1200" b="0" i="0" u="none" strike="noStrike" cap="none" normalizeH="0" baseline="0">
-                <a:ln>
-                  <a:noFill/>
-                </a:ln>
-                <a:solidFill>
-                  <a:srgbClr val="A9B7C6"/>
-                </a:solidFill>
-                <a:effectLst/>
-                <a:latin typeface="Consolas" panose="020B0609020204030204" pitchFamily="49" charset="0"/>
-              </a:rPr>
-              <a:t>.</a:t>
-            </a:r>
-            <a:r>
-              <a:rPr kumimoji="0" lang="de-DE" altLang="de-DE" sz="1200" b="0" i="0" u="none" strike="noStrike" cap="none" normalizeH="0" baseline="0">
-                <a:ln>
-                  <a:noFill/>
-                </a:ln>
-                <a:solidFill>
-                  <a:srgbClr val="9876AA"/>
-                </a:solidFill>
-                <a:effectLst/>
-                <a:latin typeface="Consolas" panose="020B0609020204030204" pitchFamily="49" charset="0"/>
-              </a:rPr>
-              <a:t>style</a:t>
-            </a:r>
-            <a:r>
-              <a:rPr kumimoji="0" lang="de-DE" altLang="de-DE" sz="1200" b="0" i="0" u="none" strike="noStrike" cap="none" normalizeH="0" baseline="0">
-                <a:ln>
-                  <a:noFill/>
-                </a:ln>
-                <a:solidFill>
-                  <a:srgbClr val="A9B7C6"/>
-                </a:solidFill>
-                <a:effectLst/>
-                <a:latin typeface="Consolas" panose="020B0609020204030204" pitchFamily="49" charset="0"/>
-              </a:rPr>
-              <a:t>.</a:t>
-            </a:r>
-            <a:r>
-              <a:rPr kumimoji="0" lang="de-DE" altLang="de-DE" sz="1200" b="0" i="0" u="none" strike="noStrike" cap="none" normalizeH="0" baseline="0">
-                <a:ln>
-                  <a:noFill/>
-                </a:ln>
-                <a:solidFill>
-                  <a:srgbClr val="9876AA"/>
-                </a:solidFill>
-                <a:effectLst/>
-                <a:latin typeface="Consolas" panose="020B0609020204030204" pitchFamily="49" charset="0"/>
-              </a:rPr>
-              <a:t>fontSize </a:t>
-            </a:r>
-            <a:r>
-              <a:rPr kumimoji="0" lang="de-DE" altLang="de-DE" sz="1200" b="0" i="0" u="none" strike="noStrike" cap="none" normalizeH="0" baseline="0">
-                <a:ln>
-                  <a:noFill/>
-                </a:ln>
-                <a:solidFill>
-                  <a:srgbClr val="A9B7C6"/>
-                </a:solidFill>
-                <a:effectLst/>
-                <a:latin typeface="Consolas" panose="020B0609020204030204" pitchFamily="49" charset="0"/>
-              </a:rPr>
-              <a:t>= </a:t>
-            </a:r>
-            <a:r>
-              <a:rPr kumimoji="0" lang="de-DE" altLang="de-DE" sz="1200" b="0" i="0" u="none" strike="noStrike" cap="none" normalizeH="0" baseline="0">
-                <a:ln>
-                  <a:noFill/>
-                </a:ln>
-                <a:solidFill>
-                  <a:srgbClr val="6A8759"/>
-                </a:solidFill>
-                <a:effectLst/>
-                <a:latin typeface="Consolas" panose="020B0609020204030204" pitchFamily="49" charset="0"/>
-              </a:rPr>
-              <a:t>'50px'</a:t>
-            </a:r>
-            <a:r>
-              <a:rPr kumimoji="0" lang="de-DE" altLang="de-DE" sz="1200" b="0" i="0" u="none" strike="noStrike" cap="none" normalizeH="0" baseline="0">
-                <a:ln>
-                  <a:noFill/>
-                </a:ln>
-                <a:solidFill>
-                  <a:srgbClr val="CC7832"/>
-                </a:solidFill>
-                <a:effectLst/>
-                <a:latin typeface="Consolas" panose="020B0609020204030204" pitchFamily="49" charset="0"/>
-              </a:rPr>
-              <a:t>;</a:t>
-            </a:r>
-            <a:br>
-              <a:rPr kumimoji="0" lang="de-DE" altLang="de-DE" sz="1200" b="0" i="0" u="none" strike="noStrike" cap="none" normalizeH="0" baseline="0">
-                <a:ln>
-                  <a:noFill/>
-                </a:ln>
-                <a:solidFill>
-                  <a:srgbClr val="CC7832"/>
-                </a:solidFill>
-                <a:effectLst/>
-                <a:latin typeface="Consolas" panose="020B0609020204030204" pitchFamily="49" charset="0"/>
-              </a:rPr>
-            </a:br>
-            <a:r>
-              <a:rPr kumimoji="0" lang="de-DE" altLang="de-DE" sz="1200" b="0" i="0" u="none" strike="noStrike" cap="none" normalizeH="0" baseline="0">
-                <a:ln>
-                  <a:noFill/>
-                </a:ln>
-                <a:solidFill>
-                  <a:srgbClr val="CC7832"/>
-                </a:solidFill>
-                <a:effectLst/>
-                <a:latin typeface="Consolas" panose="020B0609020204030204" pitchFamily="49" charset="0"/>
-              </a:rPr>
-              <a:t>        </a:t>
-            </a:r>
-            <a:r>
-              <a:rPr kumimoji="0" lang="de-DE" altLang="de-DE" sz="1200" b="1" i="1" u="none" strike="noStrike" cap="none" normalizeH="0" baseline="0">
-                <a:ln>
-                  <a:noFill/>
-                </a:ln>
-                <a:solidFill>
-                  <a:srgbClr val="9876AA"/>
-                </a:solidFill>
-                <a:effectLst/>
-                <a:latin typeface="Consolas" panose="020B0609020204030204" pitchFamily="49" charset="0"/>
-              </a:rPr>
-              <a:t>document</a:t>
-            </a:r>
-            <a:r>
-              <a:rPr kumimoji="0" lang="de-DE" altLang="de-DE" sz="1200" b="0" i="0" u="none" strike="noStrike" cap="none" normalizeH="0" baseline="0">
-                <a:ln>
-                  <a:noFill/>
-                </a:ln>
-                <a:solidFill>
-                  <a:srgbClr val="A9B7C6"/>
-                </a:solidFill>
-                <a:effectLst/>
-                <a:latin typeface="Consolas" panose="020B0609020204030204" pitchFamily="49" charset="0"/>
-              </a:rPr>
-              <a:t>.</a:t>
-            </a:r>
-            <a:r>
-              <a:rPr kumimoji="0" lang="de-DE" altLang="de-DE" sz="1200" b="0" i="0" u="none" strike="noStrike" cap="none" normalizeH="0" baseline="0">
-                <a:ln>
-                  <a:noFill/>
-                </a:ln>
-                <a:solidFill>
-                  <a:srgbClr val="FFC66D"/>
-                </a:solidFill>
-                <a:effectLst/>
-                <a:latin typeface="Consolas" panose="020B0609020204030204" pitchFamily="49" charset="0"/>
-              </a:rPr>
-              <a:t>getElementById</a:t>
-            </a:r>
-            <a:r>
-              <a:rPr kumimoji="0" lang="de-DE" altLang="de-DE" sz="1200" b="0" i="1" u="none" strike="noStrike" cap="none" normalizeH="0" baseline="0">
-                <a:ln>
-                  <a:noFill/>
-                </a:ln>
-                <a:solidFill>
-                  <a:srgbClr val="9876AA"/>
-                </a:solidFill>
-                <a:effectLst/>
-                <a:latin typeface="Consolas" panose="020B0609020204030204" pitchFamily="49" charset="0"/>
-              </a:rPr>
-              <a:t>(</a:t>
-            </a:r>
-            <a:r>
-              <a:rPr kumimoji="0" lang="de-DE" altLang="de-DE" sz="1200" b="0" i="0" u="none" strike="noStrike" cap="none" normalizeH="0" baseline="0">
-                <a:ln>
-                  <a:noFill/>
-                </a:ln>
-                <a:solidFill>
-                  <a:srgbClr val="6A8759"/>
-                </a:solidFill>
-                <a:effectLst/>
-                <a:latin typeface="Consolas" panose="020B0609020204030204" pitchFamily="49" charset="0"/>
-              </a:rPr>
-              <a:t>'absatz'</a:t>
-            </a:r>
-            <a:r>
-              <a:rPr kumimoji="0" lang="de-DE" altLang="de-DE" sz="1200" b="0" i="1" u="none" strike="noStrike" cap="none" normalizeH="0" baseline="0">
-                <a:ln>
-                  <a:noFill/>
-                </a:ln>
-                <a:solidFill>
-                  <a:srgbClr val="9876AA"/>
-                </a:solidFill>
-                <a:effectLst/>
-                <a:latin typeface="Consolas" panose="020B0609020204030204" pitchFamily="49" charset="0"/>
-              </a:rPr>
-              <a:t>)</a:t>
-            </a:r>
-            <a:r>
-              <a:rPr kumimoji="0" lang="de-DE" altLang="de-DE" sz="1200" b="0" i="0" u="none" strike="noStrike" cap="none" normalizeH="0" baseline="0">
-                <a:ln>
-                  <a:noFill/>
-                </a:ln>
-                <a:solidFill>
-                  <a:srgbClr val="A9B7C6"/>
-                </a:solidFill>
-                <a:effectLst/>
-                <a:latin typeface="Consolas" panose="020B0609020204030204" pitchFamily="49" charset="0"/>
-              </a:rPr>
-              <a:t>.</a:t>
-            </a:r>
-            <a:r>
-              <a:rPr kumimoji="0" lang="de-DE" altLang="de-DE" sz="1200" b="0" i="0" u="none" strike="noStrike" cap="none" normalizeH="0" baseline="0">
-                <a:ln>
-                  <a:noFill/>
-                </a:ln>
-                <a:solidFill>
-                  <a:srgbClr val="9876AA"/>
-                </a:solidFill>
-                <a:effectLst/>
-                <a:latin typeface="Consolas" panose="020B0609020204030204" pitchFamily="49" charset="0"/>
-              </a:rPr>
-              <a:t>style</a:t>
-            </a:r>
-            <a:r>
-              <a:rPr kumimoji="0" lang="de-DE" altLang="de-DE" sz="1200" b="0" i="0" u="none" strike="noStrike" cap="none" normalizeH="0" baseline="0">
-                <a:ln>
-                  <a:noFill/>
-                </a:ln>
-                <a:solidFill>
-                  <a:srgbClr val="A9B7C6"/>
-                </a:solidFill>
-                <a:effectLst/>
-                <a:latin typeface="Consolas" panose="020B0609020204030204" pitchFamily="49" charset="0"/>
-              </a:rPr>
-              <a:t>.</a:t>
-            </a:r>
-            <a:r>
-              <a:rPr kumimoji="0" lang="de-DE" altLang="de-DE" sz="1200" b="0" i="0" u="none" strike="noStrike" cap="none" normalizeH="0" baseline="0">
-                <a:ln>
-                  <a:noFill/>
-                </a:ln>
-                <a:solidFill>
-                  <a:srgbClr val="9876AA"/>
-                </a:solidFill>
-                <a:effectLst/>
-                <a:latin typeface="Consolas" panose="020B0609020204030204" pitchFamily="49" charset="0"/>
-              </a:rPr>
-              <a:t>color </a:t>
-            </a:r>
-            <a:r>
-              <a:rPr kumimoji="0" lang="de-DE" altLang="de-DE" sz="1200" b="0" i="0" u="none" strike="noStrike" cap="none" normalizeH="0" baseline="0">
-                <a:ln>
-                  <a:noFill/>
-                </a:ln>
-                <a:solidFill>
-                  <a:srgbClr val="A9B7C6"/>
-                </a:solidFill>
-                <a:effectLst/>
-                <a:latin typeface="Consolas" panose="020B0609020204030204" pitchFamily="49" charset="0"/>
-              </a:rPr>
-              <a:t>= </a:t>
-            </a:r>
-            <a:r>
-              <a:rPr kumimoji="0" lang="de-DE" altLang="de-DE" sz="1200" b="0" i="0" u="none" strike="noStrike" cap="none" normalizeH="0" baseline="0">
-                <a:ln>
-                  <a:noFill/>
-                </a:ln>
-                <a:solidFill>
-                  <a:srgbClr val="6A8759"/>
-                </a:solidFill>
-                <a:effectLst/>
-                <a:latin typeface="Consolas" panose="020B0609020204030204" pitchFamily="49" charset="0"/>
-              </a:rPr>
-              <a:t>"red"</a:t>
-            </a:r>
-            <a:r>
-              <a:rPr kumimoji="0" lang="de-DE" altLang="de-DE" sz="1200" b="0" i="0" u="none" strike="noStrike" cap="none" normalizeH="0" baseline="0">
-                <a:ln>
-                  <a:noFill/>
-                </a:ln>
-                <a:solidFill>
-                  <a:srgbClr val="CC7832"/>
-                </a:solidFill>
-                <a:effectLst/>
-                <a:latin typeface="Consolas" panose="020B0609020204030204" pitchFamily="49" charset="0"/>
-              </a:rPr>
-              <a:t>;</a:t>
-            </a:r>
-            <a:br>
-              <a:rPr kumimoji="0" lang="de-DE" altLang="de-DE" sz="1200" b="0" i="0" u="none" strike="noStrike" cap="none" normalizeH="0" baseline="0">
-                <a:ln>
-                  <a:noFill/>
-                </a:ln>
-                <a:solidFill>
-                  <a:srgbClr val="CC7832"/>
-                </a:solidFill>
-                <a:effectLst/>
-                <a:latin typeface="Consolas" panose="020B0609020204030204" pitchFamily="49" charset="0"/>
-              </a:rPr>
-            </a:br>
-            <a:r>
-              <a:rPr kumimoji="0" lang="de-DE" altLang="de-DE" sz="1200" b="0" i="0" u="none" strike="noStrike" cap="none" normalizeH="0" baseline="0">
-                <a:ln>
-                  <a:noFill/>
-                </a:ln>
-                <a:solidFill>
-                  <a:srgbClr val="CC7832"/>
-                </a:solidFill>
-                <a:effectLst/>
-                <a:latin typeface="Consolas" panose="020B0609020204030204" pitchFamily="49" charset="0"/>
-              </a:rPr>
-              <a:t>        </a:t>
-            </a:r>
-            <a:r>
-              <a:rPr kumimoji="0" lang="de-DE" altLang="de-DE" sz="1200" b="1" i="1" u="none" strike="noStrike" cap="none" normalizeH="0" baseline="0">
-                <a:ln>
-                  <a:noFill/>
-                </a:ln>
-                <a:solidFill>
-                  <a:srgbClr val="9876AA"/>
-                </a:solidFill>
-                <a:effectLst/>
-                <a:latin typeface="Consolas" panose="020B0609020204030204" pitchFamily="49" charset="0"/>
-              </a:rPr>
-              <a:t>document</a:t>
-            </a:r>
-            <a:r>
-              <a:rPr kumimoji="0" lang="de-DE" altLang="de-DE" sz="1200" b="0" i="0" u="none" strike="noStrike" cap="none" normalizeH="0" baseline="0">
-                <a:ln>
-                  <a:noFill/>
-                </a:ln>
-                <a:solidFill>
-                  <a:srgbClr val="A9B7C6"/>
-                </a:solidFill>
-                <a:effectLst/>
-                <a:latin typeface="Consolas" panose="020B0609020204030204" pitchFamily="49" charset="0"/>
-              </a:rPr>
-              <a:t>.</a:t>
-            </a:r>
-            <a:r>
-              <a:rPr kumimoji="0" lang="de-DE" altLang="de-DE" sz="1200" b="0" i="0" u="none" strike="noStrike" cap="none" normalizeH="0" baseline="0">
-                <a:ln>
-                  <a:noFill/>
-                </a:ln>
-                <a:solidFill>
-                  <a:srgbClr val="FFC66D"/>
-                </a:solidFill>
-                <a:effectLst/>
-                <a:latin typeface="Consolas" panose="020B0609020204030204" pitchFamily="49" charset="0"/>
-              </a:rPr>
-              <a:t>getElementById</a:t>
-            </a:r>
-            <a:r>
-              <a:rPr kumimoji="0" lang="de-DE" altLang="de-DE" sz="1200" b="0" i="1" u="none" strike="noStrike" cap="none" normalizeH="0" baseline="0">
-                <a:ln>
-                  <a:noFill/>
-                </a:ln>
-                <a:solidFill>
-                  <a:srgbClr val="9876AA"/>
-                </a:solidFill>
-                <a:effectLst/>
-                <a:latin typeface="Consolas" panose="020B0609020204030204" pitchFamily="49" charset="0"/>
-              </a:rPr>
-              <a:t>(</a:t>
-            </a:r>
-            <a:r>
-              <a:rPr kumimoji="0" lang="de-DE" altLang="de-DE" sz="1200" b="0" i="0" u="none" strike="noStrike" cap="none" normalizeH="0" baseline="0">
-                <a:ln>
-                  <a:noFill/>
-                </a:ln>
-                <a:solidFill>
-                  <a:srgbClr val="6A8759"/>
-                </a:solidFill>
-                <a:effectLst/>
-                <a:latin typeface="Consolas" panose="020B0609020204030204" pitchFamily="49" charset="0"/>
-              </a:rPr>
-              <a:t>'absatz'</a:t>
-            </a:r>
-            <a:r>
-              <a:rPr kumimoji="0" lang="de-DE" altLang="de-DE" sz="1200" b="0" i="1" u="none" strike="noStrike" cap="none" normalizeH="0" baseline="0">
-                <a:ln>
-                  <a:noFill/>
-                </a:ln>
-                <a:solidFill>
-                  <a:srgbClr val="9876AA"/>
-                </a:solidFill>
-                <a:effectLst/>
-                <a:latin typeface="Consolas" panose="020B0609020204030204" pitchFamily="49" charset="0"/>
-              </a:rPr>
-              <a:t>)</a:t>
-            </a:r>
-            <a:r>
-              <a:rPr kumimoji="0" lang="de-DE" altLang="de-DE" sz="1200" b="0" i="0" u="none" strike="noStrike" cap="none" normalizeH="0" baseline="0">
-                <a:ln>
-                  <a:noFill/>
-                </a:ln>
-                <a:solidFill>
-                  <a:srgbClr val="A9B7C6"/>
-                </a:solidFill>
-                <a:effectLst/>
-                <a:latin typeface="Consolas" panose="020B0609020204030204" pitchFamily="49" charset="0"/>
-              </a:rPr>
-              <a:t>.</a:t>
-            </a:r>
-            <a:r>
-              <a:rPr kumimoji="0" lang="de-DE" altLang="de-DE" sz="1200" b="0" i="0" u="none" strike="noStrike" cap="none" normalizeH="0" baseline="0">
-                <a:ln>
-                  <a:noFill/>
-                </a:ln>
-                <a:solidFill>
-                  <a:srgbClr val="9876AA"/>
-                </a:solidFill>
-                <a:effectLst/>
-                <a:latin typeface="Consolas" panose="020B0609020204030204" pitchFamily="49" charset="0"/>
-              </a:rPr>
-              <a:t>style</a:t>
-            </a:r>
-            <a:r>
-              <a:rPr kumimoji="0" lang="de-DE" altLang="de-DE" sz="1200" b="0" i="0" u="none" strike="noStrike" cap="none" normalizeH="0" baseline="0">
-                <a:ln>
-                  <a:noFill/>
-                </a:ln>
-                <a:solidFill>
-                  <a:srgbClr val="A9B7C6"/>
-                </a:solidFill>
-                <a:effectLst/>
-                <a:latin typeface="Consolas" panose="020B0609020204030204" pitchFamily="49" charset="0"/>
-              </a:rPr>
-              <a:t>.</a:t>
-            </a:r>
-            <a:r>
-              <a:rPr kumimoji="0" lang="de-DE" altLang="de-DE" sz="1200" b="0" i="0" u="none" strike="noStrike" cap="none" normalizeH="0" baseline="0">
-                <a:ln>
-                  <a:noFill/>
-                </a:ln>
-                <a:solidFill>
-                  <a:srgbClr val="9876AA"/>
-                </a:solidFill>
-                <a:effectLst/>
-                <a:latin typeface="Consolas" panose="020B0609020204030204" pitchFamily="49" charset="0"/>
-              </a:rPr>
-              <a:t>border </a:t>
-            </a:r>
-            <a:r>
-              <a:rPr kumimoji="0" lang="de-DE" altLang="de-DE" sz="1200" b="0" i="0" u="none" strike="noStrike" cap="none" normalizeH="0" baseline="0">
-                <a:ln>
-                  <a:noFill/>
-                </a:ln>
-                <a:solidFill>
-                  <a:srgbClr val="A9B7C6"/>
-                </a:solidFill>
-                <a:effectLst/>
-                <a:latin typeface="Consolas" panose="020B0609020204030204" pitchFamily="49" charset="0"/>
-              </a:rPr>
-              <a:t>= </a:t>
-            </a:r>
-            <a:r>
-              <a:rPr kumimoji="0" lang="de-DE" altLang="de-DE" sz="1200" b="0" i="0" u="none" strike="noStrike" cap="none" normalizeH="0" baseline="0">
-                <a:ln>
-                  <a:noFill/>
-                </a:ln>
-                <a:solidFill>
-                  <a:srgbClr val="6A8759"/>
-                </a:solidFill>
-                <a:effectLst/>
-                <a:latin typeface="Consolas" panose="020B0609020204030204" pitchFamily="49" charset="0"/>
-              </a:rPr>
-              <a:t>"3px solid black"</a:t>
-            </a:r>
-            <a:r>
-              <a:rPr kumimoji="0" lang="de-DE" altLang="de-DE" sz="1200" b="0" i="0" u="none" strike="noStrike" cap="none" normalizeH="0" baseline="0">
-                <a:ln>
-                  <a:noFill/>
-                </a:ln>
-                <a:solidFill>
-                  <a:srgbClr val="CC7832"/>
-                </a:solidFill>
-                <a:effectLst/>
-                <a:latin typeface="Consolas" panose="020B0609020204030204" pitchFamily="49" charset="0"/>
-              </a:rPr>
-              <a:t>;</a:t>
-            </a:r>
-            <a:br>
-              <a:rPr kumimoji="0" lang="de-DE" altLang="de-DE" sz="1200" b="0" i="0" u="none" strike="noStrike" cap="none" normalizeH="0" baseline="0">
-                <a:ln>
-                  <a:noFill/>
-                </a:ln>
-                <a:solidFill>
-                  <a:srgbClr val="CC7832"/>
-                </a:solidFill>
-                <a:effectLst/>
-                <a:latin typeface="Consolas" panose="020B0609020204030204" pitchFamily="49" charset="0"/>
-              </a:rPr>
-            </a:br>
-            <a:r>
-              <a:rPr kumimoji="0" lang="de-DE" altLang="de-DE" sz="1200" b="0" i="0" u="none" strike="noStrike" cap="none" normalizeH="0" baseline="0">
-                <a:ln>
-                  <a:noFill/>
-                </a:ln>
-                <a:solidFill>
-                  <a:srgbClr val="CC7832"/>
-                </a:solidFill>
-                <a:effectLst/>
-                <a:latin typeface="Consolas" panose="020B0609020204030204" pitchFamily="49" charset="0"/>
-              </a:rPr>
-              <a:t>        </a:t>
-            </a:r>
-            <a:r>
-              <a:rPr kumimoji="0" lang="de-DE" altLang="de-DE" sz="1200" b="1" i="1" u="none" strike="noStrike" cap="none" normalizeH="0" baseline="0">
-                <a:ln>
-                  <a:noFill/>
-                </a:ln>
-                <a:solidFill>
-                  <a:srgbClr val="9876AA"/>
-                </a:solidFill>
-                <a:effectLst/>
-                <a:latin typeface="Consolas" panose="020B0609020204030204" pitchFamily="49" charset="0"/>
-              </a:rPr>
-              <a:t>document</a:t>
-            </a:r>
-            <a:r>
-              <a:rPr kumimoji="0" lang="de-DE" altLang="de-DE" sz="1200" b="0" i="0" u="none" strike="noStrike" cap="none" normalizeH="0" baseline="0">
-                <a:ln>
-                  <a:noFill/>
-                </a:ln>
-                <a:solidFill>
-                  <a:srgbClr val="A9B7C6"/>
-                </a:solidFill>
-                <a:effectLst/>
-                <a:latin typeface="Consolas" panose="020B0609020204030204" pitchFamily="49" charset="0"/>
-              </a:rPr>
-              <a:t>.</a:t>
-            </a:r>
-            <a:r>
-              <a:rPr kumimoji="0" lang="de-DE" altLang="de-DE" sz="1200" b="0" i="0" u="none" strike="noStrike" cap="none" normalizeH="0" baseline="0">
-                <a:ln>
-                  <a:noFill/>
-                </a:ln>
-                <a:solidFill>
-                  <a:srgbClr val="FFC66D"/>
-                </a:solidFill>
-                <a:effectLst/>
-                <a:latin typeface="Consolas" panose="020B0609020204030204" pitchFamily="49" charset="0"/>
-              </a:rPr>
-              <a:t>getElementById</a:t>
-            </a:r>
-            <a:r>
-              <a:rPr kumimoji="0" lang="de-DE" altLang="de-DE" sz="1200" b="0" i="1" u="none" strike="noStrike" cap="none" normalizeH="0" baseline="0">
-                <a:ln>
-                  <a:noFill/>
-                </a:ln>
-                <a:solidFill>
-                  <a:srgbClr val="9876AA"/>
-                </a:solidFill>
-                <a:effectLst/>
-                <a:latin typeface="Consolas" panose="020B0609020204030204" pitchFamily="49" charset="0"/>
-              </a:rPr>
-              <a:t>(</a:t>
-            </a:r>
-            <a:r>
-              <a:rPr kumimoji="0" lang="de-DE" altLang="de-DE" sz="1200" b="0" i="0" u="none" strike="noStrike" cap="none" normalizeH="0" baseline="0">
-                <a:ln>
-                  <a:noFill/>
-                </a:ln>
-                <a:solidFill>
-                  <a:srgbClr val="6A8759"/>
-                </a:solidFill>
-                <a:effectLst/>
-                <a:latin typeface="Consolas" panose="020B0609020204030204" pitchFamily="49" charset="0"/>
-              </a:rPr>
-              <a:t>'absatz'</a:t>
-            </a:r>
-            <a:r>
-              <a:rPr kumimoji="0" lang="de-DE" altLang="de-DE" sz="1200" b="0" i="1" u="none" strike="noStrike" cap="none" normalizeH="0" baseline="0">
-                <a:ln>
-                  <a:noFill/>
-                </a:ln>
-                <a:solidFill>
-                  <a:srgbClr val="9876AA"/>
-                </a:solidFill>
-                <a:effectLst/>
-                <a:latin typeface="Consolas" panose="020B0609020204030204" pitchFamily="49" charset="0"/>
-              </a:rPr>
-              <a:t>)</a:t>
-            </a:r>
-            <a:r>
-              <a:rPr kumimoji="0" lang="de-DE" altLang="de-DE" sz="1200" b="0" i="0" u="none" strike="noStrike" cap="none" normalizeH="0" baseline="0">
-                <a:ln>
-                  <a:noFill/>
-                </a:ln>
-                <a:solidFill>
-                  <a:srgbClr val="A9B7C6"/>
-                </a:solidFill>
-                <a:effectLst/>
-                <a:latin typeface="Consolas" panose="020B0609020204030204" pitchFamily="49" charset="0"/>
-              </a:rPr>
-              <a:t>.</a:t>
-            </a:r>
-            <a:r>
-              <a:rPr kumimoji="0" lang="de-DE" altLang="de-DE" sz="1200" b="0" i="0" u="none" strike="noStrike" cap="none" normalizeH="0" baseline="0">
-                <a:ln>
-                  <a:noFill/>
-                </a:ln>
-                <a:solidFill>
-                  <a:srgbClr val="9876AA"/>
-                </a:solidFill>
-                <a:effectLst/>
-                <a:latin typeface="Consolas" panose="020B0609020204030204" pitchFamily="49" charset="0"/>
-              </a:rPr>
-              <a:t>style</a:t>
-            </a:r>
-            <a:r>
-              <a:rPr kumimoji="0" lang="de-DE" altLang="de-DE" sz="1200" b="0" i="0" u="none" strike="noStrike" cap="none" normalizeH="0" baseline="0">
-                <a:ln>
-                  <a:noFill/>
-                </a:ln>
-                <a:solidFill>
-                  <a:srgbClr val="A9B7C6"/>
-                </a:solidFill>
-                <a:effectLst/>
-                <a:latin typeface="Consolas" panose="020B0609020204030204" pitchFamily="49" charset="0"/>
-              </a:rPr>
-              <a:t>.</a:t>
-            </a:r>
-            <a:r>
-              <a:rPr kumimoji="0" lang="de-DE" altLang="de-DE" sz="1200" b="0" i="0" u="none" strike="noStrike" cap="none" normalizeH="0" baseline="0">
-                <a:ln>
-                  <a:noFill/>
-                </a:ln>
-                <a:solidFill>
-                  <a:srgbClr val="9876AA"/>
-                </a:solidFill>
-                <a:effectLst/>
-                <a:latin typeface="Consolas" panose="020B0609020204030204" pitchFamily="49" charset="0"/>
-              </a:rPr>
-              <a:t>width </a:t>
-            </a:r>
-            <a:r>
-              <a:rPr kumimoji="0" lang="de-DE" altLang="de-DE" sz="1200" b="0" i="0" u="none" strike="noStrike" cap="none" normalizeH="0" baseline="0">
-                <a:ln>
-                  <a:noFill/>
-                </a:ln>
-                <a:solidFill>
-                  <a:srgbClr val="A9B7C6"/>
-                </a:solidFill>
-                <a:effectLst/>
-                <a:latin typeface="Consolas" panose="020B0609020204030204" pitchFamily="49" charset="0"/>
-              </a:rPr>
-              <a:t>= </a:t>
-            </a:r>
-            <a:r>
-              <a:rPr kumimoji="0" lang="de-DE" altLang="de-DE" sz="1200" b="0" i="0" u="none" strike="noStrike" cap="none" normalizeH="0" baseline="0">
-                <a:ln>
-                  <a:noFill/>
-                </a:ln>
-                <a:solidFill>
-                  <a:srgbClr val="6A8759"/>
-                </a:solidFill>
-                <a:effectLst/>
-                <a:latin typeface="Consolas" panose="020B0609020204030204" pitchFamily="49" charset="0"/>
-              </a:rPr>
-              <a:t>"300px"</a:t>
-            </a:r>
-            <a:r>
-              <a:rPr kumimoji="0" lang="de-DE" altLang="de-DE" sz="1200" b="0" i="0" u="none" strike="noStrike" cap="none" normalizeH="0" baseline="0">
-                <a:ln>
-                  <a:noFill/>
-                </a:ln>
-                <a:solidFill>
-                  <a:srgbClr val="CC7832"/>
-                </a:solidFill>
-                <a:effectLst/>
-                <a:latin typeface="Consolas" panose="020B0609020204030204" pitchFamily="49" charset="0"/>
-              </a:rPr>
-              <a:t>;</a:t>
-            </a:r>
-            <a:br>
-              <a:rPr kumimoji="0" lang="de-DE" altLang="de-DE" sz="1200" b="0" i="0" u="none" strike="noStrike" cap="none" normalizeH="0" baseline="0">
-                <a:ln>
-                  <a:noFill/>
-                </a:ln>
-                <a:solidFill>
-                  <a:srgbClr val="CC7832"/>
-                </a:solidFill>
-                <a:effectLst/>
-                <a:latin typeface="Consolas" panose="020B0609020204030204" pitchFamily="49" charset="0"/>
-              </a:rPr>
-            </a:br>
-            <a:r>
-              <a:rPr kumimoji="0" lang="de-DE" altLang="de-DE" sz="1200" b="0" i="0" u="none" strike="noStrike" cap="none" normalizeH="0" baseline="0">
-                <a:ln>
-                  <a:noFill/>
-                </a:ln>
-                <a:solidFill>
-                  <a:srgbClr val="CC7832"/>
-                </a:solidFill>
-                <a:effectLst/>
-                <a:latin typeface="Consolas" panose="020B0609020204030204" pitchFamily="49" charset="0"/>
-              </a:rPr>
-              <a:t>    </a:t>
-            </a:r>
-            <a:r>
-              <a:rPr kumimoji="0" lang="de-DE" altLang="de-DE" sz="1200" b="0" i="1" u="none" strike="noStrike" cap="none" normalizeH="0" baseline="0">
-                <a:ln>
-                  <a:noFill/>
-                </a:ln>
-                <a:solidFill>
-                  <a:srgbClr val="9876AA"/>
-                </a:solidFill>
-                <a:effectLst/>
-                <a:latin typeface="Consolas" panose="020B0609020204030204" pitchFamily="49" charset="0"/>
-              </a:rPr>
-              <a:t>}</a:t>
-            </a:r>
-            <a:br>
-              <a:rPr kumimoji="0" lang="de-DE" altLang="de-DE" sz="1200" b="0" i="1" u="none" strike="noStrike" cap="none" normalizeH="0" baseline="0">
-                <a:ln>
-                  <a:noFill/>
-                </a:ln>
-                <a:solidFill>
-                  <a:srgbClr val="9876AA"/>
-                </a:solidFill>
-                <a:effectLst/>
-                <a:latin typeface="Consolas" panose="020B0609020204030204" pitchFamily="49" charset="0"/>
-              </a:rPr>
-            </a:br>
-            <a:r>
-              <a:rPr kumimoji="0" lang="de-DE" altLang="de-DE" sz="1200" b="0" i="1" u="none" strike="noStrike" cap="none" normalizeH="0" baseline="0">
-                <a:ln>
-                  <a:noFill/>
-                </a:ln>
-                <a:solidFill>
-                  <a:srgbClr val="9876AA"/>
-                </a:solidFill>
-                <a:effectLst/>
-                <a:latin typeface="Consolas" panose="020B0609020204030204" pitchFamily="49" charset="0"/>
-              </a:rPr>
-              <a:t>    </a:t>
-            </a:r>
-            <a:r>
-              <a:rPr kumimoji="0" lang="de-DE" altLang="de-DE" sz="1200" b="0" i="0" u="none" strike="noStrike" cap="none" normalizeH="0" baseline="0">
-                <a:ln>
-                  <a:noFill/>
-                </a:ln>
-                <a:solidFill>
-                  <a:srgbClr val="CC7832"/>
-                </a:solidFill>
-                <a:effectLst/>
-                <a:latin typeface="Consolas" panose="020B0609020204030204" pitchFamily="49" charset="0"/>
-              </a:rPr>
-              <a:t>function </a:t>
-            </a:r>
-            <a:r>
-              <a:rPr kumimoji="0" lang="de-DE" altLang="de-DE" sz="1200" b="0" i="0" u="none" strike="noStrike" cap="none" normalizeH="0" baseline="0">
-                <a:ln>
-                  <a:noFill/>
-                </a:ln>
-                <a:solidFill>
-                  <a:srgbClr val="FFC66D"/>
-                </a:solidFill>
-                <a:effectLst/>
-                <a:latin typeface="Consolas" panose="020B0609020204030204" pitchFamily="49" charset="0"/>
-              </a:rPr>
-              <a:t>layout3</a:t>
-            </a:r>
-            <a:r>
-              <a:rPr kumimoji="0" lang="de-DE" altLang="de-DE" sz="1200" b="0" i="1" u="none" strike="noStrike" cap="none" normalizeH="0" baseline="0">
-                <a:ln>
-                  <a:noFill/>
-                </a:ln>
-                <a:solidFill>
-                  <a:srgbClr val="9876AA"/>
-                </a:solidFill>
-                <a:effectLst/>
-                <a:latin typeface="Consolas" panose="020B0609020204030204" pitchFamily="49" charset="0"/>
-              </a:rPr>
-              <a:t>() {</a:t>
-            </a:r>
-            <a:br>
-              <a:rPr kumimoji="0" lang="de-DE" altLang="de-DE" sz="1200" b="0" i="1" u="none" strike="noStrike" cap="none" normalizeH="0" baseline="0">
-                <a:ln>
-                  <a:noFill/>
-                </a:ln>
-                <a:solidFill>
-                  <a:srgbClr val="9876AA"/>
-                </a:solidFill>
-                <a:effectLst/>
-                <a:latin typeface="Consolas" panose="020B0609020204030204" pitchFamily="49" charset="0"/>
-              </a:rPr>
-            </a:br>
-            <a:r>
-              <a:rPr kumimoji="0" lang="de-DE" altLang="de-DE" sz="1200" b="0" i="1" u="none" strike="noStrike" cap="none" normalizeH="0" baseline="0">
-                <a:ln>
-                  <a:noFill/>
-                </a:ln>
-                <a:solidFill>
-                  <a:srgbClr val="9876AA"/>
-                </a:solidFill>
-                <a:effectLst/>
-                <a:latin typeface="Consolas" panose="020B0609020204030204" pitchFamily="49" charset="0"/>
-              </a:rPr>
-              <a:t>        </a:t>
-            </a:r>
-            <a:r>
-              <a:rPr kumimoji="0" lang="de-DE" altLang="de-DE" sz="1200" b="1" i="1" u="none" strike="noStrike" cap="none" normalizeH="0" baseline="0">
-                <a:ln>
-                  <a:noFill/>
-                </a:ln>
-                <a:solidFill>
-                  <a:srgbClr val="9876AA"/>
-                </a:solidFill>
-                <a:effectLst/>
-                <a:latin typeface="Consolas" panose="020B0609020204030204" pitchFamily="49" charset="0"/>
-              </a:rPr>
-              <a:t>document</a:t>
-            </a:r>
-            <a:r>
-              <a:rPr kumimoji="0" lang="de-DE" altLang="de-DE" sz="1200" b="0" i="0" u="none" strike="noStrike" cap="none" normalizeH="0" baseline="0">
-                <a:ln>
-                  <a:noFill/>
-                </a:ln>
-                <a:solidFill>
-                  <a:srgbClr val="A9B7C6"/>
-                </a:solidFill>
-                <a:effectLst/>
-                <a:latin typeface="Consolas" panose="020B0609020204030204" pitchFamily="49" charset="0"/>
-              </a:rPr>
-              <a:t>.</a:t>
-            </a:r>
-            <a:r>
-              <a:rPr kumimoji="0" lang="de-DE" altLang="de-DE" sz="1200" b="0" i="0" u="none" strike="noStrike" cap="none" normalizeH="0" baseline="0">
-                <a:ln>
-                  <a:noFill/>
-                </a:ln>
-                <a:solidFill>
-                  <a:srgbClr val="FFC66D"/>
-                </a:solidFill>
-                <a:effectLst/>
-                <a:latin typeface="Consolas" panose="020B0609020204030204" pitchFamily="49" charset="0"/>
-              </a:rPr>
-              <a:t>getElementById</a:t>
-            </a:r>
-            <a:r>
-              <a:rPr kumimoji="0" lang="de-DE" altLang="de-DE" sz="1200" b="0" i="1" u="none" strike="noStrike" cap="none" normalizeH="0" baseline="0">
-                <a:ln>
-                  <a:noFill/>
-                </a:ln>
-                <a:solidFill>
-                  <a:srgbClr val="9876AA"/>
-                </a:solidFill>
-                <a:effectLst/>
-                <a:latin typeface="Consolas" panose="020B0609020204030204" pitchFamily="49" charset="0"/>
-              </a:rPr>
-              <a:t>(</a:t>
-            </a:r>
-            <a:r>
-              <a:rPr kumimoji="0" lang="de-DE" altLang="de-DE" sz="1200" b="0" i="0" u="none" strike="noStrike" cap="none" normalizeH="0" baseline="0">
-                <a:ln>
-                  <a:noFill/>
-                </a:ln>
-                <a:solidFill>
-                  <a:srgbClr val="6A8759"/>
-                </a:solidFill>
-                <a:effectLst/>
-                <a:latin typeface="Consolas" panose="020B0609020204030204" pitchFamily="49" charset="0"/>
-              </a:rPr>
-              <a:t>'absatz'</a:t>
-            </a:r>
-            <a:r>
-              <a:rPr kumimoji="0" lang="de-DE" altLang="de-DE" sz="1200" b="0" i="1" u="none" strike="noStrike" cap="none" normalizeH="0" baseline="0">
-                <a:ln>
-                  <a:noFill/>
-                </a:ln>
-                <a:solidFill>
-                  <a:srgbClr val="9876AA"/>
-                </a:solidFill>
-                <a:effectLst/>
-                <a:latin typeface="Consolas" panose="020B0609020204030204" pitchFamily="49" charset="0"/>
-              </a:rPr>
-              <a:t>)</a:t>
-            </a:r>
-            <a:r>
-              <a:rPr kumimoji="0" lang="de-DE" altLang="de-DE" sz="1200" b="0" i="0" u="none" strike="noStrike" cap="none" normalizeH="0" baseline="0">
-                <a:ln>
-                  <a:noFill/>
-                </a:ln>
-                <a:solidFill>
-                  <a:srgbClr val="A9B7C6"/>
-                </a:solidFill>
-                <a:effectLst/>
-                <a:latin typeface="Consolas" panose="020B0609020204030204" pitchFamily="49" charset="0"/>
-              </a:rPr>
-              <a:t>.</a:t>
-            </a:r>
-            <a:r>
-              <a:rPr kumimoji="0" lang="de-DE" altLang="de-DE" sz="1200" b="0" i="0" u="none" strike="noStrike" cap="none" normalizeH="0" baseline="0">
-                <a:ln>
-                  <a:noFill/>
-                </a:ln>
-                <a:solidFill>
-                  <a:srgbClr val="9876AA"/>
-                </a:solidFill>
-                <a:effectLst/>
-                <a:latin typeface="Consolas" panose="020B0609020204030204" pitchFamily="49" charset="0"/>
-              </a:rPr>
-              <a:t>style</a:t>
-            </a:r>
-            <a:r>
-              <a:rPr kumimoji="0" lang="de-DE" altLang="de-DE" sz="1200" b="0" i="0" u="none" strike="noStrike" cap="none" normalizeH="0" baseline="0">
-                <a:ln>
-                  <a:noFill/>
-                </a:ln>
-                <a:solidFill>
-                  <a:srgbClr val="A9B7C6"/>
-                </a:solidFill>
-                <a:effectLst/>
-                <a:latin typeface="Consolas" panose="020B0609020204030204" pitchFamily="49" charset="0"/>
-              </a:rPr>
-              <a:t>.</a:t>
-            </a:r>
-            <a:r>
-              <a:rPr kumimoji="0" lang="de-DE" altLang="de-DE" sz="1200" b="0" i="0" u="none" strike="noStrike" cap="none" normalizeH="0" baseline="0">
-                <a:ln>
-                  <a:noFill/>
-                </a:ln>
-                <a:solidFill>
-                  <a:srgbClr val="9876AA"/>
-                </a:solidFill>
-                <a:effectLst/>
-                <a:latin typeface="Consolas" panose="020B0609020204030204" pitchFamily="49" charset="0"/>
-              </a:rPr>
-              <a:t>backgroundColor </a:t>
-            </a:r>
-            <a:r>
-              <a:rPr kumimoji="0" lang="de-DE" altLang="de-DE" sz="1200" b="0" i="0" u="none" strike="noStrike" cap="none" normalizeH="0" baseline="0">
-                <a:ln>
-                  <a:noFill/>
-                </a:ln>
-                <a:solidFill>
-                  <a:srgbClr val="A9B7C6"/>
-                </a:solidFill>
-                <a:effectLst/>
-                <a:latin typeface="Consolas" panose="020B0609020204030204" pitchFamily="49" charset="0"/>
-              </a:rPr>
-              <a:t>= </a:t>
-            </a:r>
-            <a:r>
-              <a:rPr kumimoji="0" lang="de-DE" altLang="de-DE" sz="1200" b="0" i="0" u="none" strike="noStrike" cap="none" normalizeH="0" baseline="0">
-                <a:ln>
-                  <a:noFill/>
-                </a:ln>
-                <a:solidFill>
-                  <a:srgbClr val="6A8759"/>
-                </a:solidFill>
-                <a:effectLst/>
-                <a:latin typeface="Consolas" panose="020B0609020204030204" pitchFamily="49" charset="0"/>
-              </a:rPr>
-              <a:t>"grey"</a:t>
-            </a:r>
-            <a:r>
-              <a:rPr kumimoji="0" lang="de-DE" altLang="de-DE" sz="1200" b="0" i="0" u="none" strike="noStrike" cap="none" normalizeH="0" baseline="0">
-                <a:ln>
-                  <a:noFill/>
-                </a:ln>
-                <a:solidFill>
-                  <a:srgbClr val="CC7832"/>
-                </a:solidFill>
-                <a:effectLst/>
-                <a:latin typeface="Consolas" panose="020B0609020204030204" pitchFamily="49" charset="0"/>
-              </a:rPr>
-              <a:t>;</a:t>
-            </a:r>
-            <a:br>
-              <a:rPr kumimoji="0" lang="de-DE" altLang="de-DE" sz="1200" b="0" i="0" u="none" strike="noStrike" cap="none" normalizeH="0" baseline="0">
-                <a:ln>
-                  <a:noFill/>
-                </a:ln>
-                <a:solidFill>
-                  <a:srgbClr val="CC7832"/>
-                </a:solidFill>
-                <a:effectLst/>
-                <a:latin typeface="Consolas" panose="020B0609020204030204" pitchFamily="49" charset="0"/>
-              </a:rPr>
-            </a:br>
-            <a:r>
-              <a:rPr kumimoji="0" lang="de-DE" altLang="de-DE" sz="1200" b="0" i="0" u="none" strike="noStrike" cap="none" normalizeH="0" baseline="0">
-                <a:ln>
-                  <a:noFill/>
-                </a:ln>
-                <a:solidFill>
-                  <a:srgbClr val="CC7832"/>
-                </a:solidFill>
-                <a:effectLst/>
-                <a:latin typeface="Consolas" panose="020B0609020204030204" pitchFamily="49" charset="0"/>
-              </a:rPr>
-              <a:t>        </a:t>
-            </a:r>
-            <a:r>
-              <a:rPr kumimoji="0" lang="de-DE" altLang="de-DE" sz="1200" b="1" i="1" u="none" strike="noStrike" cap="none" normalizeH="0" baseline="0">
-                <a:ln>
-                  <a:noFill/>
-                </a:ln>
-                <a:solidFill>
-                  <a:srgbClr val="9876AA"/>
-                </a:solidFill>
-                <a:effectLst/>
-                <a:latin typeface="Consolas" panose="020B0609020204030204" pitchFamily="49" charset="0"/>
-              </a:rPr>
-              <a:t>document</a:t>
-            </a:r>
-            <a:r>
-              <a:rPr kumimoji="0" lang="de-DE" altLang="de-DE" sz="1200" b="0" i="0" u="none" strike="noStrike" cap="none" normalizeH="0" baseline="0">
-                <a:ln>
-                  <a:noFill/>
-                </a:ln>
-                <a:solidFill>
-                  <a:srgbClr val="A9B7C6"/>
-                </a:solidFill>
-                <a:effectLst/>
-                <a:latin typeface="Consolas" panose="020B0609020204030204" pitchFamily="49" charset="0"/>
-              </a:rPr>
-              <a:t>.</a:t>
-            </a:r>
-            <a:r>
-              <a:rPr kumimoji="0" lang="de-DE" altLang="de-DE" sz="1200" b="0" i="0" u="none" strike="noStrike" cap="none" normalizeH="0" baseline="0">
-                <a:ln>
-                  <a:noFill/>
-                </a:ln>
-                <a:solidFill>
-                  <a:srgbClr val="FFC66D"/>
-                </a:solidFill>
-                <a:effectLst/>
-                <a:latin typeface="Consolas" panose="020B0609020204030204" pitchFamily="49" charset="0"/>
-              </a:rPr>
-              <a:t>getElementById</a:t>
-            </a:r>
-            <a:r>
-              <a:rPr kumimoji="0" lang="de-DE" altLang="de-DE" sz="1200" b="0" i="1" u="none" strike="noStrike" cap="none" normalizeH="0" baseline="0">
-                <a:ln>
-                  <a:noFill/>
-                </a:ln>
-                <a:solidFill>
-                  <a:srgbClr val="9876AA"/>
-                </a:solidFill>
-                <a:effectLst/>
-                <a:latin typeface="Consolas" panose="020B0609020204030204" pitchFamily="49" charset="0"/>
-              </a:rPr>
-              <a:t>(</a:t>
-            </a:r>
-            <a:r>
-              <a:rPr kumimoji="0" lang="de-DE" altLang="de-DE" sz="1200" b="0" i="0" u="none" strike="noStrike" cap="none" normalizeH="0" baseline="0">
-                <a:ln>
-                  <a:noFill/>
-                </a:ln>
-                <a:solidFill>
-                  <a:srgbClr val="6A8759"/>
-                </a:solidFill>
-                <a:effectLst/>
-                <a:latin typeface="Consolas" panose="020B0609020204030204" pitchFamily="49" charset="0"/>
-              </a:rPr>
-              <a:t>'absatz'</a:t>
-            </a:r>
-            <a:r>
-              <a:rPr kumimoji="0" lang="de-DE" altLang="de-DE" sz="1200" b="0" i="1" u="none" strike="noStrike" cap="none" normalizeH="0" baseline="0">
-                <a:ln>
-                  <a:noFill/>
-                </a:ln>
-                <a:solidFill>
-                  <a:srgbClr val="9876AA"/>
-                </a:solidFill>
-                <a:effectLst/>
-                <a:latin typeface="Consolas" panose="020B0609020204030204" pitchFamily="49" charset="0"/>
-              </a:rPr>
-              <a:t>)</a:t>
-            </a:r>
-            <a:r>
-              <a:rPr kumimoji="0" lang="de-DE" altLang="de-DE" sz="1200" b="0" i="0" u="none" strike="noStrike" cap="none" normalizeH="0" baseline="0">
-                <a:ln>
-                  <a:noFill/>
-                </a:ln>
-                <a:solidFill>
-                  <a:srgbClr val="A9B7C6"/>
-                </a:solidFill>
-                <a:effectLst/>
-                <a:latin typeface="Consolas" panose="020B0609020204030204" pitchFamily="49" charset="0"/>
-              </a:rPr>
-              <a:t>.</a:t>
-            </a:r>
-            <a:r>
-              <a:rPr kumimoji="0" lang="de-DE" altLang="de-DE" sz="1200" b="0" i="0" u="none" strike="noStrike" cap="none" normalizeH="0" baseline="0">
-                <a:ln>
-                  <a:noFill/>
-                </a:ln>
-                <a:solidFill>
-                  <a:srgbClr val="9876AA"/>
-                </a:solidFill>
-                <a:effectLst/>
-                <a:latin typeface="Consolas" panose="020B0609020204030204" pitchFamily="49" charset="0"/>
-              </a:rPr>
-              <a:t>style</a:t>
-            </a:r>
-            <a:r>
-              <a:rPr kumimoji="0" lang="de-DE" altLang="de-DE" sz="1200" b="0" i="0" u="none" strike="noStrike" cap="none" normalizeH="0" baseline="0">
-                <a:ln>
-                  <a:noFill/>
-                </a:ln>
-                <a:solidFill>
-                  <a:srgbClr val="A9B7C6"/>
-                </a:solidFill>
-                <a:effectLst/>
-                <a:latin typeface="Consolas" panose="020B0609020204030204" pitchFamily="49" charset="0"/>
-              </a:rPr>
-              <a:t>.</a:t>
-            </a:r>
-            <a:r>
-              <a:rPr kumimoji="0" lang="de-DE" altLang="de-DE" sz="1200" b="0" i="0" u="none" strike="noStrike" cap="none" normalizeH="0" baseline="0">
-                <a:ln>
-                  <a:noFill/>
-                </a:ln>
-                <a:solidFill>
-                  <a:srgbClr val="9876AA"/>
-                </a:solidFill>
-                <a:effectLst/>
-                <a:latin typeface="Consolas" panose="020B0609020204030204" pitchFamily="49" charset="0"/>
-              </a:rPr>
-              <a:t>fontSize </a:t>
-            </a:r>
-            <a:r>
-              <a:rPr kumimoji="0" lang="de-DE" altLang="de-DE" sz="1200" b="0" i="0" u="none" strike="noStrike" cap="none" normalizeH="0" baseline="0">
-                <a:ln>
-                  <a:noFill/>
-                </a:ln>
-                <a:solidFill>
-                  <a:srgbClr val="A9B7C6"/>
-                </a:solidFill>
-                <a:effectLst/>
-                <a:latin typeface="Consolas" panose="020B0609020204030204" pitchFamily="49" charset="0"/>
-              </a:rPr>
-              <a:t>= </a:t>
-            </a:r>
-            <a:r>
-              <a:rPr kumimoji="0" lang="de-DE" altLang="de-DE" sz="1200" b="0" i="0" u="none" strike="noStrike" cap="none" normalizeH="0" baseline="0">
-                <a:ln>
-                  <a:noFill/>
-                </a:ln>
-                <a:solidFill>
-                  <a:srgbClr val="6A8759"/>
-                </a:solidFill>
-                <a:effectLst/>
-                <a:latin typeface="Consolas" panose="020B0609020204030204" pitchFamily="49" charset="0"/>
-              </a:rPr>
-              <a:t>'28px'</a:t>
-            </a:r>
-            <a:r>
-              <a:rPr kumimoji="0" lang="de-DE" altLang="de-DE" sz="1200" b="0" i="0" u="none" strike="noStrike" cap="none" normalizeH="0" baseline="0">
-                <a:ln>
-                  <a:noFill/>
-                </a:ln>
-                <a:solidFill>
-                  <a:srgbClr val="CC7832"/>
-                </a:solidFill>
-                <a:effectLst/>
-                <a:latin typeface="Consolas" panose="020B0609020204030204" pitchFamily="49" charset="0"/>
-              </a:rPr>
-              <a:t>;</a:t>
-            </a:r>
-            <a:br>
-              <a:rPr kumimoji="0" lang="de-DE" altLang="de-DE" sz="1200" b="0" i="0" u="none" strike="noStrike" cap="none" normalizeH="0" baseline="0">
-                <a:ln>
-                  <a:noFill/>
-                </a:ln>
-                <a:solidFill>
-                  <a:srgbClr val="CC7832"/>
-                </a:solidFill>
-                <a:effectLst/>
-                <a:latin typeface="Consolas" panose="020B0609020204030204" pitchFamily="49" charset="0"/>
-              </a:rPr>
-            </a:br>
-            <a:r>
-              <a:rPr kumimoji="0" lang="de-DE" altLang="de-DE" sz="1200" b="0" i="0" u="none" strike="noStrike" cap="none" normalizeH="0" baseline="0">
-                <a:ln>
-                  <a:noFill/>
-                </a:ln>
-                <a:solidFill>
-                  <a:srgbClr val="CC7832"/>
-                </a:solidFill>
-                <a:effectLst/>
-                <a:latin typeface="Consolas" panose="020B0609020204030204" pitchFamily="49" charset="0"/>
-              </a:rPr>
-              <a:t>        </a:t>
-            </a:r>
-            <a:r>
-              <a:rPr kumimoji="0" lang="de-DE" altLang="de-DE" sz="1200" b="1" i="1" u="none" strike="noStrike" cap="none" normalizeH="0" baseline="0">
-                <a:ln>
-                  <a:noFill/>
-                </a:ln>
-                <a:solidFill>
-                  <a:srgbClr val="9876AA"/>
-                </a:solidFill>
-                <a:effectLst/>
-                <a:latin typeface="Consolas" panose="020B0609020204030204" pitchFamily="49" charset="0"/>
-              </a:rPr>
-              <a:t>document</a:t>
-            </a:r>
-            <a:r>
-              <a:rPr kumimoji="0" lang="de-DE" altLang="de-DE" sz="1200" b="0" i="0" u="none" strike="noStrike" cap="none" normalizeH="0" baseline="0">
-                <a:ln>
-                  <a:noFill/>
-                </a:ln>
-                <a:solidFill>
-                  <a:srgbClr val="A9B7C6"/>
-                </a:solidFill>
-                <a:effectLst/>
-                <a:latin typeface="Consolas" panose="020B0609020204030204" pitchFamily="49" charset="0"/>
-              </a:rPr>
-              <a:t>.</a:t>
-            </a:r>
-            <a:r>
-              <a:rPr kumimoji="0" lang="de-DE" altLang="de-DE" sz="1200" b="0" i="0" u="none" strike="noStrike" cap="none" normalizeH="0" baseline="0">
-                <a:ln>
-                  <a:noFill/>
-                </a:ln>
-                <a:solidFill>
-                  <a:srgbClr val="FFC66D"/>
-                </a:solidFill>
-                <a:effectLst/>
-                <a:latin typeface="Consolas" panose="020B0609020204030204" pitchFamily="49" charset="0"/>
-              </a:rPr>
-              <a:t>getElementById</a:t>
-            </a:r>
-            <a:r>
-              <a:rPr kumimoji="0" lang="de-DE" altLang="de-DE" sz="1200" b="0" i="1" u="none" strike="noStrike" cap="none" normalizeH="0" baseline="0">
-                <a:ln>
-                  <a:noFill/>
-                </a:ln>
-                <a:solidFill>
-                  <a:srgbClr val="9876AA"/>
-                </a:solidFill>
-                <a:effectLst/>
-                <a:latin typeface="Consolas" panose="020B0609020204030204" pitchFamily="49" charset="0"/>
-              </a:rPr>
-              <a:t>(</a:t>
-            </a:r>
-            <a:r>
-              <a:rPr kumimoji="0" lang="de-DE" altLang="de-DE" sz="1200" b="0" i="0" u="none" strike="noStrike" cap="none" normalizeH="0" baseline="0">
-                <a:ln>
-                  <a:noFill/>
-                </a:ln>
-                <a:solidFill>
-                  <a:srgbClr val="6A8759"/>
-                </a:solidFill>
-                <a:effectLst/>
-                <a:latin typeface="Consolas" panose="020B0609020204030204" pitchFamily="49" charset="0"/>
-              </a:rPr>
-              <a:t>'absatz'</a:t>
-            </a:r>
-            <a:r>
-              <a:rPr kumimoji="0" lang="de-DE" altLang="de-DE" sz="1200" b="0" i="1" u="none" strike="noStrike" cap="none" normalizeH="0" baseline="0">
-                <a:ln>
-                  <a:noFill/>
-                </a:ln>
-                <a:solidFill>
-                  <a:srgbClr val="9876AA"/>
-                </a:solidFill>
-                <a:effectLst/>
-                <a:latin typeface="Consolas" panose="020B0609020204030204" pitchFamily="49" charset="0"/>
-              </a:rPr>
-              <a:t>)</a:t>
-            </a:r>
-            <a:r>
-              <a:rPr kumimoji="0" lang="de-DE" altLang="de-DE" sz="1200" b="0" i="0" u="none" strike="noStrike" cap="none" normalizeH="0" baseline="0">
-                <a:ln>
-                  <a:noFill/>
-                </a:ln>
-                <a:solidFill>
-                  <a:srgbClr val="A9B7C6"/>
-                </a:solidFill>
-                <a:effectLst/>
-                <a:latin typeface="Consolas" panose="020B0609020204030204" pitchFamily="49" charset="0"/>
-              </a:rPr>
-              <a:t>.</a:t>
-            </a:r>
-            <a:r>
-              <a:rPr kumimoji="0" lang="de-DE" altLang="de-DE" sz="1200" b="0" i="0" u="none" strike="noStrike" cap="none" normalizeH="0" baseline="0">
-                <a:ln>
-                  <a:noFill/>
-                </a:ln>
-                <a:solidFill>
-                  <a:srgbClr val="9876AA"/>
-                </a:solidFill>
-                <a:effectLst/>
-                <a:latin typeface="Consolas" panose="020B0609020204030204" pitchFamily="49" charset="0"/>
-              </a:rPr>
-              <a:t>style</a:t>
-            </a:r>
-            <a:r>
-              <a:rPr kumimoji="0" lang="de-DE" altLang="de-DE" sz="1200" b="0" i="0" u="none" strike="noStrike" cap="none" normalizeH="0" baseline="0">
-                <a:ln>
-                  <a:noFill/>
-                </a:ln>
-                <a:solidFill>
-                  <a:srgbClr val="A9B7C6"/>
-                </a:solidFill>
-                <a:effectLst/>
-                <a:latin typeface="Consolas" panose="020B0609020204030204" pitchFamily="49" charset="0"/>
-              </a:rPr>
-              <a:t>.</a:t>
-            </a:r>
-            <a:r>
-              <a:rPr kumimoji="0" lang="de-DE" altLang="de-DE" sz="1200" b="0" i="0" u="none" strike="noStrike" cap="none" normalizeH="0" baseline="0">
-                <a:ln>
-                  <a:noFill/>
-                </a:ln>
-                <a:solidFill>
-                  <a:srgbClr val="9876AA"/>
-                </a:solidFill>
-                <a:effectLst/>
-                <a:latin typeface="Consolas" panose="020B0609020204030204" pitchFamily="49" charset="0"/>
-              </a:rPr>
-              <a:t>color </a:t>
-            </a:r>
-            <a:r>
-              <a:rPr kumimoji="0" lang="de-DE" altLang="de-DE" sz="1200" b="0" i="0" u="none" strike="noStrike" cap="none" normalizeH="0" baseline="0">
-                <a:ln>
-                  <a:noFill/>
-                </a:ln>
-                <a:solidFill>
-                  <a:srgbClr val="A9B7C6"/>
-                </a:solidFill>
-                <a:effectLst/>
-                <a:latin typeface="Consolas" panose="020B0609020204030204" pitchFamily="49" charset="0"/>
-              </a:rPr>
-              <a:t>= </a:t>
-            </a:r>
-            <a:r>
-              <a:rPr kumimoji="0" lang="de-DE" altLang="de-DE" sz="1200" b="0" i="0" u="none" strike="noStrike" cap="none" normalizeH="0" baseline="0">
-                <a:ln>
-                  <a:noFill/>
-                </a:ln>
-                <a:solidFill>
-                  <a:srgbClr val="6A8759"/>
-                </a:solidFill>
-                <a:effectLst/>
-                <a:latin typeface="Consolas" panose="020B0609020204030204" pitchFamily="49" charset="0"/>
-              </a:rPr>
-              <a:t>"darkgrey"</a:t>
-            </a:r>
-            <a:r>
-              <a:rPr kumimoji="0" lang="de-DE" altLang="de-DE" sz="1200" b="0" i="0" u="none" strike="noStrike" cap="none" normalizeH="0" baseline="0">
-                <a:ln>
-                  <a:noFill/>
-                </a:ln>
-                <a:solidFill>
-                  <a:srgbClr val="CC7832"/>
-                </a:solidFill>
-                <a:effectLst/>
-                <a:latin typeface="Consolas" panose="020B0609020204030204" pitchFamily="49" charset="0"/>
-              </a:rPr>
-              <a:t>;</a:t>
-            </a:r>
-            <a:br>
-              <a:rPr kumimoji="0" lang="de-DE" altLang="de-DE" sz="1200" b="0" i="0" u="none" strike="noStrike" cap="none" normalizeH="0" baseline="0">
-                <a:ln>
-                  <a:noFill/>
-                </a:ln>
-                <a:solidFill>
-                  <a:srgbClr val="CC7832"/>
-                </a:solidFill>
-                <a:effectLst/>
-                <a:latin typeface="Consolas" panose="020B0609020204030204" pitchFamily="49" charset="0"/>
-              </a:rPr>
-            </a:br>
-            <a:r>
-              <a:rPr kumimoji="0" lang="de-DE" altLang="de-DE" sz="1200" b="0" i="0" u="none" strike="noStrike" cap="none" normalizeH="0" baseline="0">
-                <a:ln>
-                  <a:noFill/>
-                </a:ln>
-                <a:solidFill>
-                  <a:srgbClr val="CC7832"/>
-                </a:solidFill>
-                <a:effectLst/>
-                <a:latin typeface="Consolas" panose="020B0609020204030204" pitchFamily="49" charset="0"/>
-              </a:rPr>
-              <a:t>        </a:t>
-            </a:r>
-            <a:r>
-              <a:rPr kumimoji="0" lang="de-DE" altLang="de-DE" sz="1200" b="1" i="1" u="none" strike="noStrike" cap="none" normalizeH="0" baseline="0">
-                <a:ln>
-                  <a:noFill/>
-                </a:ln>
-                <a:solidFill>
-                  <a:srgbClr val="9876AA"/>
-                </a:solidFill>
-                <a:effectLst/>
-                <a:latin typeface="Consolas" panose="020B0609020204030204" pitchFamily="49" charset="0"/>
-              </a:rPr>
-              <a:t>document</a:t>
-            </a:r>
-            <a:r>
-              <a:rPr kumimoji="0" lang="de-DE" altLang="de-DE" sz="1200" b="0" i="0" u="none" strike="noStrike" cap="none" normalizeH="0" baseline="0">
-                <a:ln>
-                  <a:noFill/>
-                </a:ln>
-                <a:solidFill>
-                  <a:srgbClr val="A9B7C6"/>
-                </a:solidFill>
-                <a:effectLst/>
-                <a:latin typeface="Consolas" panose="020B0609020204030204" pitchFamily="49" charset="0"/>
-              </a:rPr>
-              <a:t>.</a:t>
-            </a:r>
-            <a:r>
-              <a:rPr kumimoji="0" lang="de-DE" altLang="de-DE" sz="1200" b="0" i="0" u="none" strike="noStrike" cap="none" normalizeH="0" baseline="0">
-                <a:ln>
-                  <a:noFill/>
-                </a:ln>
-                <a:solidFill>
-                  <a:srgbClr val="FFC66D"/>
-                </a:solidFill>
-                <a:effectLst/>
-                <a:latin typeface="Consolas" panose="020B0609020204030204" pitchFamily="49" charset="0"/>
-              </a:rPr>
-              <a:t>getElementById</a:t>
-            </a:r>
-            <a:r>
-              <a:rPr kumimoji="0" lang="de-DE" altLang="de-DE" sz="1200" b="0" i="1" u="none" strike="noStrike" cap="none" normalizeH="0" baseline="0">
-                <a:ln>
-                  <a:noFill/>
-                </a:ln>
-                <a:solidFill>
-                  <a:srgbClr val="9876AA"/>
-                </a:solidFill>
-                <a:effectLst/>
-                <a:latin typeface="Consolas" panose="020B0609020204030204" pitchFamily="49" charset="0"/>
-              </a:rPr>
-              <a:t>(</a:t>
-            </a:r>
-            <a:r>
-              <a:rPr kumimoji="0" lang="de-DE" altLang="de-DE" sz="1200" b="0" i="0" u="none" strike="noStrike" cap="none" normalizeH="0" baseline="0">
-                <a:ln>
-                  <a:noFill/>
-                </a:ln>
-                <a:solidFill>
-                  <a:srgbClr val="6A8759"/>
-                </a:solidFill>
-                <a:effectLst/>
-                <a:latin typeface="Consolas" panose="020B0609020204030204" pitchFamily="49" charset="0"/>
-              </a:rPr>
-              <a:t>'absatz'</a:t>
-            </a:r>
-            <a:r>
-              <a:rPr kumimoji="0" lang="de-DE" altLang="de-DE" sz="1200" b="0" i="1" u="none" strike="noStrike" cap="none" normalizeH="0" baseline="0">
-                <a:ln>
-                  <a:noFill/>
-                </a:ln>
-                <a:solidFill>
-                  <a:srgbClr val="9876AA"/>
-                </a:solidFill>
-                <a:effectLst/>
-                <a:latin typeface="Consolas" panose="020B0609020204030204" pitchFamily="49" charset="0"/>
-              </a:rPr>
-              <a:t>)</a:t>
-            </a:r>
-            <a:r>
-              <a:rPr kumimoji="0" lang="de-DE" altLang="de-DE" sz="1200" b="0" i="0" u="none" strike="noStrike" cap="none" normalizeH="0" baseline="0">
-                <a:ln>
-                  <a:noFill/>
-                </a:ln>
-                <a:solidFill>
-                  <a:srgbClr val="A9B7C6"/>
-                </a:solidFill>
-                <a:effectLst/>
-                <a:latin typeface="Consolas" panose="020B0609020204030204" pitchFamily="49" charset="0"/>
-              </a:rPr>
-              <a:t>.</a:t>
-            </a:r>
-            <a:r>
-              <a:rPr kumimoji="0" lang="de-DE" altLang="de-DE" sz="1200" b="0" i="0" u="none" strike="noStrike" cap="none" normalizeH="0" baseline="0">
-                <a:ln>
-                  <a:noFill/>
-                </a:ln>
-                <a:solidFill>
-                  <a:srgbClr val="9876AA"/>
-                </a:solidFill>
-                <a:effectLst/>
-                <a:latin typeface="Consolas" panose="020B0609020204030204" pitchFamily="49" charset="0"/>
-              </a:rPr>
-              <a:t>style</a:t>
-            </a:r>
-            <a:r>
-              <a:rPr kumimoji="0" lang="de-DE" altLang="de-DE" sz="1200" b="0" i="0" u="none" strike="noStrike" cap="none" normalizeH="0" baseline="0">
-                <a:ln>
-                  <a:noFill/>
-                </a:ln>
-                <a:solidFill>
-                  <a:srgbClr val="A9B7C6"/>
-                </a:solidFill>
-                <a:effectLst/>
-                <a:latin typeface="Consolas" panose="020B0609020204030204" pitchFamily="49" charset="0"/>
-              </a:rPr>
-              <a:t>.</a:t>
-            </a:r>
-            <a:r>
-              <a:rPr kumimoji="0" lang="de-DE" altLang="de-DE" sz="1200" b="0" i="0" u="none" strike="noStrike" cap="none" normalizeH="0" baseline="0">
-                <a:ln>
-                  <a:noFill/>
-                </a:ln>
-                <a:solidFill>
-                  <a:srgbClr val="9876AA"/>
-                </a:solidFill>
-                <a:effectLst/>
-                <a:latin typeface="Consolas" panose="020B0609020204030204" pitchFamily="49" charset="0"/>
-              </a:rPr>
-              <a:t>border </a:t>
-            </a:r>
-            <a:r>
-              <a:rPr kumimoji="0" lang="de-DE" altLang="de-DE" sz="1200" b="0" i="0" u="none" strike="noStrike" cap="none" normalizeH="0" baseline="0">
-                <a:ln>
-                  <a:noFill/>
-                </a:ln>
-                <a:solidFill>
-                  <a:srgbClr val="A9B7C6"/>
-                </a:solidFill>
-                <a:effectLst/>
-                <a:latin typeface="Consolas" panose="020B0609020204030204" pitchFamily="49" charset="0"/>
-              </a:rPr>
-              <a:t>= </a:t>
-            </a:r>
-            <a:r>
-              <a:rPr kumimoji="0" lang="de-DE" altLang="de-DE" sz="1200" b="0" i="0" u="none" strike="noStrike" cap="none" normalizeH="0" baseline="0">
-                <a:ln>
-                  <a:noFill/>
-                </a:ln>
-                <a:solidFill>
-                  <a:srgbClr val="6A8759"/>
-                </a:solidFill>
-                <a:effectLst/>
-                <a:latin typeface="Consolas" panose="020B0609020204030204" pitchFamily="49" charset="0"/>
-              </a:rPr>
-              <a:t>""</a:t>
-            </a:r>
-            <a:r>
-              <a:rPr kumimoji="0" lang="de-DE" altLang="de-DE" sz="1200" b="0" i="0" u="none" strike="noStrike" cap="none" normalizeH="0" baseline="0">
-                <a:ln>
-                  <a:noFill/>
-                </a:ln>
-                <a:solidFill>
-                  <a:srgbClr val="CC7832"/>
-                </a:solidFill>
-                <a:effectLst/>
-                <a:latin typeface="Consolas" panose="020B0609020204030204" pitchFamily="49" charset="0"/>
-              </a:rPr>
-              <a:t>;</a:t>
-            </a:r>
-            <a:br>
-              <a:rPr kumimoji="0" lang="de-DE" altLang="de-DE" sz="1200" b="0" i="0" u="none" strike="noStrike" cap="none" normalizeH="0" baseline="0">
-                <a:ln>
-                  <a:noFill/>
-                </a:ln>
-                <a:solidFill>
-                  <a:srgbClr val="CC7832"/>
-                </a:solidFill>
-                <a:effectLst/>
-                <a:latin typeface="Consolas" panose="020B0609020204030204" pitchFamily="49" charset="0"/>
-              </a:rPr>
-            </a:br>
-            <a:r>
-              <a:rPr kumimoji="0" lang="de-DE" altLang="de-DE" sz="1200" b="0" i="0" u="none" strike="noStrike" cap="none" normalizeH="0" baseline="0">
-                <a:ln>
-                  <a:noFill/>
-                </a:ln>
-                <a:solidFill>
-                  <a:srgbClr val="CC7832"/>
-                </a:solidFill>
-                <a:effectLst/>
-                <a:latin typeface="Consolas" panose="020B0609020204030204" pitchFamily="49" charset="0"/>
-              </a:rPr>
-              <a:t>        </a:t>
-            </a:r>
-            <a:r>
-              <a:rPr kumimoji="0" lang="de-DE" altLang="de-DE" sz="1200" b="1" i="1" u="none" strike="noStrike" cap="none" normalizeH="0" baseline="0">
-                <a:ln>
-                  <a:noFill/>
-                </a:ln>
-                <a:solidFill>
-                  <a:srgbClr val="9876AA"/>
-                </a:solidFill>
-                <a:effectLst/>
-                <a:latin typeface="Consolas" panose="020B0609020204030204" pitchFamily="49" charset="0"/>
-              </a:rPr>
-              <a:t>document</a:t>
-            </a:r>
-            <a:r>
-              <a:rPr kumimoji="0" lang="de-DE" altLang="de-DE" sz="1200" b="0" i="0" u="none" strike="noStrike" cap="none" normalizeH="0" baseline="0">
-                <a:ln>
-                  <a:noFill/>
-                </a:ln>
-                <a:solidFill>
-                  <a:srgbClr val="A9B7C6"/>
-                </a:solidFill>
-                <a:effectLst/>
-                <a:latin typeface="Consolas" panose="020B0609020204030204" pitchFamily="49" charset="0"/>
-              </a:rPr>
-              <a:t>.</a:t>
-            </a:r>
-            <a:r>
-              <a:rPr kumimoji="0" lang="de-DE" altLang="de-DE" sz="1200" b="0" i="0" u="none" strike="noStrike" cap="none" normalizeH="0" baseline="0">
-                <a:ln>
-                  <a:noFill/>
-                </a:ln>
-                <a:solidFill>
-                  <a:srgbClr val="FFC66D"/>
-                </a:solidFill>
-                <a:effectLst/>
-                <a:latin typeface="Consolas" panose="020B0609020204030204" pitchFamily="49" charset="0"/>
-              </a:rPr>
-              <a:t>getElementById</a:t>
-            </a:r>
-            <a:r>
-              <a:rPr kumimoji="0" lang="de-DE" altLang="de-DE" sz="1200" b="0" i="1" u="none" strike="noStrike" cap="none" normalizeH="0" baseline="0">
-                <a:ln>
-                  <a:noFill/>
-                </a:ln>
-                <a:solidFill>
-                  <a:srgbClr val="9876AA"/>
-                </a:solidFill>
-                <a:effectLst/>
-                <a:latin typeface="Consolas" panose="020B0609020204030204" pitchFamily="49" charset="0"/>
-              </a:rPr>
-              <a:t>(</a:t>
-            </a:r>
-            <a:r>
-              <a:rPr kumimoji="0" lang="de-DE" altLang="de-DE" sz="1200" b="0" i="0" u="none" strike="noStrike" cap="none" normalizeH="0" baseline="0">
-                <a:ln>
-                  <a:noFill/>
-                </a:ln>
-                <a:solidFill>
-                  <a:srgbClr val="6A8759"/>
-                </a:solidFill>
-                <a:effectLst/>
-                <a:latin typeface="Consolas" panose="020B0609020204030204" pitchFamily="49" charset="0"/>
-              </a:rPr>
-              <a:t>'absatz'</a:t>
-            </a:r>
-            <a:r>
-              <a:rPr kumimoji="0" lang="de-DE" altLang="de-DE" sz="1200" b="0" i="1" u="none" strike="noStrike" cap="none" normalizeH="0" baseline="0">
-                <a:ln>
-                  <a:noFill/>
-                </a:ln>
-                <a:solidFill>
-                  <a:srgbClr val="9876AA"/>
-                </a:solidFill>
-                <a:effectLst/>
-                <a:latin typeface="Consolas" panose="020B0609020204030204" pitchFamily="49" charset="0"/>
-              </a:rPr>
-              <a:t>)</a:t>
-            </a:r>
-            <a:r>
-              <a:rPr kumimoji="0" lang="de-DE" altLang="de-DE" sz="1200" b="0" i="0" u="none" strike="noStrike" cap="none" normalizeH="0" baseline="0">
-                <a:ln>
-                  <a:noFill/>
-                </a:ln>
-                <a:solidFill>
-                  <a:srgbClr val="A9B7C6"/>
-                </a:solidFill>
-                <a:effectLst/>
-                <a:latin typeface="Consolas" panose="020B0609020204030204" pitchFamily="49" charset="0"/>
-              </a:rPr>
-              <a:t>.</a:t>
-            </a:r>
-            <a:r>
-              <a:rPr kumimoji="0" lang="de-DE" altLang="de-DE" sz="1200" b="0" i="0" u="none" strike="noStrike" cap="none" normalizeH="0" baseline="0">
-                <a:ln>
-                  <a:noFill/>
-                </a:ln>
-                <a:solidFill>
-                  <a:srgbClr val="9876AA"/>
-                </a:solidFill>
-                <a:effectLst/>
-                <a:latin typeface="Consolas" panose="020B0609020204030204" pitchFamily="49" charset="0"/>
-              </a:rPr>
-              <a:t>style</a:t>
-            </a:r>
-            <a:r>
-              <a:rPr kumimoji="0" lang="de-DE" altLang="de-DE" sz="1200" b="0" i="0" u="none" strike="noStrike" cap="none" normalizeH="0" baseline="0">
-                <a:ln>
-                  <a:noFill/>
-                </a:ln>
-                <a:solidFill>
-                  <a:srgbClr val="A9B7C6"/>
-                </a:solidFill>
-                <a:effectLst/>
-                <a:latin typeface="Consolas" panose="020B0609020204030204" pitchFamily="49" charset="0"/>
-              </a:rPr>
-              <a:t>.</a:t>
-            </a:r>
-            <a:r>
-              <a:rPr kumimoji="0" lang="de-DE" altLang="de-DE" sz="1200" b="0" i="0" u="none" strike="noStrike" cap="none" normalizeH="0" baseline="0">
-                <a:ln>
-                  <a:noFill/>
-                </a:ln>
-                <a:solidFill>
-                  <a:srgbClr val="9876AA"/>
-                </a:solidFill>
-                <a:effectLst/>
-                <a:latin typeface="Consolas" panose="020B0609020204030204" pitchFamily="49" charset="0"/>
-              </a:rPr>
-              <a:t>width </a:t>
-            </a:r>
-            <a:r>
-              <a:rPr kumimoji="0" lang="de-DE" altLang="de-DE" sz="1200" b="0" i="0" u="none" strike="noStrike" cap="none" normalizeH="0" baseline="0">
-                <a:ln>
-                  <a:noFill/>
-                </a:ln>
-                <a:solidFill>
-                  <a:srgbClr val="A9B7C6"/>
-                </a:solidFill>
-                <a:effectLst/>
-                <a:latin typeface="Consolas" panose="020B0609020204030204" pitchFamily="49" charset="0"/>
-              </a:rPr>
-              <a:t>= </a:t>
-            </a:r>
-            <a:r>
-              <a:rPr kumimoji="0" lang="de-DE" altLang="de-DE" sz="1200" b="0" i="0" u="none" strike="noStrike" cap="none" normalizeH="0" baseline="0">
-                <a:ln>
-                  <a:noFill/>
-                </a:ln>
-                <a:solidFill>
-                  <a:srgbClr val="6A8759"/>
-                </a:solidFill>
-                <a:effectLst/>
-                <a:latin typeface="Consolas" panose="020B0609020204030204" pitchFamily="49" charset="0"/>
-              </a:rPr>
-              <a:t>"100px"</a:t>
-            </a:r>
-            <a:r>
-              <a:rPr kumimoji="0" lang="de-DE" altLang="de-DE" sz="1200" b="0" i="0" u="none" strike="noStrike" cap="none" normalizeH="0" baseline="0">
-                <a:ln>
-                  <a:noFill/>
-                </a:ln>
-                <a:solidFill>
-                  <a:srgbClr val="CC7832"/>
-                </a:solidFill>
-                <a:effectLst/>
-                <a:latin typeface="Consolas" panose="020B0609020204030204" pitchFamily="49" charset="0"/>
-              </a:rPr>
-              <a:t>;</a:t>
-            </a:r>
-            <a:br>
-              <a:rPr kumimoji="0" lang="de-DE" altLang="de-DE" sz="1200" b="0" i="0" u="none" strike="noStrike" cap="none" normalizeH="0" baseline="0">
-                <a:ln>
-                  <a:noFill/>
-                </a:ln>
-                <a:solidFill>
-                  <a:srgbClr val="CC7832"/>
-                </a:solidFill>
-                <a:effectLst/>
-                <a:latin typeface="Consolas" panose="020B0609020204030204" pitchFamily="49" charset="0"/>
-              </a:rPr>
-            </a:br>
-            <a:r>
-              <a:rPr kumimoji="0" lang="de-DE" altLang="de-DE" sz="1200" b="0" i="0" u="none" strike="noStrike" cap="none" normalizeH="0" baseline="0">
-                <a:ln>
-                  <a:noFill/>
-                </a:ln>
-                <a:solidFill>
-                  <a:srgbClr val="CC7832"/>
-                </a:solidFill>
-                <a:effectLst/>
-                <a:latin typeface="Consolas" panose="020B0609020204030204" pitchFamily="49" charset="0"/>
-              </a:rPr>
-              <a:t>    </a:t>
-            </a:r>
-            <a:r>
-              <a:rPr kumimoji="0" lang="de-DE" altLang="de-DE" sz="1200" b="0" i="1" u="none" strike="noStrike" cap="none" normalizeH="0" baseline="0">
-                <a:ln>
-                  <a:noFill/>
-                </a:ln>
-                <a:solidFill>
-                  <a:srgbClr val="9876AA"/>
-                </a:solidFill>
-                <a:effectLst/>
-                <a:latin typeface="Consolas" panose="020B0609020204030204" pitchFamily="49" charset="0"/>
-              </a:rPr>
-              <a:t>}</a:t>
-            </a:r>
-            <a:br>
-              <a:rPr kumimoji="0" lang="de-DE" altLang="de-DE" sz="1200" b="0" i="1" u="none" strike="noStrike" cap="none" normalizeH="0" baseline="0">
-                <a:ln>
-                  <a:noFill/>
-                </a:ln>
-                <a:solidFill>
-                  <a:srgbClr val="9876AA"/>
-                </a:solidFill>
-                <a:effectLst/>
-                <a:latin typeface="Consolas" panose="020B0609020204030204" pitchFamily="49" charset="0"/>
-              </a:rPr>
-            </a:br>
-            <a:r>
-              <a:rPr kumimoji="0" lang="de-DE" altLang="de-DE" sz="1200" b="0" i="1" u="none" strike="noStrike" cap="none" normalizeH="0" baseline="0">
-                <a:ln>
-                  <a:noFill/>
-                </a:ln>
-                <a:solidFill>
-                  <a:srgbClr val="9876AA"/>
-                </a:solidFill>
-                <a:effectLst/>
-                <a:latin typeface="Consolas" panose="020B0609020204030204" pitchFamily="49" charset="0"/>
-              </a:rPr>
-              <a:t>&lt;/</a:t>
-            </a:r>
-            <a:r>
-              <a:rPr kumimoji="0" lang="de-DE" altLang="de-DE" sz="1200" b="0" i="0" u="none" strike="noStrike" cap="none" normalizeH="0" baseline="0">
-                <a:ln>
-                  <a:noFill/>
-                </a:ln>
-                <a:solidFill>
-                  <a:srgbClr val="E8BF6A"/>
-                </a:solidFill>
-                <a:effectLst/>
-                <a:latin typeface="Consolas" panose="020B0609020204030204" pitchFamily="49" charset="0"/>
-              </a:rPr>
-              <a:t>script</a:t>
-            </a:r>
-            <a:r>
-              <a:rPr kumimoji="0" lang="de-DE" altLang="de-DE" sz="1200" b="0" i="1" u="none" strike="noStrike" cap="none" normalizeH="0" baseline="0">
-                <a:ln>
-                  <a:noFill/>
-                </a:ln>
-                <a:solidFill>
-                  <a:srgbClr val="9876AA"/>
-                </a:solidFill>
-                <a:effectLst/>
-                <a:latin typeface="Consolas" panose="020B0609020204030204" pitchFamily="49" charset="0"/>
-              </a:rPr>
-              <a:t>&gt;</a:t>
-            </a:r>
-            <a:br>
-              <a:rPr kumimoji="0" lang="de-DE" altLang="de-DE" sz="1200" b="0" i="1" u="none" strike="noStrike" cap="none" normalizeH="0" baseline="0">
-                <a:ln>
-                  <a:noFill/>
-                </a:ln>
-                <a:solidFill>
-                  <a:srgbClr val="9876AA"/>
-                </a:solidFill>
-                <a:effectLst/>
-                <a:latin typeface="Consolas" panose="020B0609020204030204" pitchFamily="49" charset="0"/>
-              </a:rPr>
-            </a:br>
-            <a:r>
-              <a:rPr kumimoji="0" lang="de-DE" altLang="de-DE" sz="1200" b="0" i="1" u="none" strike="noStrike" cap="none" normalizeH="0" baseline="0">
-                <a:ln>
-                  <a:noFill/>
-                </a:ln>
-                <a:solidFill>
-                  <a:srgbClr val="9876AA"/>
-                </a:solidFill>
-                <a:effectLst/>
-                <a:latin typeface="Consolas" panose="020B0609020204030204" pitchFamily="49" charset="0"/>
-              </a:rPr>
-              <a:t>&lt;/</a:t>
-            </a:r>
-            <a:r>
-              <a:rPr kumimoji="0" lang="de-DE" altLang="de-DE" sz="1200" b="0" i="0" u="none" strike="noStrike" cap="none" normalizeH="0" baseline="0">
-                <a:ln>
-                  <a:noFill/>
-                </a:ln>
-                <a:solidFill>
-                  <a:srgbClr val="E8BF6A"/>
-                </a:solidFill>
-                <a:effectLst/>
-                <a:latin typeface="Consolas" panose="020B0609020204030204" pitchFamily="49" charset="0"/>
-              </a:rPr>
-              <a:t>body</a:t>
-            </a:r>
-            <a:r>
-              <a:rPr kumimoji="0" lang="de-DE" altLang="de-DE" sz="1200" b="0" i="1" u="none" strike="noStrike" cap="none" normalizeH="0" baseline="0">
-                <a:ln>
-                  <a:noFill/>
-                </a:ln>
-                <a:solidFill>
-                  <a:srgbClr val="9876AA"/>
-                </a:solidFill>
-                <a:effectLst/>
-                <a:latin typeface="Consolas" panose="020B0609020204030204" pitchFamily="49" charset="0"/>
-              </a:rPr>
-              <a:t>&gt;</a:t>
-            </a:r>
-            <a:endParaRPr kumimoji="0" lang="de-DE" altLang="de-DE" sz="1200" b="0" i="0" u="none" strike="noStrike" cap="none" normalizeH="0" baseline="0">
-              <a:ln>
-                <a:noFill/>
-              </a:ln>
-              <a:solidFill>
-                <a:schemeClr val="tx1"/>
-              </a:solidFill>
-              <a:effectLst/>
-              <a:latin typeface="Consolas" panose="020B0609020204030204" pitchFamily="49" charset="0"/>
-            </a:endParaRPr>
-          </a:p>
-        </p:txBody>
-      </p:sp>
-    </p:spTree>
-    <p:extLst>
-      <p:ext uri="{BB962C8B-B14F-4D97-AF65-F5344CB8AC3E}">
-        <p14:creationId xmlns:p14="http://schemas.microsoft.com/office/powerpoint/2010/main" val="4064718024"/>
-      </p:ext>
-    </p:extLst>
-  </p:cSld>
-  <p:clrMapOvr>
-    <a:masterClrMapping/>
-  </p:clrMapOvr>
-</p:sld>
-</file>
-
-<file path=ppt/slides/slide9.xml><?xml version="1.0" encoding="utf-8"?>
 <p:sld xmlns:a="http://schemas.openxmlformats.org/drawingml/2006/main" xmlns:r="http://schemas.openxmlformats.org/officeDocument/2006/relationships" xmlns:p="http://schemas.openxmlformats.org/presentationml/2006/main">
   <p:cSld>
     <p:spTree>

--- a/2021-11-06/js-3 - Loesungen.pptx
+++ b/2021-11-06/js-3 - Loesungen.pptx
@@ -113,24 +113,6 @@
     </a:lvl9pPr>
   </p:defaultTextStyle>
   <p:extLst>
-    <p:ext uri="{521415D9-36F7-43E2-AB2F-B90AF26B5E84}">
-      <p14:sectionLst xmlns:p14="http://schemas.microsoft.com/office/powerpoint/2010/main">
-        <p14:section name="Standardabschnitt" id="{717E7818-A8A7-4B89-A736-2DED9AFEF71F}">
-          <p14:sldIdLst>
-            <p14:sldId id="326"/>
-            <p14:sldId id="335"/>
-            <p14:sldId id="336"/>
-            <p14:sldId id="337"/>
-            <p14:sldId id="338"/>
-          </p14:sldIdLst>
-        </p14:section>
-        <p14:section name="Ende" id="{02AF34D8-F4D7-4376-8A64-789B77C2F39B}">
-          <p14:sldIdLst>
-            <p14:sldId id="304"/>
-          </p14:sldIdLst>
-        </p14:section>
-      </p14:sectionLst>
-    </p:ext>
     <p:ext uri="{EFAFB233-063F-42B5-8137-9DF3F51BA10A}">
       <p15:sldGuideLst xmlns:p15="http://schemas.microsoft.com/office/powerpoint/2012/main">
         <p15:guide id="1" orient="horz" pos="2160" userDrawn="1">
